--- a/poster/21P78Poster.pptx
+++ b/poster/21P78Poster.pptx
@@ -121,6 +121,18 @@
     </p:ext>
   </p:extLst>
 </p:presentation>
+</file>
+
+<file path=ppt/commentAuthors.xml><?xml version="1.0" encoding="utf-8"?>
+<p:cmAuthorLst xmlns:a="http://schemas.openxmlformats.org/drawingml/2006/main" xmlns:r="http://schemas.openxmlformats.org/officeDocument/2006/relationships" xmlns:p="http://schemas.openxmlformats.org/presentationml/2006/main">
+  <p:cmAuthor id="1" name="Basheq Tarifi" initials="BT" lastIdx="2" clrIdx="0">
+    <p:extLst>
+      <p:ext uri="{19B8F6BF-5375-455C-9EA6-DF929625EA0E}">
+        <p15:presenceInfo xmlns:p15="http://schemas.microsoft.com/office/powerpoint/2012/main" userId="Basheq Tarifi" providerId="None"/>
+      </p:ext>
+    </p:extLst>
+  </p:cmAuthor>
+</p:cmAuthorLst>
 </file>
 
 <file path=ppt/revisionInfo.xml><?xml version="1.0" encoding="utf-8"?>
@@ -310,6 +322,29 @@
     </pc:docChg>
   </pc:docChgLst>
 </pc:chgInfo>
+</file>
+
+<file path=ppt/comments/comment1.xml><?xml version="1.0" encoding="utf-8"?>
+<p:cmLst xmlns:a="http://schemas.openxmlformats.org/drawingml/2006/main" xmlns:r="http://schemas.openxmlformats.org/officeDocument/2006/relationships" xmlns:p="http://schemas.openxmlformats.org/presentationml/2006/main">
+  <p:cm authorId="1" dt="2021-10-19T08:27:57.816" idx="1">
+    <p:pos x="1929" y="3887"/>
+    <p:text>Should we add stuff about our target?</p:text>
+    <p:extLst>
+      <p:ext uri="{C676402C-5697-4E1C-873F-D02D1690AC5C}">
+        <p15:threadingInfo xmlns:p15="http://schemas.microsoft.com/office/powerpoint/2012/main" timeZoneBias="-120"/>
+      </p:ext>
+    </p:extLst>
+  </p:cm>
+  <p:cm authorId="1" dt="2021-10-19T08:28:31.702" idx="2">
+    <p:pos x="3380" y="2710"/>
+    <p:text>Maybe good to have this here also?</p:text>
+    <p:extLst>
+      <p:ext uri="{C676402C-5697-4E1C-873F-D02D1690AC5C}">
+        <p15:threadingInfo xmlns:p15="http://schemas.microsoft.com/office/powerpoint/2012/main" timeZoneBias="-120"/>
+      </p:ext>
+    </p:extLst>
+  </p:cm>
+</p:cmLst>
 </file>
 
 <file path=ppt/slideLayouts/slideLayout1.xml><?xml version="1.0" encoding="utf-8"?>
@@ -4908,7 +4943,7 @@
         </p:nvSpPr>
         <p:spPr>
           <a:xfrm>
-            <a:off x="4180125" y="4498600"/>
+            <a:off x="4224688" y="4690939"/>
             <a:ext cx="3742624" cy="323165"/>
           </a:xfrm>
           <a:prstGeom prst="rect">
@@ -4952,14 +4987,14 @@
           <p:nvPr>
             <p:extLst>
               <p:ext uri="{D42A27DB-BD31-4B8C-83A1-F6EECF244321}">
-                <p14:modId xmlns:p14="http://schemas.microsoft.com/office/powerpoint/2010/main" val="4060550245"/>
+                <p14:modId xmlns:p14="http://schemas.microsoft.com/office/powerpoint/2010/main" val="1303204144"/>
               </p:ext>
             </p:extLst>
           </p:nvPr>
         </p:nvGraphicFramePr>
         <p:xfrm>
           <a:off x="4249682" y="3183305"/>
-          <a:ext cx="3692636" cy="1112520"/>
+          <a:ext cx="3692636" cy="1361440"/>
         </p:xfrm>
         <a:graphic>
           <a:graphicData uri="http://schemas.openxmlformats.org/drawingml/2006/table">
@@ -5506,6 +5541,51 @@
                         <a:t>2</a:t>
                       </a:r>
                     </a:p>
+                    <a:p>
+                      <a:endParaRPr lang="en-US" sz="1300" baseline="30000" dirty="0">
+                        <a:solidFill>
+                          <a:schemeClr val="tx1"/>
+                        </a:solidFill>
+                        <a:latin typeface="Arial" panose="020B0604020202020204" pitchFamily="34" charset="0"/>
+                        <a:cs typeface="Arial" panose="020B0604020202020204" pitchFamily="34" charset="0"/>
+                      </a:endParaRPr>
+                    </a:p>
+                    <a:p>
+                      <a:pPr marL="0" marR="0" lvl="0" indent="0" algn="l" defTabSz="914400" rtl="0" eaLnBrk="1" fontAlgn="auto" latinLnBrk="0" hangingPunct="1">
+                        <a:lnSpc>
+                          <a:spcPct val="100000"/>
+                        </a:lnSpc>
+                        <a:spcBef>
+                          <a:spcPts val="0"/>
+                        </a:spcBef>
+                        <a:spcAft>
+                          <a:spcPts val="0"/>
+                        </a:spcAft>
+                        <a:buClrTx/>
+                        <a:buSzTx/>
+                        <a:buFontTx/>
+                        <a:buNone/>
+                        <a:tabLst/>
+                        <a:defRPr/>
+                      </a:pPr>
+                      <a:r>
+                        <a:rPr lang="en-US" sz="1300" dirty="0">
+                          <a:solidFill>
+                            <a:schemeClr val="tx1"/>
+                          </a:solidFill>
+                          <a:latin typeface="Arial" panose="020B0604020202020204" pitchFamily="34" charset="0"/>
+                          <a:cs typeface="Arial" panose="020B0604020202020204" pitchFamily="34" charset="0"/>
+                        </a:rPr>
+                        <a:t>% &lt; 10mmHg</a:t>
+                      </a:r>
+                      <a:endParaRPr lang="en-US" sz="1300" baseline="30000" dirty="0">
+                        <a:solidFill>
+                          <a:schemeClr val="tx1"/>
+                        </a:solidFill>
+                        <a:latin typeface="Arial" panose="020B0604020202020204" pitchFamily="34" charset="0"/>
+                        <a:cs typeface="Arial" panose="020B0604020202020204" pitchFamily="34" charset="0"/>
+                      </a:endParaRPr>
+                    </a:p>
                   </a:txBody>
                   <a:tcPr>
                     <a:lnL w="12700" cap="flat" cmpd="sng" algn="ctr">
@@ -5679,6 +5759,16 @@
                         </a:rPr>
                         <a:t>0.623</a:t>
                       </a:r>
+                    </a:p>
+                    <a:p>
+                      <a:pPr algn="ctr"/>
+                      <a:endParaRPr lang="en-US" sz="1400" dirty="0">
+                        <a:solidFill>
+                          <a:schemeClr val="tx1"/>
+                        </a:solidFill>
+                        <a:latin typeface="Arial" panose="020B0604020202020204" pitchFamily="34" charset="0"/>
+                        <a:cs typeface="Arial" panose="020B0604020202020204" pitchFamily="34" charset="0"/>
+                      </a:endParaRPr>
                     </a:p>
                   </a:txBody>
                   <a:tcPr>

--- a/poster/21P78Poster.pptx
+++ b/poster/21P78Poster.pptx
@@ -121,18 +121,6 @@
     </p:ext>
   </p:extLst>
 </p:presentation>
-</file>
-
-<file path=ppt/commentAuthors.xml><?xml version="1.0" encoding="utf-8"?>
-<p:cmAuthorLst xmlns:a="http://schemas.openxmlformats.org/drawingml/2006/main" xmlns:r="http://schemas.openxmlformats.org/officeDocument/2006/relationships" xmlns:p="http://schemas.openxmlformats.org/presentationml/2006/main">
-  <p:cmAuthor id="1" name="Basheq Tarifi" initials="BT" lastIdx="2" clrIdx="0">
-    <p:extLst>
-      <p:ext uri="{19B8F6BF-5375-455C-9EA6-DF929625EA0E}">
-        <p15:presenceInfo xmlns:p15="http://schemas.microsoft.com/office/powerpoint/2012/main" userId="Basheq Tarifi" providerId="None"/>
-      </p:ext>
-    </p:extLst>
-  </p:cmAuthor>
-</p:cmAuthorLst>
 </file>
 
 <file path=ppt/revisionInfo.xml><?xml version="1.0" encoding="utf-8"?>
@@ -322,29 +310,6 @@
     </pc:docChg>
   </pc:docChgLst>
 </pc:chgInfo>
-</file>
-
-<file path=ppt/comments/comment1.xml><?xml version="1.0" encoding="utf-8"?>
-<p:cmLst xmlns:a="http://schemas.openxmlformats.org/drawingml/2006/main" xmlns:r="http://schemas.openxmlformats.org/officeDocument/2006/relationships" xmlns:p="http://schemas.openxmlformats.org/presentationml/2006/main">
-  <p:cm authorId="1" dt="2021-10-19T08:27:57.816" idx="1">
-    <p:pos x="1929" y="3887"/>
-    <p:text>Should we add stuff about our target?</p:text>
-    <p:extLst>
-      <p:ext uri="{C676402C-5697-4E1C-873F-D02D1690AC5C}">
-        <p15:threadingInfo xmlns:p15="http://schemas.microsoft.com/office/powerpoint/2012/main" timeZoneBias="-120"/>
-      </p:ext>
-    </p:extLst>
-  </p:cm>
-  <p:cm authorId="1" dt="2021-10-19T08:28:31.702" idx="2">
-    <p:pos x="3380" y="2710"/>
-    <p:text>Maybe good to have this here also?</p:text>
-    <p:extLst>
-      <p:ext uri="{C676402C-5697-4E1C-873F-D02D1690AC5C}">
-        <p15:threadingInfo xmlns:p15="http://schemas.microsoft.com/office/powerpoint/2012/main" timeZoneBias="-120"/>
-      </p:ext>
-    </p:extLst>
-  </p:cm>
-</p:cmLst>
 </file>
 
 <file path=ppt/slideLayouts/slideLayout1.xml><?xml version="1.0" encoding="utf-8"?>
@@ -4184,10 +4149,10 @@
       </p:cxnSp>
       <p:sp>
         <p:nvSpPr>
-          <p:cNvPr id="49" name="テキスト ボックス 17">
-            <a:extLst>
-              <a:ext uri="{FF2B5EF4-FFF2-40B4-BE49-F238E27FC236}">
-                <a16:creationId xmlns:a16="http://schemas.microsoft.com/office/drawing/2014/main" id="{E4C0D7A8-1AE2-374C-9829-861A9C675F6F}"/>
+          <p:cNvPr id="15" name="TextBox 14">
+            <a:extLst>
+              <a:ext uri="{FF2B5EF4-FFF2-40B4-BE49-F238E27FC236}">
+                <a16:creationId xmlns:a16="http://schemas.microsoft.com/office/drawing/2014/main" id="{03F69A44-084B-6D4D-BB25-BF535E246618}"/>
               </a:ext>
             </a:extLst>
           </p:cNvPr>
@@ -4196,101 +4161,8 @@
         </p:nvSpPr>
         <p:spPr>
           <a:xfrm>
-            <a:off x="8263639" y="3485223"/>
-            <a:ext cx="3742624" cy="369332"/>
-          </a:xfrm>
-          <a:prstGeom prst="rect">
-            <a:avLst/>
-          </a:prstGeom>
-          <a:noFill/>
-        </p:spPr>
-        <p:txBody>
-          <a:bodyPr wrap="square" rtlCol="0">
-            <a:spAutoFit/>
-          </a:bodyPr>
-          <a:lstStyle/>
-          <a:p>
-            <a:pPr algn="ctr"/>
-            <a:r>
-              <a:rPr lang="en-US" altLang="ja-JP" b="1" dirty="0">
-                <a:latin typeface="Arial" panose="020B0604020202020204" pitchFamily="34" charset="0"/>
-                <a:cs typeface="Arial" panose="020B0604020202020204" pitchFamily="34" charset="0"/>
-              </a:rPr>
-              <a:t>5</a:t>
-            </a:r>
-            <a:r>
-              <a:rPr kumimoji="1" lang="en-US" altLang="ja-JP" b="1" dirty="0">
-                <a:latin typeface="Arial" panose="020B0604020202020204" pitchFamily="34" charset="0"/>
-                <a:cs typeface="Arial" panose="020B0604020202020204" pitchFamily="34" charset="0"/>
-              </a:rPr>
-              <a:t>. CONCLUSION</a:t>
-            </a:r>
-            <a:endParaRPr kumimoji="1" lang="ja-JP" altLang="en-US" b="1" dirty="0">
-              <a:latin typeface="Arial" panose="020B0604020202020204" pitchFamily="34" charset="0"/>
-              <a:cs typeface="Arial" panose="020B0604020202020204" pitchFamily="34" charset="0"/>
-            </a:endParaRPr>
-          </a:p>
-        </p:txBody>
-      </p:sp>
-      <p:sp>
-        <p:nvSpPr>
-          <p:cNvPr id="50" name="テキスト ボックス 17">
-            <a:extLst>
-              <a:ext uri="{FF2B5EF4-FFF2-40B4-BE49-F238E27FC236}">
-                <a16:creationId xmlns:a16="http://schemas.microsoft.com/office/drawing/2014/main" id="{788EA624-1D7F-414C-A453-8D3BE27DBED5}"/>
-              </a:ext>
-            </a:extLst>
-          </p:cNvPr>
-          <p:cNvSpPr txBox="1"/>
-          <p:nvPr/>
-        </p:nvSpPr>
-        <p:spPr>
-          <a:xfrm>
-            <a:off x="8263639" y="5451257"/>
-            <a:ext cx="3742624" cy="369332"/>
-          </a:xfrm>
-          <a:prstGeom prst="rect">
-            <a:avLst/>
-          </a:prstGeom>
-          <a:noFill/>
-        </p:spPr>
-        <p:txBody>
-          <a:bodyPr wrap="square" rtlCol="0">
-            <a:spAutoFit/>
-          </a:bodyPr>
-          <a:lstStyle/>
-          <a:p>
-            <a:pPr algn="ctr"/>
-            <a:r>
-              <a:rPr kumimoji="1" lang="en-US" altLang="ja-JP" b="1" dirty="0">
-                <a:latin typeface="Arial" panose="020B0604020202020204" pitchFamily="34" charset="0"/>
-                <a:cs typeface="Arial" panose="020B0604020202020204" pitchFamily="34" charset="0"/>
-              </a:rPr>
-              <a:t>REFERENCES</a:t>
-            </a:r>
-            <a:endParaRPr kumimoji="1" lang="ja-JP" altLang="en-US" b="1" dirty="0">
-              <a:latin typeface="Arial" panose="020B0604020202020204" pitchFamily="34" charset="0"/>
-              <a:cs typeface="Arial" panose="020B0604020202020204" pitchFamily="34" charset="0"/>
-            </a:endParaRPr>
-          </a:p>
-        </p:txBody>
-      </p:sp>
-      <p:sp>
-        <p:nvSpPr>
-          <p:cNvPr id="15" name="TextBox 14">
-            <a:extLst>
-              <a:ext uri="{FF2B5EF4-FFF2-40B4-BE49-F238E27FC236}">
-                <a16:creationId xmlns:a16="http://schemas.microsoft.com/office/drawing/2014/main" id="{03F69A44-084B-6D4D-BB25-BF535E246618}"/>
-              </a:ext>
-            </a:extLst>
-          </p:cNvPr>
-          <p:cNvSpPr txBox="1"/>
-          <p:nvPr/>
-        </p:nvSpPr>
-        <p:spPr>
-          <a:xfrm>
-            <a:off x="243569" y="1704034"/>
-            <a:ext cx="3742624" cy="1708160"/>
+            <a:off x="254955" y="1581489"/>
+            <a:ext cx="3742624" cy="1200329"/>
           </a:xfrm>
           <a:prstGeom prst="rect">
             <a:avLst/>
@@ -4310,7 +4182,7 @@
           <a:p>
             <a:pPr algn="just"/>
             <a:r>
-              <a:rPr lang="en-ZA" sz="1500" dirty="0">
+              <a:rPr lang="en-ZA" sz="1200" dirty="0">
                 <a:latin typeface="Arial" panose="020B0604020202020204" pitchFamily="34" charset="0"/>
                 <a:cs typeface="Arial" panose="020B0604020202020204" pitchFamily="34" charset="0"/>
               </a:rPr>
@@ -4319,7 +4191,7 @@
           </a:p>
           <a:p>
             <a:pPr algn="just"/>
-            <a:endParaRPr lang="en-ZA" sz="1500" dirty="0">
+            <a:endParaRPr lang="en-ZA" sz="1200" dirty="0">
               <a:latin typeface="Arial" panose="020B0604020202020204" pitchFamily="34" charset="0"/>
               <a:cs typeface="Arial" panose="020B0604020202020204" pitchFamily="34" charset="0"/>
             </a:endParaRPr>
@@ -4327,7 +4199,7 @@
           <a:p>
             <a:pPr algn="just"/>
             <a:r>
-              <a:rPr lang="en-ZA" sz="1500" dirty="0">
+              <a:rPr lang="en-ZA" sz="1200" dirty="0">
                 <a:latin typeface="Arial" panose="020B0604020202020204" pitchFamily="34" charset="0"/>
                 <a:cs typeface="Arial" panose="020B0604020202020204" pitchFamily="34" charset="0"/>
               </a:rPr>
@@ -4350,8 +4222,8 @@
         </p:nvSpPr>
         <p:spPr>
           <a:xfrm>
-            <a:off x="257876" y="4073691"/>
-            <a:ext cx="3742624" cy="2400657"/>
+            <a:off x="254955" y="3915673"/>
+            <a:ext cx="3742624" cy="1938992"/>
           </a:xfrm>
           <a:prstGeom prst="rect">
             <a:avLst/>
@@ -4371,7 +4243,7 @@
           <a:p>
             <a:pPr algn="just"/>
             <a:r>
-              <a:rPr lang="en-ZA" sz="1500" dirty="0">
+              <a:rPr lang="en-ZA" sz="1200" dirty="0">
                 <a:latin typeface="Arial" panose="020B0604020202020204" pitchFamily="34" charset="0"/>
                 <a:cs typeface="Arial" panose="020B0604020202020204" pitchFamily="34" charset="0"/>
               </a:rPr>
@@ -4380,7 +4252,7 @@
           </a:p>
           <a:p>
             <a:pPr algn="just"/>
-            <a:endParaRPr lang="en-ZA" sz="1500" dirty="0">
+            <a:endParaRPr lang="en-ZA" sz="1200" dirty="0">
               <a:latin typeface="Arial" panose="020B0604020202020204" pitchFamily="34" charset="0"/>
               <a:cs typeface="Arial" panose="020B0604020202020204" pitchFamily="34" charset="0"/>
             </a:endParaRPr>
@@ -4388,13 +4260,27 @@
           <a:p>
             <a:pPr algn="just"/>
             <a:r>
-              <a:rPr lang="en-ZA" sz="1500" dirty="0">
+              <a:rPr lang="en-ZA" sz="1200" dirty="0">
                 <a:latin typeface="Arial" panose="020B0604020202020204" pitchFamily="34" charset="0"/>
                 <a:cs typeface="Arial" panose="020B0604020202020204" pitchFamily="34" charset="0"/>
               </a:rPr>
-              <a:t>Two sets of neural networks will be trained. The first will predict the systolic (SBP), diastolic (DBP) and mean arterial pressure (MAP). The second will predict the shape of the ABP waveform.</a:t>
-            </a:r>
-            <a:endParaRPr lang="en-US" sz="1500" dirty="0">
+              <a:t>Two sets of machine learning models will be trained. The first will predict the systolic (SBP), diastolic (DBP) and mean arterial pressure (MAP). The second will predict the shape of the ABP waveform. In both, extracted features and the full waveform will be explored as inputs to </a:t>
+            </a:r>
+            <a:r>
+              <a:rPr lang="en-ZA" sz="1200">
+                <a:latin typeface="Arial" panose="020B0604020202020204" pitchFamily="34" charset="0"/>
+                <a:cs typeface="Arial" panose="020B0604020202020204" pitchFamily="34" charset="0"/>
+              </a:rPr>
+              <a:t>the models</a:t>
+            </a:r>
+            <a:r>
+              <a:rPr lang="en-ZA" sz="1200" dirty="0">
+                <a:latin typeface="Arial" panose="020B0604020202020204" pitchFamily="34" charset="0"/>
+                <a:cs typeface="Arial" panose="020B0604020202020204" pitchFamily="34" charset="0"/>
+              </a:rPr>
+              <a:t>.</a:t>
+            </a:r>
+            <a:endParaRPr lang="en-US" sz="1200" dirty="0">
               <a:latin typeface="Arial" panose="020B0604020202020204" pitchFamily="34" charset="0"/>
               <a:cs typeface="Arial" panose="020B0604020202020204" pitchFamily="34" charset="0"/>
             </a:endParaRPr>
@@ -4415,8 +4301,8 @@
         </p:nvSpPr>
         <p:spPr>
           <a:xfrm>
-            <a:off x="4238780" y="1729049"/>
-            <a:ext cx="3742624" cy="1015663"/>
+            <a:off x="4219146" y="1590245"/>
+            <a:ext cx="3742624" cy="830997"/>
           </a:xfrm>
           <a:prstGeom prst="rect">
             <a:avLst/>
@@ -4436,7 +4322,7 @@
           <a:p>
             <a:pPr algn="just"/>
             <a:r>
-              <a:rPr lang="en-ZA" sz="1500" dirty="0">
+              <a:rPr lang="en-ZA" sz="1200" dirty="0">
                 <a:latin typeface="Arial" panose="020B0604020202020204" pitchFamily="34" charset="0"/>
                 <a:cs typeface="Arial" panose="020B0604020202020204" pitchFamily="34" charset="0"/>
               </a:rPr>
@@ -4609,7 +4495,7 @@
         <p:spPr>
           <a:xfrm>
             <a:off x="8263639" y="3875353"/>
-            <a:ext cx="3742624" cy="1246495"/>
+            <a:ext cx="3742624" cy="1015663"/>
           </a:xfrm>
           <a:prstGeom prst="rect">
             <a:avLst/>
@@ -4628,7 +4514,7 @@
           <a:lstStyle/>
           <a:p>
             <a:r>
-              <a:rPr lang="en-ZA" sz="1500" dirty="0">
+              <a:rPr lang="en-ZA" sz="1200" dirty="0">
                 <a:latin typeface="Arial" panose="020B0604020202020204" pitchFamily="34" charset="0"/>
                 <a:cs typeface="Arial" panose="020B0604020202020204" pitchFamily="34" charset="0"/>
               </a:rPr>
@@ -4637,13 +4523,13 @@
           </a:p>
           <a:p>
             <a:r>
-              <a:rPr lang="en-ZA" sz="1500" dirty="0">
+              <a:rPr lang="en-ZA" sz="1200" dirty="0">
                 <a:latin typeface="Arial" panose="020B0604020202020204" pitchFamily="34" charset="0"/>
                 <a:cs typeface="Arial" panose="020B0604020202020204" pitchFamily="34" charset="0"/>
               </a:rPr>
               <a:t> … 1 more line …</a:t>
             </a:r>
-            <a:endParaRPr lang="en-US" sz="1500" dirty="0">
+            <a:endParaRPr lang="en-US" sz="1200" dirty="0">
               <a:latin typeface="Arial" panose="020B0604020202020204" pitchFamily="34" charset="0"/>
               <a:cs typeface="Arial" panose="020B0604020202020204" pitchFamily="34" charset="0"/>
             </a:endParaRPr>
@@ -4664,8 +4550,8 @@
         </p:nvSpPr>
         <p:spPr>
           <a:xfrm>
-            <a:off x="8263639" y="1745173"/>
-            <a:ext cx="3742624" cy="553998"/>
+            <a:off x="8236953" y="1606367"/>
+            <a:ext cx="3742624" cy="461665"/>
           </a:xfrm>
           <a:prstGeom prst="rect">
             <a:avLst/>
@@ -4684,13 +4570,13 @@
           <a:lstStyle/>
           <a:p>
             <a:r>
-              <a:rPr lang="en-ZA" sz="1500" dirty="0">
+              <a:rPr lang="en-ZA" sz="1200" dirty="0">
                 <a:latin typeface="Arial" panose="020B0604020202020204" pitchFamily="34" charset="0"/>
                 <a:cs typeface="Arial" panose="020B0604020202020204" pitchFamily="34" charset="0"/>
               </a:rPr>
               <a:t>We could reduce this section or omit it to make space for more results</a:t>
             </a:r>
-            <a:endParaRPr lang="en-US" sz="1500" dirty="0">
+            <a:endParaRPr lang="en-US" sz="1200" dirty="0">
               <a:latin typeface="Arial" panose="020B0604020202020204" pitchFamily="34" charset="0"/>
               <a:cs typeface="Arial" panose="020B0604020202020204" pitchFamily="34" charset="0"/>
             </a:endParaRPr>
@@ -4711,8 +4597,8 @@
         </p:nvSpPr>
         <p:spPr>
           <a:xfrm>
-            <a:off x="394629" y="1167594"/>
-            <a:ext cx="3420093" cy="411798"/>
+            <a:off x="638832" y="1188415"/>
+            <a:ext cx="2986949" cy="316036"/>
           </a:xfrm>
           <a:prstGeom prst="roundRect">
             <a:avLst/>
@@ -4743,7 +4629,7 @@
           <a:p>
             <a:pPr algn="ctr"/>
             <a:r>
-              <a:rPr lang="en-US" b="1" dirty="0">
+              <a:rPr lang="en-US" sz="1400" b="1" dirty="0">
                 <a:solidFill>
                   <a:schemeClr val="tx1"/>
                 </a:solidFill>
@@ -4757,193 +4643,19 @@
       </p:sp>
       <p:sp>
         <p:nvSpPr>
-          <p:cNvPr id="57" name="Rounded Rectangle 56">
-            <a:extLst>
-              <a:ext uri="{FF2B5EF4-FFF2-40B4-BE49-F238E27FC236}">
-                <a16:creationId xmlns:a16="http://schemas.microsoft.com/office/drawing/2014/main" id="{000FFB98-E6C5-B444-ABCD-20D2CEAA03DA}"/>
-              </a:ext>
-            </a:extLst>
-          </p:cNvPr>
-          <p:cNvSpPr/>
+          <p:cNvPr id="61" name="TextBox 60">
+            <a:extLst>
+              <a:ext uri="{FF2B5EF4-FFF2-40B4-BE49-F238E27FC236}">
+                <a16:creationId xmlns:a16="http://schemas.microsoft.com/office/drawing/2014/main" id="{06313774-312F-2149-8076-9FD8BF752B89}"/>
+              </a:ext>
+            </a:extLst>
+          </p:cNvPr>
+          <p:cNvSpPr txBox="1"/>
           <p:nvPr/>
         </p:nvSpPr>
         <p:spPr>
           <a:xfrm>
-            <a:off x="419141" y="3542123"/>
-            <a:ext cx="3420093" cy="411798"/>
-          </a:xfrm>
-          <a:prstGeom prst="roundRect">
-            <a:avLst/>
-          </a:prstGeom>
-          <a:solidFill>
-            <a:srgbClr val="849DAB"/>
-          </a:solidFill>
-        </p:spPr>
-        <p:style>
-          <a:lnRef idx="2">
-            <a:schemeClr val="accent1">
-              <a:shade val="50000"/>
-            </a:schemeClr>
-          </a:lnRef>
-          <a:fillRef idx="1">
-            <a:schemeClr val="accent1"/>
-          </a:fillRef>
-          <a:effectRef idx="0">
-            <a:schemeClr val="accent1"/>
-          </a:effectRef>
-          <a:fontRef idx="minor">
-            <a:schemeClr val="lt1"/>
-          </a:fontRef>
-        </p:style>
-        <p:txBody>
-          <a:bodyPr rtlCol="0" anchor="ctr"/>
-          <a:lstStyle/>
-          <a:p>
-            <a:pPr algn="ctr"/>
-            <a:r>
-              <a:rPr lang="en-US" b="1" dirty="0">
-                <a:solidFill>
-                  <a:schemeClr val="tx1"/>
-                </a:solidFill>
-                <a:latin typeface="Arial" panose="020B0604020202020204" pitchFamily="34" charset="0"/>
-                <a:cs typeface="Arial" panose="020B0604020202020204" pitchFamily="34" charset="0"/>
-              </a:rPr>
-              <a:t>METHOD</a:t>
-            </a:r>
-          </a:p>
-        </p:txBody>
-      </p:sp>
-      <p:sp>
-        <p:nvSpPr>
-          <p:cNvPr id="58" name="Rounded Rectangle 57">
-            <a:extLst>
-              <a:ext uri="{FF2B5EF4-FFF2-40B4-BE49-F238E27FC236}">
-                <a16:creationId xmlns:a16="http://schemas.microsoft.com/office/drawing/2014/main" id="{92C8B685-78EF-DC43-BA77-3934542AFAC6}"/>
-              </a:ext>
-            </a:extLst>
-          </p:cNvPr>
-          <p:cNvSpPr/>
-          <p:nvPr/>
-        </p:nvSpPr>
-        <p:spPr>
-          <a:xfrm>
-            <a:off x="4409767" y="1177757"/>
-            <a:ext cx="3420093" cy="411798"/>
-          </a:xfrm>
-          <a:prstGeom prst="roundRect">
-            <a:avLst/>
-          </a:prstGeom>
-          <a:solidFill>
-            <a:srgbClr val="849DAB"/>
-          </a:solidFill>
-        </p:spPr>
-        <p:style>
-          <a:lnRef idx="2">
-            <a:schemeClr val="accent1">
-              <a:shade val="50000"/>
-            </a:schemeClr>
-          </a:lnRef>
-          <a:fillRef idx="1">
-            <a:schemeClr val="accent1"/>
-          </a:fillRef>
-          <a:effectRef idx="0">
-            <a:schemeClr val="accent1"/>
-          </a:effectRef>
-          <a:fontRef idx="minor">
-            <a:schemeClr val="lt1"/>
-          </a:fontRef>
-        </p:style>
-        <p:txBody>
-          <a:bodyPr rtlCol="0" anchor="ctr"/>
-          <a:lstStyle/>
-          <a:p>
-            <a:pPr algn="ctr"/>
-            <a:r>
-              <a:rPr lang="en-US" b="1" dirty="0">
-                <a:solidFill>
-                  <a:schemeClr val="tx1"/>
-                </a:solidFill>
-                <a:latin typeface="Arial" panose="020B0604020202020204" pitchFamily="34" charset="0"/>
-                <a:cs typeface="Arial" panose="020B0604020202020204" pitchFamily="34" charset="0"/>
-              </a:rPr>
-              <a:t>RESULTS</a:t>
-            </a:r>
-          </a:p>
-        </p:txBody>
-      </p:sp>
-      <p:sp>
-        <p:nvSpPr>
-          <p:cNvPr id="59" name="Rounded Rectangle 58">
-            <a:extLst>
-              <a:ext uri="{FF2B5EF4-FFF2-40B4-BE49-F238E27FC236}">
-                <a16:creationId xmlns:a16="http://schemas.microsoft.com/office/drawing/2014/main" id="{0FA1784F-51AC-7C42-A5C9-E1F904414FBC}"/>
-              </a:ext>
-            </a:extLst>
-          </p:cNvPr>
-          <p:cNvSpPr/>
-          <p:nvPr/>
-        </p:nvSpPr>
-        <p:spPr>
-          <a:xfrm>
-            <a:off x="8334066" y="1177757"/>
-            <a:ext cx="3420093" cy="411798"/>
-          </a:xfrm>
-          <a:prstGeom prst="roundRect">
-            <a:avLst/>
-          </a:prstGeom>
-          <a:solidFill>
-            <a:srgbClr val="849DAB"/>
-          </a:solidFill>
-        </p:spPr>
-        <p:style>
-          <a:lnRef idx="2">
-            <a:schemeClr val="accent1">
-              <a:shade val="50000"/>
-            </a:schemeClr>
-          </a:lnRef>
-          <a:fillRef idx="1">
-            <a:schemeClr val="accent1"/>
-          </a:fillRef>
-          <a:effectRef idx="0">
-            <a:schemeClr val="accent1"/>
-          </a:effectRef>
-          <a:fontRef idx="minor">
-            <a:schemeClr val="lt1"/>
-          </a:fontRef>
-        </p:style>
-        <p:txBody>
-          <a:bodyPr rtlCol="0" anchor="ctr"/>
-          <a:lstStyle/>
-          <a:p>
-            <a:pPr algn="ctr"/>
-            <a:r>
-              <a:rPr lang="en-US" b="1" dirty="0">
-                <a:solidFill>
-                  <a:schemeClr val="tx1"/>
-                </a:solidFill>
-                <a:latin typeface="Arial" panose="020B0604020202020204" pitchFamily="34" charset="0"/>
-                <a:cs typeface="Arial" panose="020B0604020202020204" pitchFamily="34" charset="0"/>
-              </a:rPr>
-              <a:t>HARDWARE</a:t>
-            </a:r>
-          </a:p>
-        </p:txBody>
-      </p:sp>
-      <p:sp>
-        <p:nvSpPr>
-          <p:cNvPr id="61" name="TextBox 60">
-            <a:extLst>
-              <a:ext uri="{FF2B5EF4-FFF2-40B4-BE49-F238E27FC236}">
-                <a16:creationId xmlns:a16="http://schemas.microsoft.com/office/drawing/2014/main" id="{06313774-312F-2149-8076-9FD8BF752B89}"/>
-              </a:ext>
-            </a:extLst>
-          </p:cNvPr>
-          <p:cNvSpPr txBox="1"/>
-          <p:nvPr/>
-        </p:nvSpPr>
-        <p:spPr>
-          <a:xfrm>
-            <a:off x="4224688" y="4690939"/>
+            <a:off x="4180125" y="4498600"/>
             <a:ext cx="3742624" cy="323165"/>
           </a:xfrm>
           <a:prstGeom prst="rect">
@@ -4987,14 +4699,14 @@
           <p:nvPr>
             <p:extLst>
               <p:ext uri="{D42A27DB-BD31-4B8C-83A1-F6EECF244321}">
-                <p14:modId xmlns:p14="http://schemas.microsoft.com/office/powerpoint/2010/main" val="1303204144"/>
+                <p14:modId xmlns:p14="http://schemas.microsoft.com/office/powerpoint/2010/main" val="1554242003"/>
               </p:ext>
             </p:extLst>
           </p:nvPr>
         </p:nvGraphicFramePr>
         <p:xfrm>
           <a:off x="4249682" y="3183305"/>
-          <a:ext cx="3692636" cy="1361440"/>
+          <a:ext cx="3692636" cy="1112520"/>
         </p:xfrm>
         <a:graphic>
           <a:graphicData uri="http://schemas.openxmlformats.org/drawingml/2006/table">
@@ -5039,7 +4751,7 @@
                     <a:lstStyle/>
                     <a:p>
                       <a:pPr algn="ctr"/>
-                      <a:endParaRPr lang="en-US" sz="1400" dirty="0">
+                      <a:endParaRPr lang="en-US" sz="1200" dirty="0">
                         <a:solidFill>
                           <a:schemeClr val="tx1"/>
                         </a:solidFill>
@@ -5048,7 +4760,7 @@
                       </a:endParaRPr>
                     </a:p>
                   </a:txBody>
-                  <a:tcPr>
+                  <a:tcPr anchor="ctr">
                     <a:lnL w="12700" cap="flat" cmpd="sng" algn="ctr">
                       <a:solidFill>
                         <a:schemeClr val="tx1"/>
@@ -5097,7 +4809,7 @@
                     <a:p>
                       <a:pPr algn="ctr"/>
                       <a:r>
-                        <a:rPr lang="en-US" sz="1400" dirty="0">
+                        <a:rPr lang="en-US" sz="1200" dirty="0">
                           <a:solidFill>
                             <a:schemeClr val="tx1"/>
                           </a:solidFill>
@@ -5108,7 +4820,7 @@
                       </a:r>
                     </a:p>
                   </a:txBody>
-                  <a:tcPr>
+                  <a:tcPr anchor="ctr">
                     <a:lnL w="12700" cap="flat" cmpd="sng" algn="ctr">
                       <a:solidFill>
                         <a:schemeClr val="tx1"/>
@@ -5157,7 +4869,7 @@
                     <a:p>
                       <a:pPr algn="ctr"/>
                       <a:r>
-                        <a:rPr lang="en-US" sz="1400" dirty="0">
+                        <a:rPr lang="en-US" sz="1200" dirty="0">
                           <a:solidFill>
                             <a:schemeClr val="tx1"/>
                           </a:solidFill>
@@ -5168,7 +4880,7 @@
                       </a:r>
                     </a:p>
                   </a:txBody>
-                  <a:tcPr>
+                  <a:tcPr anchor="ctr">
                     <a:lnL w="12700" cap="flat" cmpd="sng" algn="ctr">
                       <a:solidFill>
                         <a:schemeClr val="tx1"/>
@@ -5217,7 +4929,7 @@
                     <a:p>
                       <a:pPr algn="ctr"/>
                       <a:r>
-                        <a:rPr lang="en-US" sz="1400" dirty="0">
+                        <a:rPr lang="en-US" sz="1200" dirty="0">
                           <a:solidFill>
                             <a:schemeClr val="tx1"/>
                           </a:solidFill>
@@ -5228,7 +4940,7 @@
                       </a:r>
                     </a:p>
                   </a:txBody>
-                  <a:tcPr>
+                  <a:tcPr anchor="ctr">
                     <a:lnL w="12700" cap="flat" cmpd="sng" algn="ctr">
                       <a:solidFill>
                         <a:schemeClr val="tx1"/>
@@ -5283,7 +4995,7 @@
                     <a:lstStyle/>
                     <a:p>
                       <a:r>
-                        <a:rPr lang="en-US" sz="1300" dirty="0">
+                        <a:rPr lang="en-US" sz="1200" dirty="0">
                           <a:solidFill>
                             <a:schemeClr val="tx1"/>
                           </a:solidFill>
@@ -5294,7 +5006,7 @@
                       </a:r>
                     </a:p>
                   </a:txBody>
-                  <a:tcPr>
+                  <a:tcPr anchor="ctr">
                     <a:lnL w="12700" cap="flat" cmpd="sng" algn="ctr">
                       <a:solidFill>
                         <a:schemeClr val="tx1"/>
@@ -5341,7 +5053,7 @@
                     <a:p>
                       <a:pPr algn="ctr"/>
                       <a:r>
-                        <a:rPr lang="en-US" sz="1400" dirty="0">
+                        <a:rPr lang="en-US" sz="1200" dirty="0">
                           <a:solidFill>
                             <a:schemeClr val="tx1"/>
                           </a:solidFill>
@@ -5352,7 +5064,7 @@
                       </a:r>
                     </a:p>
                   </a:txBody>
-                  <a:tcPr>
+                  <a:tcPr anchor="ctr">
                     <a:lnL w="12700" cap="flat" cmpd="sng" algn="ctr">
                       <a:solidFill>
                         <a:schemeClr val="tx1"/>
@@ -5399,7 +5111,7 @@
                     <a:p>
                       <a:pPr algn="ctr"/>
                       <a:r>
-                        <a:rPr lang="en-US" sz="1400" dirty="0">
+                        <a:rPr lang="en-US" sz="1200" dirty="0">
                           <a:solidFill>
                             <a:schemeClr val="tx1"/>
                           </a:solidFill>
@@ -5410,7 +5122,7 @@
                       </a:r>
                     </a:p>
                   </a:txBody>
-                  <a:tcPr>
+                  <a:tcPr anchor="ctr">
                     <a:lnL w="12700" cap="flat" cmpd="sng" algn="ctr">
                       <a:solidFill>
                         <a:schemeClr val="tx1"/>
@@ -5457,7 +5169,7 @@
                     <a:p>
                       <a:pPr algn="ctr"/>
                       <a:r>
-                        <a:rPr lang="en-US" sz="1400" dirty="0">
+                        <a:rPr lang="en-US" sz="1200" dirty="0">
                           <a:solidFill>
                             <a:schemeClr val="tx1"/>
                           </a:solidFill>
@@ -5468,7 +5180,7 @@
                       </a:r>
                     </a:p>
                   </a:txBody>
-                  <a:tcPr>
+                  <a:tcPr anchor="ctr">
                     <a:lnL w="12700" cap="flat" cmpd="sng" algn="ctr">
                       <a:solidFill>
                         <a:schemeClr val="tx1"/>
@@ -5521,7 +5233,7 @@
                     <a:lstStyle/>
                     <a:p>
                       <a:r>
-                        <a:rPr lang="en-US" sz="1300" dirty="0">
+                        <a:rPr lang="en-US" sz="1200" dirty="0">
                           <a:solidFill>
                             <a:schemeClr val="tx1"/>
                           </a:solidFill>
@@ -5531,7 +5243,7 @@
                         <a:t>R</a:t>
                       </a:r>
                       <a:r>
-                        <a:rPr lang="en-US" sz="1300" baseline="30000" dirty="0">
+                        <a:rPr lang="en-US" sz="1200" baseline="30000" dirty="0">
                           <a:solidFill>
                             <a:schemeClr val="tx1"/>
                           </a:solidFill>
@@ -5541,53 +5253,8 @@
                         <a:t>2</a:t>
                       </a:r>
                     </a:p>
-                    <a:p>
-                      <a:endParaRPr lang="en-US" sz="1300" baseline="30000" dirty="0">
-                        <a:solidFill>
-                          <a:schemeClr val="tx1"/>
-                        </a:solidFill>
-                        <a:latin typeface="Arial" panose="020B0604020202020204" pitchFamily="34" charset="0"/>
-                        <a:cs typeface="Arial" panose="020B0604020202020204" pitchFamily="34" charset="0"/>
-                      </a:endParaRPr>
-                    </a:p>
-                    <a:p>
-                      <a:pPr marL="0" marR="0" lvl="0" indent="0" algn="l" defTabSz="914400" rtl="0" eaLnBrk="1" fontAlgn="auto" latinLnBrk="0" hangingPunct="1">
-                        <a:lnSpc>
-                          <a:spcPct val="100000"/>
-                        </a:lnSpc>
-                        <a:spcBef>
-                          <a:spcPts val="0"/>
-                        </a:spcBef>
-                        <a:spcAft>
-                          <a:spcPts val="0"/>
-                        </a:spcAft>
-                        <a:buClrTx/>
-                        <a:buSzTx/>
-                        <a:buFontTx/>
-                        <a:buNone/>
-                        <a:tabLst/>
-                        <a:defRPr/>
-                      </a:pPr>
-                      <a:r>
-                        <a:rPr lang="en-US" sz="1300" dirty="0">
-                          <a:solidFill>
-                            <a:schemeClr val="tx1"/>
-                          </a:solidFill>
-                          <a:latin typeface="Arial" panose="020B0604020202020204" pitchFamily="34" charset="0"/>
-                          <a:cs typeface="Arial" panose="020B0604020202020204" pitchFamily="34" charset="0"/>
-                        </a:rPr>
-                        <a:t>% &lt; 10mmHg</a:t>
-                      </a:r>
-                      <a:endParaRPr lang="en-US" sz="1300" baseline="30000" dirty="0">
-                        <a:solidFill>
-                          <a:schemeClr val="tx1"/>
-                        </a:solidFill>
-                        <a:latin typeface="Arial" panose="020B0604020202020204" pitchFamily="34" charset="0"/>
-                        <a:cs typeface="Arial" panose="020B0604020202020204" pitchFamily="34" charset="0"/>
-                      </a:endParaRPr>
-                    </a:p>
                   </a:txBody>
-                  <a:tcPr>
+                  <a:tcPr anchor="ctr">
                     <a:lnL w="12700" cap="flat" cmpd="sng" algn="ctr">
                       <a:solidFill>
                         <a:schemeClr val="tx1"/>
@@ -5634,7 +5301,7 @@
                     <a:p>
                       <a:pPr algn="ctr"/>
                       <a:r>
-                        <a:rPr lang="en-US" sz="1400" dirty="0">
+                        <a:rPr lang="en-US" sz="1200" dirty="0">
                           <a:solidFill>
                             <a:schemeClr val="tx1"/>
                           </a:solidFill>
@@ -5645,7 +5312,7 @@
                       </a:r>
                     </a:p>
                   </a:txBody>
-                  <a:tcPr>
+                  <a:tcPr anchor="ctr">
                     <a:lnL w="12700" cap="flat" cmpd="sng" algn="ctr">
                       <a:solidFill>
                         <a:schemeClr val="tx1"/>
@@ -5692,7 +5359,7 @@
                     <a:p>
                       <a:pPr algn="ctr"/>
                       <a:r>
-                        <a:rPr lang="en-US" sz="1400" dirty="0">
+                        <a:rPr lang="en-US" sz="1200" dirty="0">
                           <a:solidFill>
                             <a:schemeClr val="tx1"/>
                           </a:solidFill>
@@ -5703,7 +5370,7 @@
                       </a:r>
                     </a:p>
                   </a:txBody>
-                  <a:tcPr>
+                  <a:tcPr anchor="ctr">
                     <a:lnL w="12700" cap="flat" cmpd="sng" algn="ctr">
                       <a:solidFill>
                         <a:schemeClr val="tx1"/>
@@ -5750,7 +5417,7 @@
                     <a:p>
                       <a:pPr algn="ctr"/>
                       <a:r>
-                        <a:rPr lang="en-US" sz="1400" dirty="0">
+                        <a:rPr lang="en-US" sz="1200" dirty="0">
                           <a:solidFill>
                             <a:schemeClr val="tx1"/>
                           </a:solidFill>
@@ -5760,18 +5427,8 @@
                         <a:t>0.623</a:t>
                       </a:r>
                     </a:p>
-                    <a:p>
-                      <a:pPr algn="ctr"/>
-                      <a:endParaRPr lang="en-US" sz="1400" dirty="0">
-                        <a:solidFill>
-                          <a:schemeClr val="tx1"/>
-                        </a:solidFill>
-                        <a:latin typeface="Arial" panose="020B0604020202020204" pitchFamily="34" charset="0"/>
-                        <a:cs typeface="Arial" panose="020B0604020202020204" pitchFamily="34" charset="0"/>
-                      </a:endParaRPr>
-                    </a:p>
                   </a:txBody>
-                  <a:tcPr>
+                  <a:tcPr anchor="ctr">
                     <a:lnL w="12700" cap="flat" cmpd="sng" algn="ctr">
                       <a:solidFill>
                         <a:schemeClr val="tx1"/>
@@ -5836,7 +5493,7 @@
         <p:spPr>
           <a:xfrm>
             <a:off x="4238780" y="2875528"/>
-            <a:ext cx="3742624" cy="307777"/>
+            <a:ext cx="3742624" cy="276999"/>
           </a:xfrm>
           <a:prstGeom prst="rect">
             <a:avLst/>
@@ -5853,11 +5510,301 @@
           <a:lstStyle/>
           <a:p>
             <a:r>
-              <a:rPr lang="en-ZA" sz="1400" u="sng" dirty="0">
+              <a:rPr lang="en-ZA" sz="1200" u="sng" dirty="0">
                 <a:latin typeface="Arial" panose="020B0604020202020204" pitchFamily="34" charset="0"/>
                 <a:cs typeface="Arial" panose="020B0604020202020204" pitchFamily="34" charset="0"/>
               </a:rPr>
-              <a:t>Table 1: Discrete Blood Pressure Prediction</a:t>
+              <a:t>Table 1: Discrete Blood Pressure Prediction Results</a:t>
+            </a:r>
+          </a:p>
+        </p:txBody>
+      </p:sp>
+      <p:sp>
+        <p:nvSpPr>
+          <p:cNvPr id="63" name="Rounded Rectangle 62">
+            <a:extLst>
+              <a:ext uri="{FF2B5EF4-FFF2-40B4-BE49-F238E27FC236}">
+                <a16:creationId xmlns:a16="http://schemas.microsoft.com/office/drawing/2014/main" id="{956A5D88-1140-FE4D-A9BE-AAE1ADE0308E}"/>
+              </a:ext>
+            </a:extLst>
+          </p:cNvPr>
+          <p:cNvSpPr/>
+          <p:nvPr/>
+        </p:nvSpPr>
+        <p:spPr>
+          <a:xfrm>
+            <a:off x="590260" y="3485223"/>
+            <a:ext cx="2986949" cy="316036"/>
+          </a:xfrm>
+          <a:prstGeom prst="roundRect">
+            <a:avLst/>
+          </a:prstGeom>
+          <a:solidFill>
+            <a:srgbClr val="849DAB"/>
+          </a:solidFill>
+        </p:spPr>
+        <p:style>
+          <a:lnRef idx="2">
+            <a:schemeClr val="accent1">
+              <a:shade val="50000"/>
+            </a:schemeClr>
+          </a:lnRef>
+          <a:fillRef idx="1">
+            <a:schemeClr val="accent1"/>
+          </a:fillRef>
+          <a:effectRef idx="0">
+            <a:schemeClr val="accent1"/>
+          </a:effectRef>
+          <a:fontRef idx="minor">
+            <a:schemeClr val="lt1"/>
+          </a:fontRef>
+        </p:style>
+        <p:txBody>
+          <a:bodyPr rtlCol="0" anchor="ctr"/>
+          <a:lstStyle/>
+          <a:p>
+            <a:pPr algn="ctr"/>
+            <a:r>
+              <a:rPr lang="en-US" sz="1400" b="1" dirty="0">
+                <a:solidFill>
+                  <a:schemeClr val="tx1"/>
+                </a:solidFill>
+                <a:latin typeface="Arial" panose="020B0604020202020204" pitchFamily="34" charset="0"/>
+                <a:cs typeface="Arial" panose="020B0604020202020204" pitchFamily="34" charset="0"/>
+              </a:rPr>
+              <a:t>METHOD</a:t>
+            </a:r>
+          </a:p>
+        </p:txBody>
+      </p:sp>
+      <p:sp>
+        <p:nvSpPr>
+          <p:cNvPr id="64" name="Rounded Rectangle 63">
+            <a:extLst>
+              <a:ext uri="{FF2B5EF4-FFF2-40B4-BE49-F238E27FC236}">
+                <a16:creationId xmlns:a16="http://schemas.microsoft.com/office/drawing/2014/main" id="{1DBAE2F8-563C-C848-95F6-93D1D23F28ED}"/>
+              </a:ext>
+            </a:extLst>
+          </p:cNvPr>
+          <p:cNvSpPr/>
+          <p:nvPr/>
+        </p:nvSpPr>
+        <p:spPr>
+          <a:xfrm>
+            <a:off x="4602525" y="1203845"/>
+            <a:ext cx="2986949" cy="316036"/>
+          </a:xfrm>
+          <a:prstGeom prst="roundRect">
+            <a:avLst/>
+          </a:prstGeom>
+          <a:solidFill>
+            <a:srgbClr val="849DAB"/>
+          </a:solidFill>
+        </p:spPr>
+        <p:style>
+          <a:lnRef idx="2">
+            <a:schemeClr val="accent1">
+              <a:shade val="50000"/>
+            </a:schemeClr>
+          </a:lnRef>
+          <a:fillRef idx="1">
+            <a:schemeClr val="accent1"/>
+          </a:fillRef>
+          <a:effectRef idx="0">
+            <a:schemeClr val="accent1"/>
+          </a:effectRef>
+          <a:fontRef idx="minor">
+            <a:schemeClr val="lt1"/>
+          </a:fontRef>
+        </p:style>
+        <p:txBody>
+          <a:bodyPr rtlCol="0" anchor="ctr"/>
+          <a:lstStyle/>
+          <a:p>
+            <a:pPr algn="ctr"/>
+            <a:r>
+              <a:rPr lang="en-US" sz="1400" b="1" dirty="0">
+                <a:solidFill>
+                  <a:schemeClr val="tx1"/>
+                </a:solidFill>
+                <a:latin typeface="Arial" panose="020B0604020202020204" pitchFamily="34" charset="0"/>
+                <a:cs typeface="Arial" panose="020B0604020202020204" pitchFamily="34" charset="0"/>
+              </a:rPr>
+              <a:t>RESULTS</a:t>
+            </a:r>
+          </a:p>
+        </p:txBody>
+      </p:sp>
+      <p:sp>
+        <p:nvSpPr>
+          <p:cNvPr id="65" name="Rounded Rectangle 64">
+            <a:extLst>
+              <a:ext uri="{FF2B5EF4-FFF2-40B4-BE49-F238E27FC236}">
+                <a16:creationId xmlns:a16="http://schemas.microsoft.com/office/drawing/2014/main" id="{8DAC1066-3E7E-D543-9E1F-B63AD191E146}"/>
+              </a:ext>
+            </a:extLst>
+          </p:cNvPr>
+          <p:cNvSpPr/>
+          <p:nvPr/>
+        </p:nvSpPr>
+        <p:spPr>
+          <a:xfrm>
+            <a:off x="8641476" y="1203845"/>
+            <a:ext cx="2986949" cy="316036"/>
+          </a:xfrm>
+          <a:prstGeom prst="roundRect">
+            <a:avLst/>
+          </a:prstGeom>
+          <a:solidFill>
+            <a:srgbClr val="849DAB"/>
+          </a:solidFill>
+        </p:spPr>
+        <p:style>
+          <a:lnRef idx="2">
+            <a:schemeClr val="accent1">
+              <a:shade val="50000"/>
+            </a:schemeClr>
+          </a:lnRef>
+          <a:fillRef idx="1">
+            <a:schemeClr val="accent1"/>
+          </a:fillRef>
+          <a:effectRef idx="0">
+            <a:schemeClr val="accent1"/>
+          </a:effectRef>
+          <a:fontRef idx="minor">
+            <a:schemeClr val="lt1"/>
+          </a:fontRef>
+        </p:style>
+        <p:txBody>
+          <a:bodyPr rtlCol="0" anchor="ctr"/>
+          <a:lstStyle/>
+          <a:p>
+            <a:pPr algn="ctr"/>
+            <a:r>
+              <a:rPr lang="en-US" sz="1400" b="1" dirty="0">
+                <a:solidFill>
+                  <a:schemeClr val="tx1"/>
+                </a:solidFill>
+                <a:latin typeface="Arial" panose="020B0604020202020204" pitchFamily="34" charset="0"/>
+                <a:cs typeface="Arial" panose="020B0604020202020204" pitchFamily="34" charset="0"/>
+              </a:rPr>
+              <a:t>HARDWARE</a:t>
+            </a:r>
+          </a:p>
+        </p:txBody>
+      </p:sp>
+      <p:sp>
+        <p:nvSpPr>
+          <p:cNvPr id="66" name="Rounded Rectangle 65">
+            <a:extLst>
+              <a:ext uri="{FF2B5EF4-FFF2-40B4-BE49-F238E27FC236}">
+                <a16:creationId xmlns:a16="http://schemas.microsoft.com/office/drawing/2014/main" id="{19D655D8-1896-944B-8A48-F4C546951428}"/>
+              </a:ext>
+            </a:extLst>
+          </p:cNvPr>
+          <p:cNvSpPr/>
+          <p:nvPr/>
+        </p:nvSpPr>
+        <p:spPr>
+          <a:xfrm>
+            <a:off x="8614791" y="3474689"/>
+            <a:ext cx="2986949" cy="316036"/>
+          </a:xfrm>
+          <a:prstGeom prst="roundRect">
+            <a:avLst/>
+          </a:prstGeom>
+          <a:solidFill>
+            <a:srgbClr val="849DAB"/>
+          </a:solidFill>
+        </p:spPr>
+        <p:style>
+          <a:lnRef idx="2">
+            <a:schemeClr val="accent1">
+              <a:shade val="50000"/>
+            </a:schemeClr>
+          </a:lnRef>
+          <a:fillRef idx="1">
+            <a:schemeClr val="accent1"/>
+          </a:fillRef>
+          <a:effectRef idx="0">
+            <a:schemeClr val="accent1"/>
+          </a:effectRef>
+          <a:fontRef idx="minor">
+            <a:schemeClr val="lt1"/>
+          </a:fontRef>
+        </p:style>
+        <p:txBody>
+          <a:bodyPr rtlCol="0" anchor="ctr"/>
+          <a:lstStyle/>
+          <a:p>
+            <a:pPr algn="ctr"/>
+            <a:r>
+              <a:rPr lang="en-US" sz="1400" b="1" dirty="0">
+                <a:solidFill>
+                  <a:schemeClr val="tx1"/>
+                </a:solidFill>
+                <a:latin typeface="Arial" panose="020B0604020202020204" pitchFamily="34" charset="0"/>
+                <a:cs typeface="Arial" panose="020B0604020202020204" pitchFamily="34" charset="0"/>
+              </a:rPr>
+              <a:t>CONCLUSION</a:t>
+            </a:r>
+          </a:p>
+        </p:txBody>
+      </p:sp>
+      <p:sp>
+        <p:nvSpPr>
+          <p:cNvPr id="67" name="Rounded Rectangle 66">
+            <a:extLst>
+              <a:ext uri="{FF2B5EF4-FFF2-40B4-BE49-F238E27FC236}">
+                <a16:creationId xmlns:a16="http://schemas.microsoft.com/office/drawing/2014/main" id="{C25EBF6D-EA8C-6F4C-BBCD-61E3DB6B2417}"/>
+              </a:ext>
+            </a:extLst>
+          </p:cNvPr>
+          <p:cNvSpPr/>
+          <p:nvPr/>
+        </p:nvSpPr>
+        <p:spPr>
+          <a:xfrm>
+            <a:off x="8641476" y="5485333"/>
+            <a:ext cx="2986949" cy="316036"/>
+          </a:xfrm>
+          <a:prstGeom prst="roundRect">
+            <a:avLst/>
+          </a:prstGeom>
+          <a:solidFill>
+            <a:srgbClr val="849DAB"/>
+          </a:solidFill>
+        </p:spPr>
+        <p:style>
+          <a:lnRef idx="2">
+            <a:schemeClr val="accent1">
+              <a:shade val="50000"/>
+            </a:schemeClr>
+          </a:lnRef>
+          <a:fillRef idx="1">
+            <a:schemeClr val="accent1"/>
+          </a:fillRef>
+          <a:effectRef idx="0">
+            <a:schemeClr val="accent1"/>
+          </a:effectRef>
+          <a:fontRef idx="minor">
+            <a:schemeClr val="lt1"/>
+          </a:fontRef>
+        </p:style>
+        <p:txBody>
+          <a:bodyPr rtlCol="0" anchor="ctr"/>
+          <a:lstStyle/>
+          <a:p>
+            <a:pPr algn="ctr"/>
+            <a:r>
+              <a:rPr lang="en-US" sz="1400" b="1" dirty="0">
+                <a:solidFill>
+                  <a:schemeClr val="tx1"/>
+                </a:solidFill>
+                <a:latin typeface="Arial" panose="020B0604020202020204" pitchFamily="34" charset="0"/>
+                <a:cs typeface="Arial" panose="020B0604020202020204" pitchFamily="34" charset="0"/>
+              </a:rPr>
+              <a:t>REFERENCES</a:t>
             </a:r>
           </a:p>
         </p:txBody>

--- a/poster/21P78Poster.pptx
+++ b/poster/21P78Poster.pptx
@@ -4162,7 +4162,7 @@
         <p:spPr>
           <a:xfrm>
             <a:off x="254955" y="1581489"/>
-            <a:ext cx="3742624" cy="1200329"/>
+            <a:ext cx="3742624" cy="1569660"/>
           </a:xfrm>
           <a:prstGeom prst="rect">
             <a:avLst/>
@@ -4206,6 +4206,23 @@
               <a:t>The aim of this project is to investigate the use of PPG as a means of developing a cuffless, non-invasive blood pressure monitor.</a:t>
             </a:r>
           </a:p>
+          <a:p>
+            <a:pPr algn="just"/>
+            <a:endParaRPr lang="en-ZA" sz="1200" dirty="0">
+              <a:latin typeface="Arial" panose="020B0604020202020204" pitchFamily="34" charset="0"/>
+              <a:cs typeface="Arial" panose="020B0604020202020204" pitchFamily="34" charset="0"/>
+            </a:endParaRPr>
+          </a:p>
+          <a:p>
+            <a:pPr algn="just"/>
+            <a:r>
+              <a:rPr lang="en-ZA" sz="1200" dirty="0">
+                <a:latin typeface="Arial" panose="020B0604020202020204" pitchFamily="34" charset="0"/>
+                <a:cs typeface="Arial" panose="020B0604020202020204" pitchFamily="34" charset="0"/>
+              </a:rPr>
+              <a:t>ADD A LINE OR TWO</a:t>
+            </a:r>
+          </a:p>
         </p:txBody>
       </p:sp>
       <p:sp>
@@ -4223,7 +4240,7 @@
         <p:spPr>
           <a:xfrm>
             <a:off x="254955" y="3915673"/>
-            <a:ext cx="3742624" cy="1938992"/>
+            <a:ext cx="3742624" cy="2308324"/>
           </a:xfrm>
           <a:prstGeom prst="rect">
             <a:avLst/>
@@ -4264,21 +4281,24 @@
                 <a:latin typeface="Arial" panose="020B0604020202020204" pitchFamily="34" charset="0"/>
                 <a:cs typeface="Arial" panose="020B0604020202020204" pitchFamily="34" charset="0"/>
               </a:rPr>
-              <a:t>Two sets of machine learning models will be trained. The first will predict the systolic (SBP), diastolic (DBP) and mean arterial pressure (MAP). The second will predict the shape of the ABP waveform. In both, extracted features and the full waveform will be explored as inputs to </a:t>
-            </a:r>
-            <a:r>
-              <a:rPr lang="en-ZA" sz="1200">
-                <a:latin typeface="Arial" panose="020B0604020202020204" pitchFamily="34" charset="0"/>
-                <a:cs typeface="Arial" panose="020B0604020202020204" pitchFamily="34" charset="0"/>
-              </a:rPr>
-              <a:t>the models</a:t>
-            </a:r>
+              <a:t>Two sets of machine learning models will be trained. The first will predict the systolic (SBP), diastolic (DBP) and mean arterial pressure (MAP). The second will predict the shape of the ABP waveform. In both, extracted features and the full waveform will be explored as inputs to the models.</a:t>
+            </a:r>
+          </a:p>
+          <a:p>
+            <a:pPr algn="just"/>
+            <a:endParaRPr lang="en-ZA" sz="1200" dirty="0">
+              <a:latin typeface="Arial" panose="020B0604020202020204" pitchFamily="34" charset="0"/>
+              <a:cs typeface="Arial" panose="020B0604020202020204" pitchFamily="34" charset="0"/>
+            </a:endParaRPr>
+          </a:p>
+          <a:p>
+            <a:pPr algn="just"/>
             <a:r>
               <a:rPr lang="en-ZA" sz="1200" dirty="0">
                 <a:latin typeface="Arial" panose="020B0604020202020204" pitchFamily="34" charset="0"/>
                 <a:cs typeface="Arial" panose="020B0604020202020204" pitchFamily="34" charset="0"/>
               </a:rPr>
-              <a:t>.</a:t>
+              <a:t>ADD A LINE OR TWO</a:t>
             </a:r>
             <a:endParaRPr lang="en-US" sz="1200" dirty="0">
               <a:latin typeface="Arial" panose="020B0604020202020204" pitchFamily="34" charset="0"/>
@@ -4302,7 +4322,7 @@
         <p:spPr>
           <a:xfrm>
             <a:off x="4219146" y="1590245"/>
-            <a:ext cx="3742624" cy="830997"/>
+            <a:ext cx="3742624" cy="1015663"/>
           </a:xfrm>
           <a:prstGeom prst="rect">
             <a:avLst/>
@@ -4326,7 +4346,7 @@
                 <a:latin typeface="Arial" panose="020B0604020202020204" pitchFamily="34" charset="0"/>
                 <a:cs typeface="Arial" panose="020B0604020202020204" pitchFamily="34" charset="0"/>
               </a:rPr>
-              <a:t>DBP and MAP are best predicted using a 3 layered network with 512 nodes per layer. SBP is best predicted using 4 layers of 512. Results are shown in Table 1.</a:t>
+              <a:t>DBP and MAP are best predicted using a 3 layered network with 512 nodes per layer. SBP is best predicted using 4 layers of 512. For all discrete predictions, time domain extracted features gave the best results. Results are shown in Table 1.</a:t>
             </a:r>
           </a:p>
         </p:txBody>
@@ -4699,13 +4719,13 @@
           <p:nvPr>
             <p:extLst>
               <p:ext uri="{D42A27DB-BD31-4B8C-83A1-F6EECF244321}">
-                <p14:modId xmlns:p14="http://schemas.microsoft.com/office/powerpoint/2010/main" val="1554242003"/>
+                <p14:modId xmlns:p14="http://schemas.microsoft.com/office/powerpoint/2010/main" val="3781306264"/>
               </p:ext>
             </p:extLst>
           </p:nvPr>
         </p:nvGraphicFramePr>
         <p:xfrm>
-          <a:off x="4249682" y="3183305"/>
+          <a:off x="4249682" y="2988995"/>
           <a:ext cx="3692636" cy="1112520"/>
         </p:xfrm>
         <a:graphic>
@@ -5492,7 +5512,7 @@
         </p:nvSpPr>
         <p:spPr>
           <a:xfrm>
-            <a:off x="4238780" y="2875528"/>
+            <a:off x="4238780" y="2681218"/>
             <a:ext cx="3742624" cy="276999"/>
           </a:xfrm>
           <a:prstGeom prst="rect">

--- a/poster/21P78Poster.pptx
+++ b/poster/21P78Poster.pptx
@@ -2,19 +2,20 @@
 <file path=ppt/presentation.xml><?xml version="1.0" encoding="utf-8"?>
 <p:presentation xmlns:a="http://schemas.openxmlformats.org/drawingml/2006/main" xmlns:r="http://schemas.openxmlformats.org/officeDocument/2006/relationships" xmlns:p="http://schemas.openxmlformats.org/presentationml/2006/main" saveSubsetFonts="1">
   <p:sldMasterIdLst>
-    <p:sldMasterId id="2147483648" r:id="rId1"/>
+    <p:sldMasterId id="2147483660" r:id="rId1"/>
   </p:sldMasterIdLst>
   <p:sldIdLst>
     <p:sldId id="256" r:id="rId2"/>
+    <p:sldId id="257" r:id="rId3"/>
   </p:sldIdLst>
-  <p:sldSz cx="12192000" cy="6858000"/>
+  <p:sldSz cx="9144000" cy="5143500" type="screen16x9"/>
   <p:notesSz cx="6858000" cy="9144000"/>
   <p:defaultTextStyle>
     <a:defPPr>
-      <a:defRPr lang="ja-JP"/>
+      <a:defRPr lang="en-US"/>
     </a:defPPr>
-    <a:lvl1pPr marL="0" algn="l" defTabSz="914400" rtl="0" eaLnBrk="1" latinLnBrk="0" hangingPunct="1">
-      <a:defRPr kumimoji="1" sz="1800" kern="1200">
+    <a:lvl1pPr marL="0" algn="l" defTabSz="457200" rtl="0" eaLnBrk="1" latinLnBrk="0" hangingPunct="1">
+      <a:defRPr sz="1800" kern="1200">
         <a:solidFill>
           <a:schemeClr val="tx1"/>
         </a:solidFill>
@@ -23,8 +24,8 @@
         <a:cs typeface="+mn-cs"/>
       </a:defRPr>
     </a:lvl1pPr>
-    <a:lvl2pPr marL="457200" algn="l" defTabSz="914400" rtl="0" eaLnBrk="1" latinLnBrk="0" hangingPunct="1">
-      <a:defRPr kumimoji="1" sz="1800" kern="1200">
+    <a:lvl2pPr marL="457200" algn="l" defTabSz="457200" rtl="0" eaLnBrk="1" latinLnBrk="0" hangingPunct="1">
+      <a:defRPr sz="1800" kern="1200">
         <a:solidFill>
           <a:schemeClr val="tx1"/>
         </a:solidFill>
@@ -33,8 +34,8 @@
         <a:cs typeface="+mn-cs"/>
       </a:defRPr>
     </a:lvl2pPr>
-    <a:lvl3pPr marL="914400" algn="l" defTabSz="914400" rtl="0" eaLnBrk="1" latinLnBrk="0" hangingPunct="1">
-      <a:defRPr kumimoji="1" sz="1800" kern="1200">
+    <a:lvl3pPr marL="914400" algn="l" defTabSz="457200" rtl="0" eaLnBrk="1" latinLnBrk="0" hangingPunct="1">
+      <a:defRPr sz="1800" kern="1200">
         <a:solidFill>
           <a:schemeClr val="tx1"/>
         </a:solidFill>
@@ -43,8 +44,8 @@
         <a:cs typeface="+mn-cs"/>
       </a:defRPr>
     </a:lvl3pPr>
-    <a:lvl4pPr marL="1371600" algn="l" defTabSz="914400" rtl="0" eaLnBrk="1" latinLnBrk="0" hangingPunct="1">
-      <a:defRPr kumimoji="1" sz="1800" kern="1200">
+    <a:lvl4pPr marL="1371600" algn="l" defTabSz="457200" rtl="0" eaLnBrk="1" latinLnBrk="0" hangingPunct="1">
+      <a:defRPr sz="1800" kern="1200">
         <a:solidFill>
           <a:schemeClr val="tx1"/>
         </a:solidFill>
@@ -53,8 +54,8 @@
         <a:cs typeface="+mn-cs"/>
       </a:defRPr>
     </a:lvl4pPr>
-    <a:lvl5pPr marL="1828800" algn="l" defTabSz="914400" rtl="0" eaLnBrk="1" latinLnBrk="0" hangingPunct="1">
-      <a:defRPr kumimoji="1" sz="1800" kern="1200">
+    <a:lvl5pPr marL="1828800" algn="l" defTabSz="457200" rtl="0" eaLnBrk="1" latinLnBrk="0" hangingPunct="1">
+      <a:defRPr sz="1800" kern="1200">
         <a:solidFill>
           <a:schemeClr val="tx1"/>
         </a:solidFill>
@@ -63,8 +64,8 @@
         <a:cs typeface="+mn-cs"/>
       </a:defRPr>
     </a:lvl5pPr>
-    <a:lvl6pPr marL="2286000" algn="l" defTabSz="914400" rtl="0" eaLnBrk="1" latinLnBrk="0" hangingPunct="1">
-      <a:defRPr kumimoji="1" sz="1800" kern="1200">
+    <a:lvl6pPr marL="2286000" algn="l" defTabSz="457200" rtl="0" eaLnBrk="1" latinLnBrk="0" hangingPunct="1">
+      <a:defRPr sz="1800" kern="1200">
         <a:solidFill>
           <a:schemeClr val="tx1"/>
         </a:solidFill>
@@ -73,8 +74,8 @@
         <a:cs typeface="+mn-cs"/>
       </a:defRPr>
     </a:lvl6pPr>
-    <a:lvl7pPr marL="2743200" algn="l" defTabSz="914400" rtl="0" eaLnBrk="1" latinLnBrk="0" hangingPunct="1">
-      <a:defRPr kumimoji="1" sz="1800" kern="1200">
+    <a:lvl7pPr marL="2743200" algn="l" defTabSz="457200" rtl="0" eaLnBrk="1" latinLnBrk="0" hangingPunct="1">
+      <a:defRPr sz="1800" kern="1200">
         <a:solidFill>
           <a:schemeClr val="tx1"/>
         </a:solidFill>
@@ -83,8 +84,8 @@
         <a:cs typeface="+mn-cs"/>
       </a:defRPr>
     </a:lvl7pPr>
-    <a:lvl8pPr marL="3200400" algn="l" defTabSz="914400" rtl="0" eaLnBrk="1" latinLnBrk="0" hangingPunct="1">
-      <a:defRPr kumimoji="1" sz="1800" kern="1200">
+    <a:lvl8pPr marL="3200400" algn="l" defTabSz="457200" rtl="0" eaLnBrk="1" latinLnBrk="0" hangingPunct="1">
+      <a:defRPr sz="1800" kern="1200">
         <a:solidFill>
           <a:schemeClr val="tx1"/>
         </a:solidFill>
@@ -93,8 +94,8 @@
         <a:cs typeface="+mn-cs"/>
       </a:defRPr>
     </a:lvl8pPr>
-    <a:lvl9pPr marL="3657600" algn="l" defTabSz="914400" rtl="0" eaLnBrk="1" latinLnBrk="0" hangingPunct="1">
-      <a:defRPr kumimoji="1" sz="1800" kern="1200">
+    <a:lvl9pPr marL="3657600" algn="l" defTabSz="457200" rtl="0" eaLnBrk="1" latinLnBrk="0" hangingPunct="1">
+      <a:defRPr sz="1800" kern="1200">
         <a:solidFill>
           <a:schemeClr val="tx1"/>
         </a:solidFill>
@@ -107,12 +108,12 @@
   <p:extLst>
     <p:ext uri="{EFAFB233-063F-42B5-8137-9DF3F51BA10A}">
       <p15:sldGuideLst xmlns:p15="http://schemas.microsoft.com/office/powerpoint/2012/main">
-        <p15:guide id="1" orient="horz" pos="2160" userDrawn="1">
+        <p15:guide id="1" orient="horz" pos="1620" userDrawn="1">
           <p15:clr>
             <a:srgbClr val="A4A3A4"/>
           </p15:clr>
         </p15:guide>
-        <p15:guide id="2" pos="3840" userDrawn="1">
+        <p15:guide id="2" pos="2880" userDrawn="1">
           <p15:clr>
             <a:srgbClr val="A4A3A4"/>
           </p15:clr>
@@ -314,7 +315,7 @@
 
 <file path=ppt/slideLayouts/slideLayout1.xml><?xml version="1.0" encoding="utf-8"?>
 <p:sldLayout xmlns:a="http://schemas.openxmlformats.org/drawingml/2006/main" xmlns:r="http://schemas.openxmlformats.org/officeDocument/2006/relationships" xmlns:p="http://schemas.openxmlformats.org/presentationml/2006/main" type="title" preserve="1">
-  <p:cSld name="タイトル スライド">
+  <p:cSld name="Title Slide">
     <p:spTree>
       <p:nvGrpSpPr>
         <p:cNvPr id="1" name=""/>
@@ -331,13 +332,7 @@
       </p:grpSpPr>
       <p:sp>
         <p:nvSpPr>
-          <p:cNvPr id="2" name="タイトル 1">
-            <a:extLst>
-              <a:ext uri="{FF2B5EF4-FFF2-40B4-BE49-F238E27FC236}">
-                <a16:creationId xmlns:a16="http://schemas.microsoft.com/office/drawing/2014/main" id="{8B5E106C-19BA-487E-98C5-67266F19FF17}"/>
-              </a:ext>
-            </a:extLst>
-          </p:cNvPr>
+          <p:cNvPr id="2" name="Title 1"/>
           <p:cNvSpPr>
             <a:spLocks noGrp="1"/>
           </p:cNvSpPr>
@@ -347,34 +342,29 @@
         </p:nvSpPr>
         <p:spPr>
           <a:xfrm>
-            <a:off x="1524000" y="1122363"/>
-            <a:ext cx="9144000" cy="2387600"/>
+            <a:off x="1143000" y="841772"/>
+            <a:ext cx="6858000" cy="1790700"/>
           </a:xfrm>
         </p:spPr>
         <p:txBody>
           <a:bodyPr anchor="b"/>
           <a:lstStyle>
             <a:lvl1pPr algn="ctr">
-              <a:defRPr sz="6000"/>
+              <a:defRPr sz="4500"/>
             </a:lvl1pPr>
           </a:lstStyle>
           <a:p>
             <a:r>
-              <a:rPr kumimoji="1" lang="ja-JP" altLang="en-US"/>
-              <a:t>マスター タイトルの書式設定</a:t>
-            </a:r>
-          </a:p>
-        </p:txBody>
-      </p:sp>
-      <p:sp>
-        <p:nvSpPr>
-          <p:cNvPr id="3" name="字幕 2">
-            <a:extLst>
-              <a:ext uri="{FF2B5EF4-FFF2-40B4-BE49-F238E27FC236}">
-                <a16:creationId xmlns:a16="http://schemas.microsoft.com/office/drawing/2014/main" id="{FF2F6A8E-285B-4621-A96D-47B787817348}"/>
-              </a:ext>
-            </a:extLst>
-          </p:cNvPr>
+              <a:rPr lang="en-GB"/>
+              <a:t>Click to edit Master title style</a:t>
+            </a:r>
+            <a:endParaRPr lang="en-US" dirty="0"/>
+          </a:p>
+        </p:txBody>
+      </p:sp>
+      <p:sp>
+        <p:nvSpPr>
+          <p:cNvPr id="3" name="Subtitle 2"/>
           <p:cNvSpPr>
             <a:spLocks noGrp="1"/>
           </p:cNvSpPr>
@@ -384,8 +374,8 @@
         </p:nvSpPr>
         <p:spPr>
           <a:xfrm>
-            <a:off x="1524000" y="3602038"/>
-            <a:ext cx="9144000" cy="1655762"/>
+            <a:off x="1143000" y="2701528"/>
+            <a:ext cx="6858000" cy="1241822"/>
           </a:xfrm>
         </p:spPr>
         <p:txBody>
@@ -393,58 +383,53 @@
           <a:lstStyle>
             <a:lvl1pPr marL="0" indent="0" algn="ctr">
               <a:buNone/>
-              <a:defRPr sz="2400"/>
+              <a:defRPr sz="1800"/>
             </a:lvl1pPr>
-            <a:lvl2pPr marL="457200" indent="0" algn="ctr">
-              <a:buNone/>
-              <a:defRPr sz="2000"/>
+            <a:lvl2pPr marL="342900" indent="0" algn="ctr">
+              <a:buNone/>
+              <a:defRPr sz="1500"/>
             </a:lvl2pPr>
-            <a:lvl3pPr marL="914400" indent="0" algn="ctr">
-              <a:buNone/>
-              <a:defRPr sz="1800"/>
+            <a:lvl3pPr marL="685800" indent="0" algn="ctr">
+              <a:buNone/>
+              <a:defRPr sz="1350"/>
             </a:lvl3pPr>
-            <a:lvl4pPr marL="1371600" indent="0" algn="ctr">
-              <a:buNone/>
-              <a:defRPr sz="1600"/>
+            <a:lvl4pPr marL="1028700" indent="0" algn="ctr">
+              <a:buNone/>
+              <a:defRPr sz="1200"/>
             </a:lvl4pPr>
-            <a:lvl5pPr marL="1828800" indent="0" algn="ctr">
-              <a:buNone/>
-              <a:defRPr sz="1600"/>
+            <a:lvl5pPr marL="1371600" indent="0" algn="ctr">
+              <a:buNone/>
+              <a:defRPr sz="1200"/>
             </a:lvl5pPr>
-            <a:lvl6pPr marL="2286000" indent="0" algn="ctr">
-              <a:buNone/>
-              <a:defRPr sz="1600"/>
+            <a:lvl6pPr marL="1714500" indent="0" algn="ctr">
+              <a:buNone/>
+              <a:defRPr sz="1200"/>
             </a:lvl6pPr>
-            <a:lvl7pPr marL="2743200" indent="0" algn="ctr">
-              <a:buNone/>
-              <a:defRPr sz="1600"/>
+            <a:lvl7pPr marL="2057400" indent="0" algn="ctr">
+              <a:buNone/>
+              <a:defRPr sz="1200"/>
             </a:lvl7pPr>
-            <a:lvl8pPr marL="3200400" indent="0" algn="ctr">
-              <a:buNone/>
-              <a:defRPr sz="1600"/>
+            <a:lvl8pPr marL="2400300" indent="0" algn="ctr">
+              <a:buNone/>
+              <a:defRPr sz="1200"/>
             </a:lvl8pPr>
-            <a:lvl9pPr marL="3657600" indent="0" algn="ctr">
-              <a:buNone/>
-              <a:defRPr sz="1600"/>
+            <a:lvl9pPr marL="2743200" indent="0" algn="ctr">
+              <a:buNone/>
+              <a:defRPr sz="1200"/>
             </a:lvl9pPr>
           </a:lstStyle>
           <a:p>
             <a:r>
-              <a:rPr kumimoji="1" lang="ja-JP" altLang="en-US"/>
-              <a:t>マスター サブタイトルの書式設定</a:t>
-            </a:r>
-          </a:p>
-        </p:txBody>
-      </p:sp>
-      <p:sp>
-        <p:nvSpPr>
-          <p:cNvPr id="4" name="日付プレースホルダー 3">
-            <a:extLst>
-              <a:ext uri="{FF2B5EF4-FFF2-40B4-BE49-F238E27FC236}">
-                <a16:creationId xmlns:a16="http://schemas.microsoft.com/office/drawing/2014/main" id="{4F8815CB-B9C0-4B82-8E77-6FCC01C4C7C9}"/>
-              </a:ext>
-            </a:extLst>
-          </p:cNvPr>
+              <a:rPr lang="en-GB"/>
+              <a:t>Click to edit Master subtitle style</a:t>
+            </a:r>
+            <a:endParaRPr lang="en-US" dirty="0"/>
+          </a:p>
+        </p:txBody>
+      </p:sp>
+      <p:sp>
+        <p:nvSpPr>
+          <p:cNvPr id="4" name="Date Placeholder 3"/>
           <p:cNvSpPr>
             <a:spLocks noGrp="1"/>
           </p:cNvSpPr>
@@ -467,13 +452,7 @@
       </p:sp>
       <p:sp>
         <p:nvSpPr>
-          <p:cNvPr id="5" name="フッター プレースホルダー 4">
-            <a:extLst>
-              <a:ext uri="{FF2B5EF4-FFF2-40B4-BE49-F238E27FC236}">
-                <a16:creationId xmlns:a16="http://schemas.microsoft.com/office/drawing/2014/main" id="{492C0E4B-A155-43C3-AF0A-7A4C15DE49E6}"/>
-              </a:ext>
-            </a:extLst>
-          </p:cNvPr>
+          <p:cNvPr id="5" name="Footer Placeholder 4"/>
           <p:cNvSpPr>
             <a:spLocks noGrp="1"/>
           </p:cNvSpPr>
@@ -492,13 +471,7 @@
       </p:sp>
       <p:sp>
         <p:nvSpPr>
-          <p:cNvPr id="6" name="スライド番号プレースホルダー 5">
-            <a:extLst>
-              <a:ext uri="{FF2B5EF4-FFF2-40B4-BE49-F238E27FC236}">
-                <a16:creationId xmlns:a16="http://schemas.microsoft.com/office/drawing/2014/main" id="{8FB8064C-1EA7-45D4-9D8D-6C1ED93DF83B}"/>
-              </a:ext>
-            </a:extLst>
-          </p:cNvPr>
+          <p:cNvPr id="6" name="Slide Number Placeholder 5"/>
           <p:cNvSpPr>
             <a:spLocks noGrp="1"/>
           </p:cNvSpPr>
@@ -522,7 +495,7 @@
     </p:spTree>
     <p:extLst>
       <p:ext uri="{BB962C8B-B14F-4D97-AF65-F5344CB8AC3E}">
-        <p14:creationId xmlns:p14="http://schemas.microsoft.com/office/powerpoint/2010/main" val="2941132192"/>
+        <p14:creationId xmlns:p14="http://schemas.microsoft.com/office/powerpoint/2010/main" val="1261663504"/>
       </p:ext>
     </p:extLst>
   </p:cSld>
@@ -534,7 +507,7 @@
 
 <file path=ppt/slideLayouts/slideLayout10.xml><?xml version="1.0" encoding="utf-8"?>
 <p:sldLayout xmlns:a="http://schemas.openxmlformats.org/drawingml/2006/main" xmlns:r="http://schemas.openxmlformats.org/officeDocument/2006/relationships" xmlns:p="http://schemas.openxmlformats.org/presentationml/2006/main" type="vertTx" preserve="1">
-  <p:cSld name="タイトルと縦書きテキスト">
+  <p:cSld name="Title and Vertical Text">
     <p:spTree>
       <p:nvGrpSpPr>
         <p:cNvPr id="1" name=""/>
@@ -551,13 +524,7 @@
       </p:grpSpPr>
       <p:sp>
         <p:nvSpPr>
-          <p:cNvPr id="2" name="タイトル 1">
-            <a:extLst>
-              <a:ext uri="{FF2B5EF4-FFF2-40B4-BE49-F238E27FC236}">
-                <a16:creationId xmlns:a16="http://schemas.microsoft.com/office/drawing/2014/main" id="{4553FDEB-1BED-4BD8-A215-FC79FA9C5307}"/>
-              </a:ext>
-            </a:extLst>
-          </p:cNvPr>
+          <p:cNvPr id="2" name="Title 1"/>
           <p:cNvSpPr>
             <a:spLocks noGrp="1"/>
           </p:cNvSpPr>
@@ -571,21 +538,16 @@
           <a:lstStyle/>
           <a:p>
             <a:r>
-              <a:rPr kumimoji="1" lang="ja-JP" altLang="en-US"/>
-              <a:t>マスター タイトルの書式設定</a:t>
-            </a:r>
-          </a:p>
-        </p:txBody>
-      </p:sp>
-      <p:sp>
-        <p:nvSpPr>
-          <p:cNvPr id="3" name="縦書きテキスト プレースホルダー 2">
-            <a:extLst>
-              <a:ext uri="{FF2B5EF4-FFF2-40B4-BE49-F238E27FC236}">
-                <a16:creationId xmlns:a16="http://schemas.microsoft.com/office/drawing/2014/main" id="{C70FCFCA-9233-40DE-AC90-11DADBFEC372}"/>
-              </a:ext>
-            </a:extLst>
-          </p:cNvPr>
+              <a:rPr lang="en-GB"/>
+              <a:t>Click to edit Master title style</a:t>
+            </a:r>
+            <a:endParaRPr lang="en-US" dirty="0"/>
+          </a:p>
+        </p:txBody>
+      </p:sp>
+      <p:sp>
+        <p:nvSpPr>
+          <p:cNvPr id="3" name="Vertical Text Placeholder 2"/>
           <p:cNvSpPr>
             <a:spLocks noGrp="1"/>
           </p:cNvSpPr>
@@ -600,81 +562,44 @@
           <a:p>
             <a:pPr lvl="0"/>
             <a:r>
-              <a:rPr kumimoji="1" lang="ja-JP" altLang="en-US"/>
-              <a:t>マスター テキストの書式設定</a:t>
+              <a:rPr lang="en-GB"/>
+              <a:t>Click to edit Master text styles</a:t>
             </a:r>
           </a:p>
           <a:p>
             <a:pPr lvl="1"/>
             <a:r>
-              <a:rPr kumimoji="1" lang="ja-JP" altLang="en-US"/>
-              <a:t>第 </a:t>
-            </a:r>
-            <a:r>
-              <a:rPr kumimoji="1" lang="en-US" altLang="ja-JP"/>
-              <a:t>2 </a:t>
-            </a:r>
-            <a:r>
-              <a:rPr kumimoji="1" lang="ja-JP" altLang="en-US"/>
-              <a:t>レベル</a:t>
+              <a:rPr lang="en-GB"/>
+              <a:t>Second level</a:t>
             </a:r>
           </a:p>
           <a:p>
             <a:pPr lvl="2"/>
             <a:r>
-              <a:rPr kumimoji="1" lang="ja-JP" altLang="en-US"/>
-              <a:t>第 </a:t>
-            </a:r>
-            <a:r>
-              <a:rPr kumimoji="1" lang="en-US" altLang="ja-JP"/>
-              <a:t>3 </a:t>
-            </a:r>
-            <a:r>
-              <a:rPr kumimoji="1" lang="ja-JP" altLang="en-US"/>
-              <a:t>レベル</a:t>
+              <a:rPr lang="en-GB"/>
+              <a:t>Third level</a:t>
             </a:r>
           </a:p>
           <a:p>
             <a:pPr lvl="3"/>
             <a:r>
-              <a:rPr kumimoji="1" lang="ja-JP" altLang="en-US"/>
-              <a:t>第 </a:t>
-            </a:r>
-            <a:r>
-              <a:rPr kumimoji="1" lang="en-US" altLang="ja-JP"/>
-              <a:t>4 </a:t>
-            </a:r>
-            <a:r>
-              <a:rPr kumimoji="1" lang="ja-JP" altLang="en-US"/>
-              <a:t>レベル</a:t>
+              <a:rPr lang="en-GB"/>
+              <a:t>Fourth level</a:t>
             </a:r>
           </a:p>
           <a:p>
             <a:pPr lvl="4"/>
             <a:r>
-              <a:rPr kumimoji="1" lang="ja-JP" altLang="en-US"/>
-              <a:t>第 </a:t>
-            </a:r>
-            <a:r>
-              <a:rPr kumimoji="1" lang="en-US" altLang="ja-JP"/>
-              <a:t>5 </a:t>
-            </a:r>
-            <a:r>
-              <a:rPr kumimoji="1" lang="ja-JP" altLang="en-US"/>
-              <a:t>レベル</a:t>
-            </a:r>
-          </a:p>
-        </p:txBody>
-      </p:sp>
-      <p:sp>
-        <p:nvSpPr>
-          <p:cNvPr id="4" name="日付プレースホルダー 3">
-            <a:extLst>
-              <a:ext uri="{FF2B5EF4-FFF2-40B4-BE49-F238E27FC236}">
-                <a16:creationId xmlns:a16="http://schemas.microsoft.com/office/drawing/2014/main" id="{FD3FFDEA-8B3F-4242-85CC-B28D64D6F2DE}"/>
-              </a:ext>
-            </a:extLst>
-          </p:cNvPr>
+              <a:rPr lang="en-GB"/>
+              <a:t>Fifth level</a:t>
+            </a:r>
+            <a:endParaRPr lang="en-US" dirty="0"/>
+          </a:p>
+        </p:txBody>
+      </p:sp>
+      <p:sp>
+        <p:nvSpPr>
+          <p:cNvPr id="4" name="Date Placeholder 3"/>
           <p:cNvSpPr>
             <a:spLocks noGrp="1"/>
           </p:cNvSpPr>
@@ -697,13 +622,7 @@
       </p:sp>
       <p:sp>
         <p:nvSpPr>
-          <p:cNvPr id="5" name="フッター プレースホルダー 4">
-            <a:extLst>
-              <a:ext uri="{FF2B5EF4-FFF2-40B4-BE49-F238E27FC236}">
-                <a16:creationId xmlns:a16="http://schemas.microsoft.com/office/drawing/2014/main" id="{3E9C8C3E-6921-47E2-BE3B-9E4DD122CE83}"/>
-              </a:ext>
-            </a:extLst>
-          </p:cNvPr>
+          <p:cNvPr id="5" name="Footer Placeholder 4"/>
           <p:cNvSpPr>
             <a:spLocks noGrp="1"/>
           </p:cNvSpPr>
@@ -722,13 +641,7 @@
       </p:sp>
       <p:sp>
         <p:nvSpPr>
-          <p:cNvPr id="6" name="スライド番号プレースホルダー 5">
-            <a:extLst>
-              <a:ext uri="{FF2B5EF4-FFF2-40B4-BE49-F238E27FC236}">
-                <a16:creationId xmlns:a16="http://schemas.microsoft.com/office/drawing/2014/main" id="{BEB39A13-A168-455F-B6C0-747B5FB1C0D4}"/>
-              </a:ext>
-            </a:extLst>
-          </p:cNvPr>
+          <p:cNvPr id="6" name="Slide Number Placeholder 5"/>
           <p:cNvSpPr>
             <a:spLocks noGrp="1"/>
           </p:cNvSpPr>
@@ -752,7 +665,7 @@
     </p:spTree>
     <p:extLst>
       <p:ext uri="{BB962C8B-B14F-4D97-AF65-F5344CB8AC3E}">
-        <p14:creationId xmlns:p14="http://schemas.microsoft.com/office/powerpoint/2010/main" val="1415897158"/>
+        <p14:creationId xmlns:p14="http://schemas.microsoft.com/office/powerpoint/2010/main" val="644837712"/>
       </p:ext>
     </p:extLst>
   </p:cSld>
@@ -764,7 +677,7 @@
 
 <file path=ppt/slideLayouts/slideLayout11.xml><?xml version="1.0" encoding="utf-8"?>
 <p:sldLayout xmlns:a="http://schemas.openxmlformats.org/drawingml/2006/main" xmlns:r="http://schemas.openxmlformats.org/officeDocument/2006/relationships" xmlns:p="http://schemas.openxmlformats.org/presentationml/2006/main" type="vertTitleAndTx" preserve="1">
-  <p:cSld name="縦書きタイトルと&#10;縦書きテキスト">
+  <p:cSld name="Vertical Title and Text">
     <p:spTree>
       <p:nvGrpSpPr>
         <p:cNvPr id="1" name=""/>
@@ -781,13 +694,7 @@
       </p:grpSpPr>
       <p:sp>
         <p:nvSpPr>
-          <p:cNvPr id="2" name="縦書きタイトル 1">
-            <a:extLst>
-              <a:ext uri="{FF2B5EF4-FFF2-40B4-BE49-F238E27FC236}">
-                <a16:creationId xmlns:a16="http://schemas.microsoft.com/office/drawing/2014/main" id="{1DC4EB90-8544-46C9-B368-C261DA676E81}"/>
-              </a:ext>
-            </a:extLst>
-          </p:cNvPr>
+          <p:cNvPr id="2" name="Vertical Title 1"/>
           <p:cNvSpPr>
             <a:spLocks noGrp="1"/>
           </p:cNvSpPr>
@@ -797,8 +704,8 @@
         </p:nvSpPr>
         <p:spPr>
           <a:xfrm>
-            <a:off x="8724900" y="365125"/>
-            <a:ext cx="2628900" cy="5811838"/>
+            <a:off x="6543675" y="273844"/>
+            <a:ext cx="1971675" cy="4358879"/>
           </a:xfrm>
         </p:spPr>
         <p:txBody>
@@ -806,21 +713,16 @@
           <a:lstStyle/>
           <a:p>
             <a:r>
-              <a:rPr kumimoji="1" lang="ja-JP" altLang="en-US"/>
-              <a:t>マスター タイトルの書式設定</a:t>
-            </a:r>
-          </a:p>
-        </p:txBody>
-      </p:sp>
-      <p:sp>
-        <p:nvSpPr>
-          <p:cNvPr id="3" name="縦書きテキスト プレースホルダー 2">
-            <a:extLst>
-              <a:ext uri="{FF2B5EF4-FFF2-40B4-BE49-F238E27FC236}">
-                <a16:creationId xmlns:a16="http://schemas.microsoft.com/office/drawing/2014/main" id="{D42DB3EF-0064-432A-9C19-F6F992C47458}"/>
-              </a:ext>
-            </a:extLst>
-          </p:cNvPr>
+              <a:rPr lang="en-GB"/>
+              <a:t>Click to edit Master title style</a:t>
+            </a:r>
+            <a:endParaRPr lang="en-US" dirty="0"/>
+          </a:p>
+        </p:txBody>
+      </p:sp>
+      <p:sp>
+        <p:nvSpPr>
+          <p:cNvPr id="3" name="Vertical Text Placeholder 2"/>
           <p:cNvSpPr>
             <a:spLocks noGrp="1"/>
           </p:cNvSpPr>
@@ -830,8 +732,8 @@
         </p:nvSpPr>
         <p:spPr>
           <a:xfrm>
-            <a:off x="838200" y="365125"/>
-            <a:ext cx="7734300" cy="5811838"/>
+            <a:off x="628650" y="273844"/>
+            <a:ext cx="5800725" cy="4358879"/>
           </a:xfrm>
         </p:spPr>
         <p:txBody>
@@ -840,81 +742,44 @@
           <a:p>
             <a:pPr lvl="0"/>
             <a:r>
-              <a:rPr kumimoji="1" lang="ja-JP" altLang="en-US"/>
-              <a:t>マスター テキストの書式設定</a:t>
+              <a:rPr lang="en-GB"/>
+              <a:t>Click to edit Master text styles</a:t>
             </a:r>
           </a:p>
           <a:p>
             <a:pPr lvl="1"/>
             <a:r>
-              <a:rPr kumimoji="1" lang="ja-JP" altLang="en-US"/>
-              <a:t>第 </a:t>
-            </a:r>
-            <a:r>
-              <a:rPr kumimoji="1" lang="en-US" altLang="ja-JP"/>
-              <a:t>2 </a:t>
-            </a:r>
-            <a:r>
-              <a:rPr kumimoji="1" lang="ja-JP" altLang="en-US"/>
-              <a:t>レベル</a:t>
+              <a:rPr lang="en-GB"/>
+              <a:t>Second level</a:t>
             </a:r>
           </a:p>
           <a:p>
             <a:pPr lvl="2"/>
             <a:r>
-              <a:rPr kumimoji="1" lang="ja-JP" altLang="en-US"/>
-              <a:t>第 </a:t>
-            </a:r>
-            <a:r>
-              <a:rPr kumimoji="1" lang="en-US" altLang="ja-JP"/>
-              <a:t>3 </a:t>
-            </a:r>
-            <a:r>
-              <a:rPr kumimoji="1" lang="ja-JP" altLang="en-US"/>
-              <a:t>レベル</a:t>
+              <a:rPr lang="en-GB"/>
+              <a:t>Third level</a:t>
             </a:r>
           </a:p>
           <a:p>
             <a:pPr lvl="3"/>
             <a:r>
-              <a:rPr kumimoji="1" lang="ja-JP" altLang="en-US"/>
-              <a:t>第 </a:t>
-            </a:r>
-            <a:r>
-              <a:rPr kumimoji="1" lang="en-US" altLang="ja-JP"/>
-              <a:t>4 </a:t>
-            </a:r>
-            <a:r>
-              <a:rPr kumimoji="1" lang="ja-JP" altLang="en-US"/>
-              <a:t>レベル</a:t>
+              <a:rPr lang="en-GB"/>
+              <a:t>Fourth level</a:t>
             </a:r>
           </a:p>
           <a:p>
             <a:pPr lvl="4"/>
             <a:r>
-              <a:rPr kumimoji="1" lang="ja-JP" altLang="en-US"/>
-              <a:t>第 </a:t>
-            </a:r>
-            <a:r>
-              <a:rPr kumimoji="1" lang="en-US" altLang="ja-JP"/>
-              <a:t>5 </a:t>
-            </a:r>
-            <a:r>
-              <a:rPr kumimoji="1" lang="ja-JP" altLang="en-US"/>
-              <a:t>レベル</a:t>
-            </a:r>
-          </a:p>
-        </p:txBody>
-      </p:sp>
-      <p:sp>
-        <p:nvSpPr>
-          <p:cNvPr id="4" name="日付プレースホルダー 3">
-            <a:extLst>
-              <a:ext uri="{FF2B5EF4-FFF2-40B4-BE49-F238E27FC236}">
-                <a16:creationId xmlns:a16="http://schemas.microsoft.com/office/drawing/2014/main" id="{E2DCEF11-B419-4573-9D3D-E5A4E2C5F11E}"/>
-              </a:ext>
-            </a:extLst>
-          </p:cNvPr>
+              <a:rPr lang="en-GB"/>
+              <a:t>Fifth level</a:t>
+            </a:r>
+            <a:endParaRPr lang="en-US" dirty="0"/>
+          </a:p>
+        </p:txBody>
+      </p:sp>
+      <p:sp>
+        <p:nvSpPr>
+          <p:cNvPr id="4" name="Date Placeholder 3"/>
           <p:cNvSpPr>
             <a:spLocks noGrp="1"/>
           </p:cNvSpPr>
@@ -937,13 +802,7 @@
       </p:sp>
       <p:sp>
         <p:nvSpPr>
-          <p:cNvPr id="5" name="フッター プレースホルダー 4">
-            <a:extLst>
-              <a:ext uri="{FF2B5EF4-FFF2-40B4-BE49-F238E27FC236}">
-                <a16:creationId xmlns:a16="http://schemas.microsoft.com/office/drawing/2014/main" id="{3690A052-1279-4F0B-ABA8-B03463F38AC6}"/>
-              </a:ext>
-            </a:extLst>
-          </p:cNvPr>
+          <p:cNvPr id="5" name="Footer Placeholder 4"/>
           <p:cNvSpPr>
             <a:spLocks noGrp="1"/>
           </p:cNvSpPr>
@@ -962,13 +821,7 @@
       </p:sp>
       <p:sp>
         <p:nvSpPr>
-          <p:cNvPr id="6" name="スライド番号プレースホルダー 5">
-            <a:extLst>
-              <a:ext uri="{FF2B5EF4-FFF2-40B4-BE49-F238E27FC236}">
-                <a16:creationId xmlns:a16="http://schemas.microsoft.com/office/drawing/2014/main" id="{02B388B8-48D9-47CE-AE32-4F6AAA181725}"/>
-              </a:ext>
-            </a:extLst>
-          </p:cNvPr>
+          <p:cNvPr id="6" name="Slide Number Placeholder 5"/>
           <p:cNvSpPr>
             <a:spLocks noGrp="1"/>
           </p:cNvSpPr>
@@ -992,7 +845,7 @@
     </p:spTree>
     <p:extLst>
       <p:ext uri="{BB962C8B-B14F-4D97-AF65-F5344CB8AC3E}">
-        <p14:creationId xmlns:p14="http://schemas.microsoft.com/office/powerpoint/2010/main" val="2841605260"/>
+        <p14:creationId xmlns:p14="http://schemas.microsoft.com/office/powerpoint/2010/main" val="2754078660"/>
       </p:ext>
     </p:extLst>
   </p:cSld>
@@ -1004,7 +857,7 @@
 
 <file path=ppt/slideLayouts/slideLayout2.xml><?xml version="1.0" encoding="utf-8"?>
 <p:sldLayout xmlns:a="http://schemas.openxmlformats.org/drawingml/2006/main" xmlns:r="http://schemas.openxmlformats.org/officeDocument/2006/relationships" xmlns:p="http://schemas.openxmlformats.org/presentationml/2006/main" type="obj" preserve="1">
-  <p:cSld name="タイトルとコンテンツ">
+  <p:cSld name="Title and Content">
     <p:spTree>
       <p:nvGrpSpPr>
         <p:cNvPr id="1" name=""/>
@@ -1021,13 +874,7 @@
       </p:grpSpPr>
       <p:sp>
         <p:nvSpPr>
-          <p:cNvPr id="2" name="タイトル 1">
-            <a:extLst>
-              <a:ext uri="{FF2B5EF4-FFF2-40B4-BE49-F238E27FC236}">
-                <a16:creationId xmlns:a16="http://schemas.microsoft.com/office/drawing/2014/main" id="{F765A7A4-9F2F-4300-94E0-391492E1A8B4}"/>
-              </a:ext>
-            </a:extLst>
-          </p:cNvPr>
+          <p:cNvPr id="2" name="Title 1"/>
           <p:cNvSpPr>
             <a:spLocks noGrp="1"/>
           </p:cNvSpPr>
@@ -1041,21 +888,16 @@
           <a:lstStyle/>
           <a:p>
             <a:r>
-              <a:rPr kumimoji="1" lang="ja-JP" altLang="en-US"/>
-              <a:t>マスター タイトルの書式設定</a:t>
-            </a:r>
-          </a:p>
-        </p:txBody>
-      </p:sp>
-      <p:sp>
-        <p:nvSpPr>
-          <p:cNvPr id="3" name="コンテンツ プレースホルダー 2">
-            <a:extLst>
-              <a:ext uri="{FF2B5EF4-FFF2-40B4-BE49-F238E27FC236}">
-                <a16:creationId xmlns:a16="http://schemas.microsoft.com/office/drawing/2014/main" id="{494C6220-BD61-4DCB-8313-3AE12DAD85E4}"/>
-              </a:ext>
-            </a:extLst>
-          </p:cNvPr>
+              <a:rPr lang="en-GB"/>
+              <a:t>Click to edit Master title style</a:t>
+            </a:r>
+            <a:endParaRPr lang="en-US" dirty="0"/>
+          </a:p>
+        </p:txBody>
+      </p:sp>
+      <p:sp>
+        <p:nvSpPr>
+          <p:cNvPr id="3" name="Content Placeholder 2"/>
           <p:cNvSpPr>
             <a:spLocks noGrp="1"/>
           </p:cNvSpPr>
@@ -1070,81 +912,44 @@
           <a:p>
             <a:pPr lvl="0"/>
             <a:r>
-              <a:rPr kumimoji="1" lang="ja-JP" altLang="en-US"/>
-              <a:t>マスター テキストの書式設定</a:t>
+              <a:rPr lang="en-GB"/>
+              <a:t>Click to edit Master text styles</a:t>
             </a:r>
           </a:p>
           <a:p>
             <a:pPr lvl="1"/>
             <a:r>
-              <a:rPr kumimoji="1" lang="ja-JP" altLang="en-US"/>
-              <a:t>第 </a:t>
-            </a:r>
-            <a:r>
-              <a:rPr kumimoji="1" lang="en-US" altLang="ja-JP"/>
-              <a:t>2 </a:t>
-            </a:r>
-            <a:r>
-              <a:rPr kumimoji="1" lang="ja-JP" altLang="en-US"/>
-              <a:t>レベル</a:t>
+              <a:rPr lang="en-GB"/>
+              <a:t>Second level</a:t>
             </a:r>
           </a:p>
           <a:p>
             <a:pPr lvl="2"/>
             <a:r>
-              <a:rPr kumimoji="1" lang="ja-JP" altLang="en-US"/>
-              <a:t>第 </a:t>
-            </a:r>
-            <a:r>
-              <a:rPr kumimoji="1" lang="en-US" altLang="ja-JP"/>
-              <a:t>3 </a:t>
-            </a:r>
-            <a:r>
-              <a:rPr kumimoji="1" lang="ja-JP" altLang="en-US"/>
-              <a:t>レベル</a:t>
+              <a:rPr lang="en-GB"/>
+              <a:t>Third level</a:t>
             </a:r>
           </a:p>
           <a:p>
             <a:pPr lvl="3"/>
             <a:r>
-              <a:rPr kumimoji="1" lang="ja-JP" altLang="en-US"/>
-              <a:t>第 </a:t>
-            </a:r>
-            <a:r>
-              <a:rPr kumimoji="1" lang="en-US" altLang="ja-JP"/>
-              <a:t>4 </a:t>
-            </a:r>
-            <a:r>
-              <a:rPr kumimoji="1" lang="ja-JP" altLang="en-US"/>
-              <a:t>レベル</a:t>
+              <a:rPr lang="en-GB"/>
+              <a:t>Fourth level</a:t>
             </a:r>
           </a:p>
           <a:p>
             <a:pPr lvl="4"/>
             <a:r>
-              <a:rPr kumimoji="1" lang="ja-JP" altLang="en-US"/>
-              <a:t>第 </a:t>
-            </a:r>
-            <a:r>
-              <a:rPr kumimoji="1" lang="en-US" altLang="ja-JP"/>
-              <a:t>5 </a:t>
-            </a:r>
-            <a:r>
-              <a:rPr kumimoji="1" lang="ja-JP" altLang="en-US"/>
-              <a:t>レベル</a:t>
-            </a:r>
-          </a:p>
-        </p:txBody>
-      </p:sp>
-      <p:sp>
-        <p:nvSpPr>
-          <p:cNvPr id="4" name="日付プレースホルダー 3">
-            <a:extLst>
-              <a:ext uri="{FF2B5EF4-FFF2-40B4-BE49-F238E27FC236}">
-                <a16:creationId xmlns:a16="http://schemas.microsoft.com/office/drawing/2014/main" id="{D79B4C74-CC73-4431-823B-63CA12849A91}"/>
-              </a:ext>
-            </a:extLst>
-          </p:cNvPr>
+              <a:rPr lang="en-GB"/>
+              <a:t>Fifth level</a:t>
+            </a:r>
+            <a:endParaRPr lang="en-US" dirty="0"/>
+          </a:p>
+        </p:txBody>
+      </p:sp>
+      <p:sp>
+        <p:nvSpPr>
+          <p:cNvPr id="4" name="Date Placeholder 3"/>
           <p:cNvSpPr>
             <a:spLocks noGrp="1"/>
           </p:cNvSpPr>
@@ -1167,13 +972,7 @@
       </p:sp>
       <p:sp>
         <p:nvSpPr>
-          <p:cNvPr id="5" name="フッター プレースホルダー 4">
-            <a:extLst>
-              <a:ext uri="{FF2B5EF4-FFF2-40B4-BE49-F238E27FC236}">
-                <a16:creationId xmlns:a16="http://schemas.microsoft.com/office/drawing/2014/main" id="{41B59096-BE99-4C8D-A5CA-D0DF3489AB11}"/>
-              </a:ext>
-            </a:extLst>
-          </p:cNvPr>
+          <p:cNvPr id="5" name="Footer Placeholder 4"/>
           <p:cNvSpPr>
             <a:spLocks noGrp="1"/>
           </p:cNvSpPr>
@@ -1192,13 +991,7 @@
       </p:sp>
       <p:sp>
         <p:nvSpPr>
-          <p:cNvPr id="6" name="スライド番号プレースホルダー 5">
-            <a:extLst>
-              <a:ext uri="{FF2B5EF4-FFF2-40B4-BE49-F238E27FC236}">
-                <a16:creationId xmlns:a16="http://schemas.microsoft.com/office/drawing/2014/main" id="{6C590489-5486-4EB0-B80A-3726A023DEB3}"/>
-              </a:ext>
-            </a:extLst>
-          </p:cNvPr>
+          <p:cNvPr id="6" name="Slide Number Placeholder 5"/>
           <p:cNvSpPr>
             <a:spLocks noGrp="1"/>
           </p:cNvSpPr>
@@ -1222,7 +1015,7 @@
     </p:spTree>
     <p:extLst>
       <p:ext uri="{BB962C8B-B14F-4D97-AF65-F5344CB8AC3E}">
-        <p14:creationId xmlns:p14="http://schemas.microsoft.com/office/powerpoint/2010/main" val="2317246291"/>
+        <p14:creationId xmlns:p14="http://schemas.microsoft.com/office/powerpoint/2010/main" val="3287066925"/>
       </p:ext>
     </p:extLst>
   </p:cSld>
@@ -1234,7 +1027,7 @@
 
 <file path=ppt/slideLayouts/slideLayout3.xml><?xml version="1.0" encoding="utf-8"?>
 <p:sldLayout xmlns:a="http://schemas.openxmlformats.org/drawingml/2006/main" xmlns:r="http://schemas.openxmlformats.org/officeDocument/2006/relationships" xmlns:p="http://schemas.openxmlformats.org/presentationml/2006/main" type="secHead" preserve="1">
-  <p:cSld name="セクション見出し">
+  <p:cSld name="Section Header">
     <p:spTree>
       <p:nvGrpSpPr>
         <p:cNvPr id="1" name=""/>
@@ -1251,13 +1044,7 @@
       </p:grpSpPr>
       <p:sp>
         <p:nvSpPr>
-          <p:cNvPr id="2" name="タイトル 1">
-            <a:extLst>
-              <a:ext uri="{FF2B5EF4-FFF2-40B4-BE49-F238E27FC236}">
-                <a16:creationId xmlns:a16="http://schemas.microsoft.com/office/drawing/2014/main" id="{1717A7C6-A316-4730-8243-6599BE895E45}"/>
-              </a:ext>
-            </a:extLst>
-          </p:cNvPr>
+          <p:cNvPr id="2" name="Title 1"/>
           <p:cNvSpPr>
             <a:spLocks noGrp="1"/>
           </p:cNvSpPr>
@@ -1267,34 +1054,29 @@
         </p:nvSpPr>
         <p:spPr>
           <a:xfrm>
-            <a:off x="831850" y="1709738"/>
-            <a:ext cx="10515600" cy="2852737"/>
+            <a:off x="623888" y="1282304"/>
+            <a:ext cx="7886700" cy="2139553"/>
           </a:xfrm>
         </p:spPr>
         <p:txBody>
           <a:bodyPr anchor="b"/>
           <a:lstStyle>
             <a:lvl1pPr>
-              <a:defRPr sz="6000"/>
+              <a:defRPr sz="4500"/>
             </a:lvl1pPr>
           </a:lstStyle>
           <a:p>
             <a:r>
-              <a:rPr kumimoji="1" lang="ja-JP" altLang="en-US"/>
-              <a:t>マスター タイトルの書式設定</a:t>
-            </a:r>
-          </a:p>
-        </p:txBody>
-      </p:sp>
-      <p:sp>
-        <p:nvSpPr>
-          <p:cNvPr id="3" name="テキスト プレースホルダー 2">
-            <a:extLst>
-              <a:ext uri="{FF2B5EF4-FFF2-40B4-BE49-F238E27FC236}">
-                <a16:creationId xmlns:a16="http://schemas.microsoft.com/office/drawing/2014/main" id="{EB8CD3E8-85D5-4957-BAAA-82F5EC3BA49A}"/>
-              </a:ext>
-            </a:extLst>
-          </p:cNvPr>
+              <a:rPr lang="en-GB"/>
+              <a:t>Click to edit Master title style</a:t>
+            </a:r>
+            <a:endParaRPr lang="en-US" dirty="0"/>
+          </a:p>
+        </p:txBody>
+      </p:sp>
+      <p:sp>
+        <p:nvSpPr>
+          <p:cNvPr id="3" name="Text Placeholder 2"/>
           <p:cNvSpPr>
             <a:spLocks noGrp="1"/>
           </p:cNvSpPr>
@@ -1304,8 +1086,8 @@
         </p:nvSpPr>
         <p:spPr>
           <a:xfrm>
-            <a:off x="831850" y="4589463"/>
-            <a:ext cx="10515600" cy="1500187"/>
+            <a:off x="623888" y="3442098"/>
+            <a:ext cx="7886700" cy="1125140"/>
           </a:xfrm>
         </p:spPr>
         <p:txBody>
@@ -1313,7 +1095,7 @@
           <a:lstStyle>
             <a:lvl1pPr marL="0" indent="0">
               <a:buNone/>
-              <a:defRPr sz="2400">
+              <a:defRPr sz="1800">
                 <a:solidFill>
                   <a:schemeClr val="tx1">
                     <a:tint val="75000"/>
@@ -1321,9 +1103,9 @@
                 </a:solidFill>
               </a:defRPr>
             </a:lvl1pPr>
-            <a:lvl2pPr marL="457200" indent="0">
-              <a:buNone/>
-              <a:defRPr sz="2000">
+            <a:lvl2pPr marL="342900" indent="0">
+              <a:buNone/>
+              <a:defRPr sz="1500">
                 <a:solidFill>
                   <a:schemeClr val="tx1">
                     <a:tint val="75000"/>
@@ -1331,9 +1113,9 @@
                 </a:solidFill>
               </a:defRPr>
             </a:lvl2pPr>
-            <a:lvl3pPr marL="914400" indent="0">
-              <a:buNone/>
-              <a:defRPr sz="1800">
+            <a:lvl3pPr marL="685800" indent="0">
+              <a:buNone/>
+              <a:defRPr sz="1350">
                 <a:solidFill>
                   <a:schemeClr val="tx1">
                     <a:tint val="75000"/>
@@ -1341,9 +1123,9 @@
                 </a:solidFill>
               </a:defRPr>
             </a:lvl3pPr>
-            <a:lvl4pPr marL="1371600" indent="0">
-              <a:buNone/>
-              <a:defRPr sz="1600">
+            <a:lvl4pPr marL="1028700" indent="0">
+              <a:buNone/>
+              <a:defRPr sz="1200">
                 <a:solidFill>
                   <a:schemeClr val="tx1">
                     <a:tint val="75000"/>
@@ -1351,9 +1133,9 @@
                 </a:solidFill>
               </a:defRPr>
             </a:lvl4pPr>
-            <a:lvl5pPr marL="1828800" indent="0">
-              <a:buNone/>
-              <a:defRPr sz="1600">
+            <a:lvl5pPr marL="1371600" indent="0">
+              <a:buNone/>
+              <a:defRPr sz="1200">
                 <a:solidFill>
                   <a:schemeClr val="tx1">
                     <a:tint val="75000"/>
@@ -1361,9 +1143,9 @@
                 </a:solidFill>
               </a:defRPr>
             </a:lvl5pPr>
-            <a:lvl6pPr marL="2286000" indent="0">
-              <a:buNone/>
-              <a:defRPr sz="1600">
+            <a:lvl6pPr marL="1714500" indent="0">
+              <a:buNone/>
+              <a:defRPr sz="1200">
                 <a:solidFill>
                   <a:schemeClr val="tx1">
                     <a:tint val="75000"/>
@@ -1371,9 +1153,9 @@
                 </a:solidFill>
               </a:defRPr>
             </a:lvl6pPr>
-            <a:lvl7pPr marL="2743200" indent="0">
-              <a:buNone/>
-              <a:defRPr sz="1600">
+            <a:lvl7pPr marL="2057400" indent="0">
+              <a:buNone/>
+              <a:defRPr sz="1200">
                 <a:solidFill>
                   <a:schemeClr val="tx1">
                     <a:tint val="75000"/>
@@ -1381,9 +1163,9 @@
                 </a:solidFill>
               </a:defRPr>
             </a:lvl7pPr>
-            <a:lvl8pPr marL="3200400" indent="0">
-              <a:buNone/>
-              <a:defRPr sz="1600">
+            <a:lvl8pPr marL="2400300" indent="0">
+              <a:buNone/>
+              <a:defRPr sz="1200">
                 <a:solidFill>
                   <a:schemeClr val="tx1">
                     <a:tint val="75000"/>
@@ -1391,9 +1173,9 @@
                 </a:solidFill>
               </a:defRPr>
             </a:lvl8pPr>
-            <a:lvl9pPr marL="3657600" indent="0">
-              <a:buNone/>
-              <a:defRPr sz="1600">
+            <a:lvl9pPr marL="2743200" indent="0">
+              <a:buNone/>
+              <a:defRPr sz="1200">
                 <a:solidFill>
                   <a:schemeClr val="tx1">
                     <a:tint val="75000"/>
@@ -1405,21 +1187,15 @@
           <a:p>
             <a:pPr lvl="0"/>
             <a:r>
-              <a:rPr kumimoji="1" lang="ja-JP" altLang="en-US"/>
-              <a:t>マスター テキストの書式設定</a:t>
-            </a:r>
-          </a:p>
-        </p:txBody>
-      </p:sp>
-      <p:sp>
-        <p:nvSpPr>
-          <p:cNvPr id="4" name="日付プレースホルダー 3">
-            <a:extLst>
-              <a:ext uri="{FF2B5EF4-FFF2-40B4-BE49-F238E27FC236}">
-                <a16:creationId xmlns:a16="http://schemas.microsoft.com/office/drawing/2014/main" id="{28612E8B-6D71-49A2-8A05-FF13983761A1}"/>
-              </a:ext>
-            </a:extLst>
-          </p:cNvPr>
+              <a:rPr lang="en-GB"/>
+              <a:t>Click to edit Master text styles</a:t>
+            </a:r>
+          </a:p>
+        </p:txBody>
+      </p:sp>
+      <p:sp>
+        <p:nvSpPr>
+          <p:cNvPr id="4" name="Date Placeholder 3"/>
           <p:cNvSpPr>
             <a:spLocks noGrp="1"/>
           </p:cNvSpPr>
@@ -1442,13 +1218,7 @@
       </p:sp>
       <p:sp>
         <p:nvSpPr>
-          <p:cNvPr id="5" name="フッター プレースホルダー 4">
-            <a:extLst>
-              <a:ext uri="{FF2B5EF4-FFF2-40B4-BE49-F238E27FC236}">
-                <a16:creationId xmlns:a16="http://schemas.microsoft.com/office/drawing/2014/main" id="{61DC8CC7-8817-403F-9D2A-6173C88F291A}"/>
-              </a:ext>
-            </a:extLst>
-          </p:cNvPr>
+          <p:cNvPr id="5" name="Footer Placeholder 4"/>
           <p:cNvSpPr>
             <a:spLocks noGrp="1"/>
           </p:cNvSpPr>
@@ -1467,13 +1237,7 @@
       </p:sp>
       <p:sp>
         <p:nvSpPr>
-          <p:cNvPr id="6" name="スライド番号プレースホルダー 5">
-            <a:extLst>
-              <a:ext uri="{FF2B5EF4-FFF2-40B4-BE49-F238E27FC236}">
-                <a16:creationId xmlns:a16="http://schemas.microsoft.com/office/drawing/2014/main" id="{2900E1C1-ACA9-4DD0-A394-C8FDAD95C94A}"/>
-              </a:ext>
-            </a:extLst>
-          </p:cNvPr>
+          <p:cNvPr id="6" name="Slide Number Placeholder 5"/>
           <p:cNvSpPr>
             <a:spLocks noGrp="1"/>
           </p:cNvSpPr>
@@ -1497,7 +1261,7 @@
     </p:spTree>
     <p:extLst>
       <p:ext uri="{BB962C8B-B14F-4D97-AF65-F5344CB8AC3E}">
-        <p14:creationId xmlns:p14="http://schemas.microsoft.com/office/powerpoint/2010/main" val="3844971783"/>
+        <p14:creationId xmlns:p14="http://schemas.microsoft.com/office/powerpoint/2010/main" val="2727560564"/>
       </p:ext>
     </p:extLst>
   </p:cSld>
@@ -1509,7 +1273,7 @@
 
 <file path=ppt/slideLayouts/slideLayout4.xml><?xml version="1.0" encoding="utf-8"?>
 <p:sldLayout xmlns:a="http://schemas.openxmlformats.org/drawingml/2006/main" xmlns:r="http://schemas.openxmlformats.org/officeDocument/2006/relationships" xmlns:p="http://schemas.openxmlformats.org/presentationml/2006/main" type="twoObj" preserve="1">
-  <p:cSld name="2 つのコンテンツ">
+  <p:cSld name="Two Content">
     <p:spTree>
       <p:nvGrpSpPr>
         <p:cNvPr id="1" name=""/>
@@ -1526,13 +1290,7 @@
       </p:grpSpPr>
       <p:sp>
         <p:nvSpPr>
-          <p:cNvPr id="2" name="タイトル 1">
-            <a:extLst>
-              <a:ext uri="{FF2B5EF4-FFF2-40B4-BE49-F238E27FC236}">
-                <a16:creationId xmlns:a16="http://schemas.microsoft.com/office/drawing/2014/main" id="{D30CCE0D-97E6-452E-9E97-BAE0BD60EF19}"/>
-              </a:ext>
-            </a:extLst>
-          </p:cNvPr>
+          <p:cNvPr id="2" name="Title 1"/>
           <p:cNvSpPr>
             <a:spLocks noGrp="1"/>
           </p:cNvSpPr>
@@ -1546,21 +1304,16 @@
           <a:lstStyle/>
           <a:p>
             <a:r>
-              <a:rPr kumimoji="1" lang="ja-JP" altLang="en-US"/>
-              <a:t>マスター タイトルの書式設定</a:t>
-            </a:r>
-          </a:p>
-        </p:txBody>
-      </p:sp>
-      <p:sp>
-        <p:nvSpPr>
-          <p:cNvPr id="3" name="コンテンツ プレースホルダー 2">
-            <a:extLst>
-              <a:ext uri="{FF2B5EF4-FFF2-40B4-BE49-F238E27FC236}">
-                <a16:creationId xmlns:a16="http://schemas.microsoft.com/office/drawing/2014/main" id="{99DCEAE8-9290-41C6-9FEB-F6F455114E38}"/>
-              </a:ext>
-            </a:extLst>
-          </p:cNvPr>
+              <a:rPr lang="en-GB"/>
+              <a:t>Click to edit Master title style</a:t>
+            </a:r>
+            <a:endParaRPr lang="en-US" dirty="0"/>
+          </a:p>
+        </p:txBody>
+      </p:sp>
+      <p:sp>
+        <p:nvSpPr>
+          <p:cNvPr id="3" name="Content Placeholder 2"/>
           <p:cNvSpPr>
             <a:spLocks noGrp="1"/>
           </p:cNvSpPr>
@@ -1570,8 +1323,8 @@
         </p:nvSpPr>
         <p:spPr>
           <a:xfrm>
-            <a:off x="838200" y="1825625"/>
-            <a:ext cx="5181600" cy="4351338"/>
+            <a:off x="628650" y="1369219"/>
+            <a:ext cx="3886200" cy="3263504"/>
           </a:xfrm>
         </p:spPr>
         <p:txBody>
@@ -1580,81 +1333,44 @@
           <a:p>
             <a:pPr lvl="0"/>
             <a:r>
-              <a:rPr kumimoji="1" lang="ja-JP" altLang="en-US"/>
-              <a:t>マスター テキストの書式設定</a:t>
+              <a:rPr lang="en-GB"/>
+              <a:t>Click to edit Master text styles</a:t>
             </a:r>
           </a:p>
           <a:p>
             <a:pPr lvl="1"/>
             <a:r>
-              <a:rPr kumimoji="1" lang="ja-JP" altLang="en-US"/>
-              <a:t>第 </a:t>
-            </a:r>
-            <a:r>
-              <a:rPr kumimoji="1" lang="en-US" altLang="ja-JP"/>
-              <a:t>2 </a:t>
-            </a:r>
-            <a:r>
-              <a:rPr kumimoji="1" lang="ja-JP" altLang="en-US"/>
-              <a:t>レベル</a:t>
+              <a:rPr lang="en-GB"/>
+              <a:t>Second level</a:t>
             </a:r>
           </a:p>
           <a:p>
             <a:pPr lvl="2"/>
             <a:r>
-              <a:rPr kumimoji="1" lang="ja-JP" altLang="en-US"/>
-              <a:t>第 </a:t>
-            </a:r>
-            <a:r>
-              <a:rPr kumimoji="1" lang="en-US" altLang="ja-JP"/>
-              <a:t>3 </a:t>
-            </a:r>
-            <a:r>
-              <a:rPr kumimoji="1" lang="ja-JP" altLang="en-US"/>
-              <a:t>レベル</a:t>
+              <a:rPr lang="en-GB"/>
+              <a:t>Third level</a:t>
             </a:r>
           </a:p>
           <a:p>
             <a:pPr lvl="3"/>
             <a:r>
-              <a:rPr kumimoji="1" lang="ja-JP" altLang="en-US"/>
-              <a:t>第 </a:t>
-            </a:r>
-            <a:r>
-              <a:rPr kumimoji="1" lang="en-US" altLang="ja-JP"/>
-              <a:t>4 </a:t>
-            </a:r>
-            <a:r>
-              <a:rPr kumimoji="1" lang="ja-JP" altLang="en-US"/>
-              <a:t>レベル</a:t>
+              <a:rPr lang="en-GB"/>
+              <a:t>Fourth level</a:t>
             </a:r>
           </a:p>
           <a:p>
             <a:pPr lvl="4"/>
             <a:r>
-              <a:rPr kumimoji="1" lang="ja-JP" altLang="en-US"/>
-              <a:t>第 </a:t>
-            </a:r>
-            <a:r>
-              <a:rPr kumimoji="1" lang="en-US" altLang="ja-JP"/>
-              <a:t>5 </a:t>
-            </a:r>
-            <a:r>
-              <a:rPr kumimoji="1" lang="ja-JP" altLang="en-US"/>
-              <a:t>レベル</a:t>
-            </a:r>
-          </a:p>
-        </p:txBody>
-      </p:sp>
-      <p:sp>
-        <p:nvSpPr>
-          <p:cNvPr id="4" name="コンテンツ プレースホルダー 3">
-            <a:extLst>
-              <a:ext uri="{FF2B5EF4-FFF2-40B4-BE49-F238E27FC236}">
-                <a16:creationId xmlns:a16="http://schemas.microsoft.com/office/drawing/2014/main" id="{9DFD72B1-10D3-4C85-8FD7-3E564BE74D9D}"/>
-              </a:ext>
-            </a:extLst>
-          </p:cNvPr>
+              <a:rPr lang="en-GB"/>
+              <a:t>Fifth level</a:t>
+            </a:r>
+            <a:endParaRPr lang="en-US" dirty="0"/>
+          </a:p>
+        </p:txBody>
+      </p:sp>
+      <p:sp>
+        <p:nvSpPr>
+          <p:cNvPr id="4" name="Content Placeholder 3"/>
           <p:cNvSpPr>
             <a:spLocks noGrp="1"/>
           </p:cNvSpPr>
@@ -1664,8 +1380,8 @@
         </p:nvSpPr>
         <p:spPr>
           <a:xfrm>
-            <a:off x="6172200" y="1825625"/>
-            <a:ext cx="5181600" cy="4351338"/>
+            <a:off x="4629150" y="1369219"/>
+            <a:ext cx="3886200" cy="3263504"/>
           </a:xfrm>
         </p:spPr>
         <p:txBody>
@@ -1674,81 +1390,44 @@
           <a:p>
             <a:pPr lvl="0"/>
             <a:r>
-              <a:rPr kumimoji="1" lang="ja-JP" altLang="en-US"/>
-              <a:t>マスター テキストの書式設定</a:t>
+              <a:rPr lang="en-GB"/>
+              <a:t>Click to edit Master text styles</a:t>
             </a:r>
           </a:p>
           <a:p>
             <a:pPr lvl="1"/>
             <a:r>
-              <a:rPr kumimoji="1" lang="ja-JP" altLang="en-US"/>
-              <a:t>第 </a:t>
-            </a:r>
-            <a:r>
-              <a:rPr kumimoji="1" lang="en-US" altLang="ja-JP"/>
-              <a:t>2 </a:t>
-            </a:r>
-            <a:r>
-              <a:rPr kumimoji="1" lang="ja-JP" altLang="en-US"/>
-              <a:t>レベル</a:t>
+              <a:rPr lang="en-GB"/>
+              <a:t>Second level</a:t>
             </a:r>
           </a:p>
           <a:p>
             <a:pPr lvl="2"/>
             <a:r>
-              <a:rPr kumimoji="1" lang="ja-JP" altLang="en-US"/>
-              <a:t>第 </a:t>
-            </a:r>
-            <a:r>
-              <a:rPr kumimoji="1" lang="en-US" altLang="ja-JP"/>
-              <a:t>3 </a:t>
-            </a:r>
-            <a:r>
-              <a:rPr kumimoji="1" lang="ja-JP" altLang="en-US"/>
-              <a:t>レベル</a:t>
+              <a:rPr lang="en-GB"/>
+              <a:t>Third level</a:t>
             </a:r>
           </a:p>
           <a:p>
             <a:pPr lvl="3"/>
             <a:r>
-              <a:rPr kumimoji="1" lang="ja-JP" altLang="en-US"/>
-              <a:t>第 </a:t>
-            </a:r>
-            <a:r>
-              <a:rPr kumimoji="1" lang="en-US" altLang="ja-JP"/>
-              <a:t>4 </a:t>
-            </a:r>
-            <a:r>
-              <a:rPr kumimoji="1" lang="ja-JP" altLang="en-US"/>
-              <a:t>レベル</a:t>
+              <a:rPr lang="en-GB"/>
+              <a:t>Fourth level</a:t>
             </a:r>
           </a:p>
           <a:p>
             <a:pPr lvl="4"/>
             <a:r>
-              <a:rPr kumimoji="1" lang="ja-JP" altLang="en-US"/>
-              <a:t>第 </a:t>
-            </a:r>
-            <a:r>
-              <a:rPr kumimoji="1" lang="en-US" altLang="ja-JP"/>
-              <a:t>5 </a:t>
-            </a:r>
-            <a:r>
-              <a:rPr kumimoji="1" lang="ja-JP" altLang="en-US"/>
-              <a:t>レベル</a:t>
-            </a:r>
-          </a:p>
-        </p:txBody>
-      </p:sp>
-      <p:sp>
-        <p:nvSpPr>
-          <p:cNvPr id="5" name="日付プレースホルダー 4">
-            <a:extLst>
-              <a:ext uri="{FF2B5EF4-FFF2-40B4-BE49-F238E27FC236}">
-                <a16:creationId xmlns:a16="http://schemas.microsoft.com/office/drawing/2014/main" id="{8C8E5B7D-6791-4443-841D-820E7C3964D0}"/>
-              </a:ext>
-            </a:extLst>
-          </p:cNvPr>
+              <a:rPr lang="en-GB"/>
+              <a:t>Fifth level</a:t>
+            </a:r>
+            <a:endParaRPr lang="en-US" dirty="0"/>
+          </a:p>
+        </p:txBody>
+      </p:sp>
+      <p:sp>
+        <p:nvSpPr>
+          <p:cNvPr id="5" name="Date Placeholder 4"/>
           <p:cNvSpPr>
             <a:spLocks noGrp="1"/>
           </p:cNvSpPr>
@@ -1771,13 +1450,7 @@
       </p:sp>
       <p:sp>
         <p:nvSpPr>
-          <p:cNvPr id="6" name="フッター プレースホルダー 5">
-            <a:extLst>
-              <a:ext uri="{FF2B5EF4-FFF2-40B4-BE49-F238E27FC236}">
-                <a16:creationId xmlns:a16="http://schemas.microsoft.com/office/drawing/2014/main" id="{506B5D0F-7922-4547-B129-6F721745E5B8}"/>
-              </a:ext>
-            </a:extLst>
-          </p:cNvPr>
+          <p:cNvPr id="6" name="Footer Placeholder 5"/>
           <p:cNvSpPr>
             <a:spLocks noGrp="1"/>
           </p:cNvSpPr>
@@ -1796,13 +1469,7 @@
       </p:sp>
       <p:sp>
         <p:nvSpPr>
-          <p:cNvPr id="7" name="スライド番号プレースホルダー 6">
-            <a:extLst>
-              <a:ext uri="{FF2B5EF4-FFF2-40B4-BE49-F238E27FC236}">
-                <a16:creationId xmlns:a16="http://schemas.microsoft.com/office/drawing/2014/main" id="{1EE03734-8AE7-4841-9C50-4F6F3CDEFA03}"/>
-              </a:ext>
-            </a:extLst>
-          </p:cNvPr>
+          <p:cNvPr id="7" name="Slide Number Placeholder 6"/>
           <p:cNvSpPr>
             <a:spLocks noGrp="1"/>
           </p:cNvSpPr>
@@ -1826,7 +1493,7 @@
     </p:spTree>
     <p:extLst>
       <p:ext uri="{BB962C8B-B14F-4D97-AF65-F5344CB8AC3E}">
-        <p14:creationId xmlns:p14="http://schemas.microsoft.com/office/powerpoint/2010/main" val="1133989542"/>
+        <p14:creationId xmlns:p14="http://schemas.microsoft.com/office/powerpoint/2010/main" val="1189342457"/>
       </p:ext>
     </p:extLst>
   </p:cSld>
@@ -1838,7 +1505,7 @@
 
 <file path=ppt/slideLayouts/slideLayout5.xml><?xml version="1.0" encoding="utf-8"?>
 <p:sldLayout xmlns:a="http://schemas.openxmlformats.org/drawingml/2006/main" xmlns:r="http://schemas.openxmlformats.org/officeDocument/2006/relationships" xmlns:p="http://schemas.openxmlformats.org/presentationml/2006/main" type="twoTxTwoObj" preserve="1">
-  <p:cSld name="比較">
+  <p:cSld name="Comparison">
     <p:spTree>
       <p:nvGrpSpPr>
         <p:cNvPr id="1" name=""/>
@@ -1855,13 +1522,7 @@
       </p:grpSpPr>
       <p:sp>
         <p:nvSpPr>
-          <p:cNvPr id="2" name="タイトル 1">
-            <a:extLst>
-              <a:ext uri="{FF2B5EF4-FFF2-40B4-BE49-F238E27FC236}">
-                <a16:creationId xmlns:a16="http://schemas.microsoft.com/office/drawing/2014/main" id="{8E4EFADC-2F21-42FD-B7BC-E9E41276F24E}"/>
-              </a:ext>
-            </a:extLst>
-          </p:cNvPr>
+          <p:cNvPr id="2" name="Title 1"/>
           <p:cNvSpPr>
             <a:spLocks noGrp="1"/>
           </p:cNvSpPr>
@@ -1871,8 +1532,8 @@
         </p:nvSpPr>
         <p:spPr>
           <a:xfrm>
-            <a:off x="839788" y="365125"/>
-            <a:ext cx="10515600" cy="1325563"/>
+            <a:off x="629841" y="273844"/>
+            <a:ext cx="7886700" cy="994172"/>
           </a:xfrm>
         </p:spPr>
         <p:txBody>
@@ -1880,21 +1541,16 @@
           <a:lstStyle/>
           <a:p>
             <a:r>
-              <a:rPr kumimoji="1" lang="ja-JP" altLang="en-US"/>
-              <a:t>マスター タイトルの書式設定</a:t>
-            </a:r>
-          </a:p>
-        </p:txBody>
-      </p:sp>
-      <p:sp>
-        <p:nvSpPr>
-          <p:cNvPr id="3" name="テキスト プレースホルダー 2">
-            <a:extLst>
-              <a:ext uri="{FF2B5EF4-FFF2-40B4-BE49-F238E27FC236}">
-                <a16:creationId xmlns:a16="http://schemas.microsoft.com/office/drawing/2014/main" id="{8CCA06AB-83AC-4472-BEE2-5942AF83B5B7}"/>
-              </a:ext>
-            </a:extLst>
-          </p:cNvPr>
+              <a:rPr lang="en-GB"/>
+              <a:t>Click to edit Master title style</a:t>
+            </a:r>
+            <a:endParaRPr lang="en-US" dirty="0"/>
+          </a:p>
+        </p:txBody>
+      </p:sp>
+      <p:sp>
+        <p:nvSpPr>
+          <p:cNvPr id="3" name="Text Placeholder 2"/>
           <p:cNvSpPr>
             <a:spLocks noGrp="1"/>
           </p:cNvSpPr>
@@ -1904,8 +1560,8 @@
         </p:nvSpPr>
         <p:spPr>
           <a:xfrm>
-            <a:off x="839788" y="1681163"/>
-            <a:ext cx="5157787" cy="823912"/>
+            <a:off x="629842" y="1260872"/>
+            <a:ext cx="3868340" cy="617934"/>
           </a:xfrm>
         </p:spPr>
         <p:txBody>
@@ -1913,59 +1569,53 @@
           <a:lstStyle>
             <a:lvl1pPr marL="0" indent="0">
               <a:buNone/>
-              <a:defRPr sz="2400" b="1"/>
+              <a:defRPr sz="1800" b="1"/>
             </a:lvl1pPr>
-            <a:lvl2pPr marL="457200" indent="0">
-              <a:buNone/>
-              <a:defRPr sz="2000" b="1"/>
+            <a:lvl2pPr marL="342900" indent="0">
+              <a:buNone/>
+              <a:defRPr sz="1500" b="1"/>
             </a:lvl2pPr>
-            <a:lvl3pPr marL="914400" indent="0">
-              <a:buNone/>
-              <a:defRPr sz="1800" b="1"/>
+            <a:lvl3pPr marL="685800" indent="0">
+              <a:buNone/>
+              <a:defRPr sz="1350" b="1"/>
             </a:lvl3pPr>
-            <a:lvl4pPr marL="1371600" indent="0">
-              <a:buNone/>
-              <a:defRPr sz="1600" b="1"/>
+            <a:lvl4pPr marL="1028700" indent="0">
+              <a:buNone/>
+              <a:defRPr sz="1200" b="1"/>
             </a:lvl4pPr>
-            <a:lvl5pPr marL="1828800" indent="0">
-              <a:buNone/>
-              <a:defRPr sz="1600" b="1"/>
+            <a:lvl5pPr marL="1371600" indent="0">
+              <a:buNone/>
+              <a:defRPr sz="1200" b="1"/>
             </a:lvl5pPr>
-            <a:lvl6pPr marL="2286000" indent="0">
-              <a:buNone/>
-              <a:defRPr sz="1600" b="1"/>
+            <a:lvl6pPr marL="1714500" indent="0">
+              <a:buNone/>
+              <a:defRPr sz="1200" b="1"/>
             </a:lvl6pPr>
-            <a:lvl7pPr marL="2743200" indent="0">
-              <a:buNone/>
-              <a:defRPr sz="1600" b="1"/>
+            <a:lvl7pPr marL="2057400" indent="0">
+              <a:buNone/>
+              <a:defRPr sz="1200" b="1"/>
             </a:lvl7pPr>
-            <a:lvl8pPr marL="3200400" indent="0">
-              <a:buNone/>
-              <a:defRPr sz="1600" b="1"/>
+            <a:lvl8pPr marL="2400300" indent="0">
+              <a:buNone/>
+              <a:defRPr sz="1200" b="1"/>
             </a:lvl8pPr>
-            <a:lvl9pPr marL="3657600" indent="0">
-              <a:buNone/>
-              <a:defRPr sz="1600" b="1"/>
+            <a:lvl9pPr marL="2743200" indent="0">
+              <a:buNone/>
+              <a:defRPr sz="1200" b="1"/>
             </a:lvl9pPr>
           </a:lstStyle>
           <a:p>
             <a:pPr lvl="0"/>
             <a:r>
-              <a:rPr kumimoji="1" lang="ja-JP" altLang="en-US"/>
-              <a:t>マスター テキストの書式設定</a:t>
-            </a:r>
-          </a:p>
-        </p:txBody>
-      </p:sp>
-      <p:sp>
-        <p:nvSpPr>
-          <p:cNvPr id="4" name="コンテンツ プレースホルダー 3">
-            <a:extLst>
-              <a:ext uri="{FF2B5EF4-FFF2-40B4-BE49-F238E27FC236}">
-                <a16:creationId xmlns:a16="http://schemas.microsoft.com/office/drawing/2014/main" id="{9787836E-3C0F-449A-9365-0FBA5C362679}"/>
-              </a:ext>
-            </a:extLst>
-          </p:cNvPr>
+              <a:rPr lang="en-GB"/>
+              <a:t>Click to edit Master text styles</a:t>
+            </a:r>
+          </a:p>
+        </p:txBody>
+      </p:sp>
+      <p:sp>
+        <p:nvSpPr>
+          <p:cNvPr id="4" name="Content Placeholder 3"/>
           <p:cNvSpPr>
             <a:spLocks noGrp="1"/>
           </p:cNvSpPr>
@@ -1975,8 +1625,8 @@
         </p:nvSpPr>
         <p:spPr>
           <a:xfrm>
-            <a:off x="839788" y="2505075"/>
-            <a:ext cx="5157787" cy="3684588"/>
+            <a:off x="629842" y="1878806"/>
+            <a:ext cx="3868340" cy="2763441"/>
           </a:xfrm>
         </p:spPr>
         <p:txBody>
@@ -1985,81 +1635,44 @@
           <a:p>
             <a:pPr lvl="0"/>
             <a:r>
-              <a:rPr kumimoji="1" lang="ja-JP" altLang="en-US"/>
-              <a:t>マスター テキストの書式設定</a:t>
+              <a:rPr lang="en-GB"/>
+              <a:t>Click to edit Master text styles</a:t>
             </a:r>
           </a:p>
           <a:p>
             <a:pPr lvl="1"/>
             <a:r>
-              <a:rPr kumimoji="1" lang="ja-JP" altLang="en-US"/>
-              <a:t>第 </a:t>
-            </a:r>
-            <a:r>
-              <a:rPr kumimoji="1" lang="en-US" altLang="ja-JP"/>
-              <a:t>2 </a:t>
-            </a:r>
-            <a:r>
-              <a:rPr kumimoji="1" lang="ja-JP" altLang="en-US"/>
-              <a:t>レベル</a:t>
+              <a:rPr lang="en-GB"/>
+              <a:t>Second level</a:t>
             </a:r>
           </a:p>
           <a:p>
             <a:pPr lvl="2"/>
             <a:r>
-              <a:rPr kumimoji="1" lang="ja-JP" altLang="en-US"/>
-              <a:t>第 </a:t>
-            </a:r>
-            <a:r>
-              <a:rPr kumimoji="1" lang="en-US" altLang="ja-JP"/>
-              <a:t>3 </a:t>
-            </a:r>
-            <a:r>
-              <a:rPr kumimoji="1" lang="ja-JP" altLang="en-US"/>
-              <a:t>レベル</a:t>
+              <a:rPr lang="en-GB"/>
+              <a:t>Third level</a:t>
             </a:r>
           </a:p>
           <a:p>
             <a:pPr lvl="3"/>
             <a:r>
-              <a:rPr kumimoji="1" lang="ja-JP" altLang="en-US"/>
-              <a:t>第 </a:t>
-            </a:r>
-            <a:r>
-              <a:rPr kumimoji="1" lang="en-US" altLang="ja-JP"/>
-              <a:t>4 </a:t>
-            </a:r>
-            <a:r>
-              <a:rPr kumimoji="1" lang="ja-JP" altLang="en-US"/>
-              <a:t>レベル</a:t>
+              <a:rPr lang="en-GB"/>
+              <a:t>Fourth level</a:t>
             </a:r>
           </a:p>
           <a:p>
             <a:pPr lvl="4"/>
             <a:r>
-              <a:rPr kumimoji="1" lang="ja-JP" altLang="en-US"/>
-              <a:t>第 </a:t>
-            </a:r>
-            <a:r>
-              <a:rPr kumimoji="1" lang="en-US" altLang="ja-JP"/>
-              <a:t>5 </a:t>
-            </a:r>
-            <a:r>
-              <a:rPr kumimoji="1" lang="ja-JP" altLang="en-US"/>
-              <a:t>レベル</a:t>
-            </a:r>
-          </a:p>
-        </p:txBody>
-      </p:sp>
-      <p:sp>
-        <p:nvSpPr>
-          <p:cNvPr id="5" name="テキスト プレースホルダー 4">
-            <a:extLst>
-              <a:ext uri="{FF2B5EF4-FFF2-40B4-BE49-F238E27FC236}">
-                <a16:creationId xmlns:a16="http://schemas.microsoft.com/office/drawing/2014/main" id="{8B186CE9-708F-4B44-A697-DE6D378D1A06}"/>
-              </a:ext>
-            </a:extLst>
-          </p:cNvPr>
+              <a:rPr lang="en-GB"/>
+              <a:t>Fifth level</a:t>
+            </a:r>
+            <a:endParaRPr lang="en-US" dirty="0"/>
+          </a:p>
+        </p:txBody>
+      </p:sp>
+      <p:sp>
+        <p:nvSpPr>
+          <p:cNvPr id="5" name="Text Placeholder 4"/>
           <p:cNvSpPr>
             <a:spLocks noGrp="1"/>
           </p:cNvSpPr>
@@ -2069,8 +1682,8 @@
         </p:nvSpPr>
         <p:spPr>
           <a:xfrm>
-            <a:off x="6172200" y="1681163"/>
-            <a:ext cx="5183188" cy="823912"/>
+            <a:off x="4629150" y="1260872"/>
+            <a:ext cx="3887391" cy="617934"/>
           </a:xfrm>
         </p:spPr>
         <p:txBody>
@@ -2078,59 +1691,53 @@
           <a:lstStyle>
             <a:lvl1pPr marL="0" indent="0">
               <a:buNone/>
-              <a:defRPr sz="2400" b="1"/>
+              <a:defRPr sz="1800" b="1"/>
             </a:lvl1pPr>
-            <a:lvl2pPr marL="457200" indent="0">
-              <a:buNone/>
-              <a:defRPr sz="2000" b="1"/>
+            <a:lvl2pPr marL="342900" indent="0">
+              <a:buNone/>
+              <a:defRPr sz="1500" b="1"/>
             </a:lvl2pPr>
-            <a:lvl3pPr marL="914400" indent="0">
-              <a:buNone/>
-              <a:defRPr sz="1800" b="1"/>
+            <a:lvl3pPr marL="685800" indent="0">
+              <a:buNone/>
+              <a:defRPr sz="1350" b="1"/>
             </a:lvl3pPr>
-            <a:lvl4pPr marL="1371600" indent="0">
-              <a:buNone/>
-              <a:defRPr sz="1600" b="1"/>
+            <a:lvl4pPr marL="1028700" indent="0">
+              <a:buNone/>
+              <a:defRPr sz="1200" b="1"/>
             </a:lvl4pPr>
-            <a:lvl5pPr marL="1828800" indent="0">
-              <a:buNone/>
-              <a:defRPr sz="1600" b="1"/>
+            <a:lvl5pPr marL="1371600" indent="0">
+              <a:buNone/>
+              <a:defRPr sz="1200" b="1"/>
             </a:lvl5pPr>
-            <a:lvl6pPr marL="2286000" indent="0">
-              <a:buNone/>
-              <a:defRPr sz="1600" b="1"/>
+            <a:lvl6pPr marL="1714500" indent="0">
+              <a:buNone/>
+              <a:defRPr sz="1200" b="1"/>
             </a:lvl6pPr>
-            <a:lvl7pPr marL="2743200" indent="0">
-              <a:buNone/>
-              <a:defRPr sz="1600" b="1"/>
+            <a:lvl7pPr marL="2057400" indent="0">
+              <a:buNone/>
+              <a:defRPr sz="1200" b="1"/>
             </a:lvl7pPr>
-            <a:lvl8pPr marL="3200400" indent="0">
-              <a:buNone/>
-              <a:defRPr sz="1600" b="1"/>
+            <a:lvl8pPr marL="2400300" indent="0">
+              <a:buNone/>
+              <a:defRPr sz="1200" b="1"/>
             </a:lvl8pPr>
-            <a:lvl9pPr marL="3657600" indent="0">
-              <a:buNone/>
-              <a:defRPr sz="1600" b="1"/>
+            <a:lvl9pPr marL="2743200" indent="0">
+              <a:buNone/>
+              <a:defRPr sz="1200" b="1"/>
             </a:lvl9pPr>
           </a:lstStyle>
           <a:p>
             <a:pPr lvl="0"/>
             <a:r>
-              <a:rPr kumimoji="1" lang="ja-JP" altLang="en-US"/>
-              <a:t>マスター テキストの書式設定</a:t>
-            </a:r>
-          </a:p>
-        </p:txBody>
-      </p:sp>
-      <p:sp>
-        <p:nvSpPr>
-          <p:cNvPr id="6" name="コンテンツ プレースホルダー 5">
-            <a:extLst>
-              <a:ext uri="{FF2B5EF4-FFF2-40B4-BE49-F238E27FC236}">
-                <a16:creationId xmlns:a16="http://schemas.microsoft.com/office/drawing/2014/main" id="{EB992A63-24BF-4912-8ED6-548F783DBBDB}"/>
-              </a:ext>
-            </a:extLst>
-          </p:cNvPr>
+              <a:rPr lang="en-GB"/>
+              <a:t>Click to edit Master text styles</a:t>
+            </a:r>
+          </a:p>
+        </p:txBody>
+      </p:sp>
+      <p:sp>
+        <p:nvSpPr>
+          <p:cNvPr id="6" name="Content Placeholder 5"/>
           <p:cNvSpPr>
             <a:spLocks noGrp="1"/>
           </p:cNvSpPr>
@@ -2140,8 +1747,8 @@
         </p:nvSpPr>
         <p:spPr>
           <a:xfrm>
-            <a:off x="6172200" y="2505075"/>
-            <a:ext cx="5183188" cy="3684588"/>
+            <a:off x="4629150" y="1878806"/>
+            <a:ext cx="3887391" cy="2763441"/>
           </a:xfrm>
         </p:spPr>
         <p:txBody>
@@ -2150,81 +1757,44 @@
           <a:p>
             <a:pPr lvl="0"/>
             <a:r>
-              <a:rPr kumimoji="1" lang="ja-JP" altLang="en-US"/>
-              <a:t>マスター テキストの書式設定</a:t>
+              <a:rPr lang="en-GB"/>
+              <a:t>Click to edit Master text styles</a:t>
             </a:r>
           </a:p>
           <a:p>
             <a:pPr lvl="1"/>
             <a:r>
-              <a:rPr kumimoji="1" lang="ja-JP" altLang="en-US"/>
-              <a:t>第 </a:t>
-            </a:r>
-            <a:r>
-              <a:rPr kumimoji="1" lang="en-US" altLang="ja-JP"/>
-              <a:t>2 </a:t>
-            </a:r>
-            <a:r>
-              <a:rPr kumimoji="1" lang="ja-JP" altLang="en-US"/>
-              <a:t>レベル</a:t>
+              <a:rPr lang="en-GB"/>
+              <a:t>Second level</a:t>
             </a:r>
           </a:p>
           <a:p>
             <a:pPr lvl="2"/>
             <a:r>
-              <a:rPr kumimoji="1" lang="ja-JP" altLang="en-US"/>
-              <a:t>第 </a:t>
-            </a:r>
-            <a:r>
-              <a:rPr kumimoji="1" lang="en-US" altLang="ja-JP"/>
-              <a:t>3 </a:t>
-            </a:r>
-            <a:r>
-              <a:rPr kumimoji="1" lang="ja-JP" altLang="en-US"/>
-              <a:t>レベル</a:t>
+              <a:rPr lang="en-GB"/>
+              <a:t>Third level</a:t>
             </a:r>
           </a:p>
           <a:p>
             <a:pPr lvl="3"/>
             <a:r>
-              <a:rPr kumimoji="1" lang="ja-JP" altLang="en-US"/>
-              <a:t>第 </a:t>
-            </a:r>
-            <a:r>
-              <a:rPr kumimoji="1" lang="en-US" altLang="ja-JP"/>
-              <a:t>4 </a:t>
-            </a:r>
-            <a:r>
-              <a:rPr kumimoji="1" lang="ja-JP" altLang="en-US"/>
-              <a:t>レベル</a:t>
+              <a:rPr lang="en-GB"/>
+              <a:t>Fourth level</a:t>
             </a:r>
           </a:p>
           <a:p>
             <a:pPr lvl="4"/>
             <a:r>
-              <a:rPr kumimoji="1" lang="ja-JP" altLang="en-US"/>
-              <a:t>第 </a:t>
-            </a:r>
-            <a:r>
-              <a:rPr kumimoji="1" lang="en-US" altLang="ja-JP"/>
-              <a:t>5 </a:t>
-            </a:r>
-            <a:r>
-              <a:rPr kumimoji="1" lang="ja-JP" altLang="en-US"/>
-              <a:t>レベル</a:t>
-            </a:r>
-          </a:p>
-        </p:txBody>
-      </p:sp>
-      <p:sp>
-        <p:nvSpPr>
-          <p:cNvPr id="7" name="日付プレースホルダー 6">
-            <a:extLst>
-              <a:ext uri="{FF2B5EF4-FFF2-40B4-BE49-F238E27FC236}">
-                <a16:creationId xmlns:a16="http://schemas.microsoft.com/office/drawing/2014/main" id="{6EDCAF94-F5C9-4ABD-A770-640A07EC00CF}"/>
-              </a:ext>
-            </a:extLst>
-          </p:cNvPr>
+              <a:rPr lang="en-GB"/>
+              <a:t>Fifth level</a:t>
+            </a:r>
+            <a:endParaRPr lang="en-US" dirty="0"/>
+          </a:p>
+        </p:txBody>
+      </p:sp>
+      <p:sp>
+        <p:nvSpPr>
+          <p:cNvPr id="7" name="Date Placeholder 6"/>
           <p:cNvSpPr>
             <a:spLocks noGrp="1"/>
           </p:cNvSpPr>
@@ -2247,13 +1817,7 @@
       </p:sp>
       <p:sp>
         <p:nvSpPr>
-          <p:cNvPr id="8" name="フッター プレースホルダー 7">
-            <a:extLst>
-              <a:ext uri="{FF2B5EF4-FFF2-40B4-BE49-F238E27FC236}">
-                <a16:creationId xmlns:a16="http://schemas.microsoft.com/office/drawing/2014/main" id="{F407EED7-0ED1-4A4D-8C42-617056187F76}"/>
-              </a:ext>
-            </a:extLst>
-          </p:cNvPr>
+          <p:cNvPr id="8" name="Footer Placeholder 7"/>
           <p:cNvSpPr>
             <a:spLocks noGrp="1"/>
           </p:cNvSpPr>
@@ -2272,13 +1836,7 @@
       </p:sp>
       <p:sp>
         <p:nvSpPr>
-          <p:cNvPr id="9" name="スライド番号プレースホルダー 8">
-            <a:extLst>
-              <a:ext uri="{FF2B5EF4-FFF2-40B4-BE49-F238E27FC236}">
-                <a16:creationId xmlns:a16="http://schemas.microsoft.com/office/drawing/2014/main" id="{AE927A75-3AF5-4F6B-9B30-BF94DCB299AB}"/>
-              </a:ext>
-            </a:extLst>
-          </p:cNvPr>
+          <p:cNvPr id="9" name="Slide Number Placeholder 8"/>
           <p:cNvSpPr>
             <a:spLocks noGrp="1"/>
           </p:cNvSpPr>
@@ -2302,7 +1860,7 @@
     </p:spTree>
     <p:extLst>
       <p:ext uri="{BB962C8B-B14F-4D97-AF65-F5344CB8AC3E}">
-        <p14:creationId xmlns:p14="http://schemas.microsoft.com/office/powerpoint/2010/main" val="3670922039"/>
+        <p14:creationId xmlns:p14="http://schemas.microsoft.com/office/powerpoint/2010/main" val="2398591389"/>
       </p:ext>
     </p:extLst>
   </p:cSld>
@@ -2314,7 +1872,7 @@
 
 <file path=ppt/slideLayouts/slideLayout6.xml><?xml version="1.0" encoding="utf-8"?>
 <p:sldLayout xmlns:a="http://schemas.openxmlformats.org/drawingml/2006/main" xmlns:r="http://schemas.openxmlformats.org/officeDocument/2006/relationships" xmlns:p="http://schemas.openxmlformats.org/presentationml/2006/main" type="titleOnly" preserve="1">
-  <p:cSld name="タイトルのみ">
+  <p:cSld name="Title Only">
     <p:spTree>
       <p:nvGrpSpPr>
         <p:cNvPr id="1" name=""/>
@@ -2331,13 +1889,7 @@
       </p:grpSpPr>
       <p:sp>
         <p:nvSpPr>
-          <p:cNvPr id="2" name="タイトル 1">
-            <a:extLst>
-              <a:ext uri="{FF2B5EF4-FFF2-40B4-BE49-F238E27FC236}">
-                <a16:creationId xmlns:a16="http://schemas.microsoft.com/office/drawing/2014/main" id="{66F8701A-8EA6-4764-9F62-98BA65154A9E}"/>
-              </a:ext>
-            </a:extLst>
-          </p:cNvPr>
+          <p:cNvPr id="2" name="Title 1"/>
           <p:cNvSpPr>
             <a:spLocks noGrp="1"/>
           </p:cNvSpPr>
@@ -2351,21 +1903,16 @@
           <a:lstStyle/>
           <a:p>
             <a:r>
-              <a:rPr kumimoji="1" lang="ja-JP" altLang="en-US"/>
-              <a:t>マスター タイトルの書式設定</a:t>
-            </a:r>
-          </a:p>
-        </p:txBody>
-      </p:sp>
-      <p:sp>
-        <p:nvSpPr>
-          <p:cNvPr id="3" name="日付プレースホルダー 2">
-            <a:extLst>
-              <a:ext uri="{FF2B5EF4-FFF2-40B4-BE49-F238E27FC236}">
-                <a16:creationId xmlns:a16="http://schemas.microsoft.com/office/drawing/2014/main" id="{A8115524-3E05-4398-B2FA-CEAC2F812916}"/>
-              </a:ext>
-            </a:extLst>
-          </p:cNvPr>
+              <a:rPr lang="en-GB"/>
+              <a:t>Click to edit Master title style</a:t>
+            </a:r>
+            <a:endParaRPr lang="en-US" dirty="0"/>
+          </a:p>
+        </p:txBody>
+      </p:sp>
+      <p:sp>
+        <p:nvSpPr>
+          <p:cNvPr id="3" name="Date Placeholder 2"/>
           <p:cNvSpPr>
             <a:spLocks noGrp="1"/>
           </p:cNvSpPr>
@@ -2388,13 +1935,7 @@
       </p:sp>
       <p:sp>
         <p:nvSpPr>
-          <p:cNvPr id="4" name="フッター プレースホルダー 3">
-            <a:extLst>
-              <a:ext uri="{FF2B5EF4-FFF2-40B4-BE49-F238E27FC236}">
-                <a16:creationId xmlns:a16="http://schemas.microsoft.com/office/drawing/2014/main" id="{877C2482-5A77-4C9F-92DA-D23097570390}"/>
-              </a:ext>
-            </a:extLst>
-          </p:cNvPr>
+          <p:cNvPr id="4" name="Footer Placeholder 3"/>
           <p:cNvSpPr>
             <a:spLocks noGrp="1"/>
           </p:cNvSpPr>
@@ -2413,13 +1954,7 @@
       </p:sp>
       <p:sp>
         <p:nvSpPr>
-          <p:cNvPr id="5" name="スライド番号プレースホルダー 4">
-            <a:extLst>
-              <a:ext uri="{FF2B5EF4-FFF2-40B4-BE49-F238E27FC236}">
-                <a16:creationId xmlns:a16="http://schemas.microsoft.com/office/drawing/2014/main" id="{34A7CBA5-3124-49AE-BBF3-0D43B3DAB0D3}"/>
-              </a:ext>
-            </a:extLst>
-          </p:cNvPr>
+          <p:cNvPr id="5" name="Slide Number Placeholder 4"/>
           <p:cNvSpPr>
             <a:spLocks noGrp="1"/>
           </p:cNvSpPr>
@@ -2443,7 +1978,7 @@
     </p:spTree>
     <p:extLst>
       <p:ext uri="{BB962C8B-B14F-4D97-AF65-F5344CB8AC3E}">
-        <p14:creationId xmlns:p14="http://schemas.microsoft.com/office/powerpoint/2010/main" val="4064330576"/>
+        <p14:creationId xmlns:p14="http://schemas.microsoft.com/office/powerpoint/2010/main" val="2381707124"/>
       </p:ext>
     </p:extLst>
   </p:cSld>
@@ -2455,7 +1990,7 @@
 
 <file path=ppt/slideLayouts/slideLayout7.xml><?xml version="1.0" encoding="utf-8"?>
 <p:sldLayout xmlns:a="http://schemas.openxmlformats.org/drawingml/2006/main" xmlns:r="http://schemas.openxmlformats.org/officeDocument/2006/relationships" xmlns:p="http://schemas.openxmlformats.org/presentationml/2006/main" type="blank" preserve="1">
-  <p:cSld name="白紙">
+  <p:cSld name="Blank">
     <p:spTree>
       <p:nvGrpSpPr>
         <p:cNvPr id="1" name=""/>
@@ -2472,13 +2007,7 @@
       </p:grpSpPr>
       <p:sp>
         <p:nvSpPr>
-          <p:cNvPr id="2" name="日付プレースホルダー 1">
-            <a:extLst>
-              <a:ext uri="{FF2B5EF4-FFF2-40B4-BE49-F238E27FC236}">
-                <a16:creationId xmlns:a16="http://schemas.microsoft.com/office/drawing/2014/main" id="{D270CDAF-6B19-42F0-A571-B7F4087DE36E}"/>
-              </a:ext>
-            </a:extLst>
-          </p:cNvPr>
+          <p:cNvPr id="2" name="Date Placeholder 1"/>
           <p:cNvSpPr>
             <a:spLocks noGrp="1"/>
           </p:cNvSpPr>
@@ -2501,13 +2030,7 @@
       </p:sp>
       <p:sp>
         <p:nvSpPr>
-          <p:cNvPr id="3" name="フッター プレースホルダー 2">
-            <a:extLst>
-              <a:ext uri="{FF2B5EF4-FFF2-40B4-BE49-F238E27FC236}">
-                <a16:creationId xmlns:a16="http://schemas.microsoft.com/office/drawing/2014/main" id="{ACDC23AC-AB5B-418C-A80D-D428F2297628}"/>
-              </a:ext>
-            </a:extLst>
-          </p:cNvPr>
+          <p:cNvPr id="3" name="Footer Placeholder 2"/>
           <p:cNvSpPr>
             <a:spLocks noGrp="1"/>
           </p:cNvSpPr>
@@ -2526,13 +2049,7 @@
       </p:sp>
       <p:sp>
         <p:nvSpPr>
-          <p:cNvPr id="4" name="スライド番号プレースホルダー 3">
-            <a:extLst>
-              <a:ext uri="{FF2B5EF4-FFF2-40B4-BE49-F238E27FC236}">
-                <a16:creationId xmlns:a16="http://schemas.microsoft.com/office/drawing/2014/main" id="{5D039F59-6EDB-4CA5-A206-FA0F21DE7ECC}"/>
-              </a:ext>
-            </a:extLst>
-          </p:cNvPr>
+          <p:cNvPr id="4" name="Slide Number Placeholder 3"/>
           <p:cNvSpPr>
             <a:spLocks noGrp="1"/>
           </p:cNvSpPr>
@@ -2556,7 +2073,7 @@
     </p:spTree>
     <p:extLst>
       <p:ext uri="{BB962C8B-B14F-4D97-AF65-F5344CB8AC3E}">
-        <p14:creationId xmlns:p14="http://schemas.microsoft.com/office/powerpoint/2010/main" val="3962924031"/>
+        <p14:creationId xmlns:p14="http://schemas.microsoft.com/office/powerpoint/2010/main" val="2325885836"/>
       </p:ext>
     </p:extLst>
   </p:cSld>
@@ -2568,7 +2085,7 @@
 
 <file path=ppt/slideLayouts/slideLayout8.xml><?xml version="1.0" encoding="utf-8"?>
 <p:sldLayout xmlns:a="http://schemas.openxmlformats.org/drawingml/2006/main" xmlns:r="http://schemas.openxmlformats.org/officeDocument/2006/relationships" xmlns:p="http://schemas.openxmlformats.org/presentationml/2006/main" type="objTx" preserve="1">
-  <p:cSld name="タイトル付きのコンテンツ">
+  <p:cSld name="Content with Caption">
     <p:spTree>
       <p:nvGrpSpPr>
         <p:cNvPr id="1" name=""/>
@@ -2585,13 +2102,7 @@
       </p:grpSpPr>
       <p:sp>
         <p:nvSpPr>
-          <p:cNvPr id="2" name="タイトル 1">
-            <a:extLst>
-              <a:ext uri="{FF2B5EF4-FFF2-40B4-BE49-F238E27FC236}">
-                <a16:creationId xmlns:a16="http://schemas.microsoft.com/office/drawing/2014/main" id="{C9486939-093B-4FB3-85A6-155CC218533E}"/>
-              </a:ext>
-            </a:extLst>
-          </p:cNvPr>
+          <p:cNvPr id="2" name="Title 1"/>
           <p:cNvSpPr>
             <a:spLocks noGrp="1"/>
           </p:cNvSpPr>
@@ -2601,34 +2112,29 @@
         </p:nvSpPr>
         <p:spPr>
           <a:xfrm>
-            <a:off x="839788" y="457200"/>
-            <a:ext cx="3932237" cy="1600200"/>
+            <a:off x="629841" y="342900"/>
+            <a:ext cx="2949178" cy="1200150"/>
           </a:xfrm>
         </p:spPr>
         <p:txBody>
           <a:bodyPr anchor="b"/>
           <a:lstStyle>
             <a:lvl1pPr>
-              <a:defRPr sz="3200"/>
+              <a:defRPr sz="2400"/>
             </a:lvl1pPr>
           </a:lstStyle>
           <a:p>
             <a:r>
-              <a:rPr kumimoji="1" lang="ja-JP" altLang="en-US"/>
-              <a:t>マスター タイトルの書式設定</a:t>
-            </a:r>
-          </a:p>
-        </p:txBody>
-      </p:sp>
-      <p:sp>
-        <p:nvSpPr>
-          <p:cNvPr id="3" name="コンテンツ プレースホルダー 2">
-            <a:extLst>
-              <a:ext uri="{FF2B5EF4-FFF2-40B4-BE49-F238E27FC236}">
-                <a16:creationId xmlns:a16="http://schemas.microsoft.com/office/drawing/2014/main" id="{B9D7ABCD-0472-4E34-9044-529005B1F173}"/>
-              </a:ext>
-            </a:extLst>
-          </p:cNvPr>
+              <a:rPr lang="en-GB"/>
+              <a:t>Click to edit Master title style</a:t>
+            </a:r>
+            <a:endParaRPr lang="en-US" dirty="0"/>
+          </a:p>
+        </p:txBody>
+      </p:sp>
+      <p:sp>
+        <p:nvSpPr>
+          <p:cNvPr id="3" name="Content Placeholder 2"/>
           <p:cNvSpPr>
             <a:spLocks noGrp="1"/>
           </p:cNvSpPr>
@@ -2638,119 +2144,82 @@
         </p:nvSpPr>
         <p:spPr>
           <a:xfrm>
-            <a:off x="5183188" y="987425"/>
-            <a:ext cx="6172200" cy="4873625"/>
+            <a:off x="3887391" y="740569"/>
+            <a:ext cx="4629150" cy="3655219"/>
           </a:xfrm>
         </p:spPr>
         <p:txBody>
           <a:bodyPr/>
           <a:lstStyle>
             <a:lvl1pPr>
-              <a:defRPr sz="3200"/>
+              <a:defRPr sz="2400"/>
             </a:lvl1pPr>
             <a:lvl2pPr>
-              <a:defRPr sz="2800"/>
+              <a:defRPr sz="2100"/>
             </a:lvl2pPr>
             <a:lvl3pPr>
-              <a:defRPr sz="2400"/>
+              <a:defRPr sz="1800"/>
             </a:lvl3pPr>
             <a:lvl4pPr>
-              <a:defRPr sz="2000"/>
+              <a:defRPr sz="1500"/>
             </a:lvl4pPr>
             <a:lvl5pPr>
-              <a:defRPr sz="2000"/>
+              <a:defRPr sz="1500"/>
             </a:lvl5pPr>
             <a:lvl6pPr>
-              <a:defRPr sz="2000"/>
+              <a:defRPr sz="1500"/>
             </a:lvl6pPr>
             <a:lvl7pPr>
-              <a:defRPr sz="2000"/>
+              <a:defRPr sz="1500"/>
             </a:lvl7pPr>
             <a:lvl8pPr>
-              <a:defRPr sz="2000"/>
+              <a:defRPr sz="1500"/>
             </a:lvl8pPr>
             <a:lvl9pPr>
-              <a:defRPr sz="2000"/>
+              <a:defRPr sz="1500"/>
             </a:lvl9pPr>
           </a:lstStyle>
           <a:p>
             <a:pPr lvl="0"/>
             <a:r>
-              <a:rPr kumimoji="1" lang="ja-JP" altLang="en-US"/>
-              <a:t>マスター テキストの書式設定</a:t>
+              <a:rPr lang="en-GB"/>
+              <a:t>Click to edit Master text styles</a:t>
             </a:r>
           </a:p>
           <a:p>
             <a:pPr lvl="1"/>
             <a:r>
-              <a:rPr kumimoji="1" lang="ja-JP" altLang="en-US"/>
-              <a:t>第 </a:t>
-            </a:r>
-            <a:r>
-              <a:rPr kumimoji="1" lang="en-US" altLang="ja-JP"/>
-              <a:t>2 </a:t>
-            </a:r>
-            <a:r>
-              <a:rPr kumimoji="1" lang="ja-JP" altLang="en-US"/>
-              <a:t>レベル</a:t>
+              <a:rPr lang="en-GB"/>
+              <a:t>Second level</a:t>
             </a:r>
           </a:p>
           <a:p>
             <a:pPr lvl="2"/>
             <a:r>
-              <a:rPr kumimoji="1" lang="ja-JP" altLang="en-US"/>
-              <a:t>第 </a:t>
-            </a:r>
-            <a:r>
-              <a:rPr kumimoji="1" lang="en-US" altLang="ja-JP"/>
-              <a:t>3 </a:t>
-            </a:r>
-            <a:r>
-              <a:rPr kumimoji="1" lang="ja-JP" altLang="en-US"/>
-              <a:t>レベル</a:t>
+              <a:rPr lang="en-GB"/>
+              <a:t>Third level</a:t>
             </a:r>
           </a:p>
           <a:p>
             <a:pPr lvl="3"/>
             <a:r>
-              <a:rPr kumimoji="1" lang="ja-JP" altLang="en-US"/>
-              <a:t>第 </a:t>
-            </a:r>
-            <a:r>
-              <a:rPr kumimoji="1" lang="en-US" altLang="ja-JP"/>
-              <a:t>4 </a:t>
-            </a:r>
-            <a:r>
-              <a:rPr kumimoji="1" lang="ja-JP" altLang="en-US"/>
-              <a:t>レベル</a:t>
+              <a:rPr lang="en-GB"/>
+              <a:t>Fourth level</a:t>
             </a:r>
           </a:p>
           <a:p>
             <a:pPr lvl="4"/>
             <a:r>
-              <a:rPr kumimoji="1" lang="ja-JP" altLang="en-US"/>
-              <a:t>第 </a:t>
-            </a:r>
-            <a:r>
-              <a:rPr kumimoji="1" lang="en-US" altLang="ja-JP"/>
-              <a:t>5 </a:t>
-            </a:r>
-            <a:r>
-              <a:rPr kumimoji="1" lang="ja-JP" altLang="en-US"/>
-              <a:t>レベル</a:t>
-            </a:r>
-          </a:p>
-        </p:txBody>
-      </p:sp>
-      <p:sp>
-        <p:nvSpPr>
-          <p:cNvPr id="4" name="テキスト プレースホルダー 3">
-            <a:extLst>
-              <a:ext uri="{FF2B5EF4-FFF2-40B4-BE49-F238E27FC236}">
-                <a16:creationId xmlns:a16="http://schemas.microsoft.com/office/drawing/2014/main" id="{F87E4A27-CD27-4B15-8F0B-116EA63DB7F7}"/>
-              </a:ext>
-            </a:extLst>
-          </p:cNvPr>
+              <a:rPr lang="en-GB"/>
+              <a:t>Fifth level</a:t>
+            </a:r>
+            <a:endParaRPr lang="en-US" dirty="0"/>
+          </a:p>
+        </p:txBody>
+      </p:sp>
+      <p:sp>
+        <p:nvSpPr>
+          <p:cNvPr id="4" name="Text Placeholder 3"/>
           <p:cNvSpPr>
             <a:spLocks noGrp="1"/>
           </p:cNvSpPr>
@@ -2760,8 +2229,8 @@
         </p:nvSpPr>
         <p:spPr>
           <a:xfrm>
-            <a:off x="839788" y="2057400"/>
-            <a:ext cx="3932237" cy="3811588"/>
+            <a:off x="629841" y="1543050"/>
+            <a:ext cx="2949178" cy="2858691"/>
           </a:xfrm>
         </p:spPr>
         <p:txBody>
@@ -2769,59 +2238,53 @@
           <a:lstStyle>
             <a:lvl1pPr marL="0" indent="0">
               <a:buNone/>
-              <a:defRPr sz="1600"/>
+              <a:defRPr sz="1200"/>
             </a:lvl1pPr>
-            <a:lvl2pPr marL="457200" indent="0">
-              <a:buNone/>
-              <a:defRPr sz="1400"/>
+            <a:lvl2pPr marL="342900" indent="0">
+              <a:buNone/>
+              <a:defRPr sz="1050"/>
             </a:lvl2pPr>
-            <a:lvl3pPr marL="914400" indent="0">
-              <a:buNone/>
-              <a:defRPr sz="1200"/>
+            <a:lvl3pPr marL="685800" indent="0">
+              <a:buNone/>
+              <a:defRPr sz="900"/>
             </a:lvl3pPr>
-            <a:lvl4pPr marL="1371600" indent="0">
-              <a:buNone/>
-              <a:defRPr sz="1000"/>
+            <a:lvl4pPr marL="1028700" indent="0">
+              <a:buNone/>
+              <a:defRPr sz="750"/>
             </a:lvl4pPr>
-            <a:lvl5pPr marL="1828800" indent="0">
-              <a:buNone/>
-              <a:defRPr sz="1000"/>
+            <a:lvl5pPr marL="1371600" indent="0">
+              <a:buNone/>
+              <a:defRPr sz="750"/>
             </a:lvl5pPr>
-            <a:lvl6pPr marL="2286000" indent="0">
-              <a:buNone/>
-              <a:defRPr sz="1000"/>
+            <a:lvl6pPr marL="1714500" indent="0">
+              <a:buNone/>
+              <a:defRPr sz="750"/>
             </a:lvl6pPr>
-            <a:lvl7pPr marL="2743200" indent="0">
-              <a:buNone/>
-              <a:defRPr sz="1000"/>
+            <a:lvl7pPr marL="2057400" indent="0">
+              <a:buNone/>
+              <a:defRPr sz="750"/>
             </a:lvl7pPr>
-            <a:lvl8pPr marL="3200400" indent="0">
-              <a:buNone/>
-              <a:defRPr sz="1000"/>
+            <a:lvl8pPr marL="2400300" indent="0">
+              <a:buNone/>
+              <a:defRPr sz="750"/>
             </a:lvl8pPr>
-            <a:lvl9pPr marL="3657600" indent="0">
-              <a:buNone/>
-              <a:defRPr sz="1000"/>
+            <a:lvl9pPr marL="2743200" indent="0">
+              <a:buNone/>
+              <a:defRPr sz="750"/>
             </a:lvl9pPr>
           </a:lstStyle>
           <a:p>
             <a:pPr lvl="0"/>
             <a:r>
-              <a:rPr kumimoji="1" lang="ja-JP" altLang="en-US"/>
-              <a:t>マスター テキストの書式設定</a:t>
-            </a:r>
-          </a:p>
-        </p:txBody>
-      </p:sp>
-      <p:sp>
-        <p:nvSpPr>
-          <p:cNvPr id="5" name="日付プレースホルダー 4">
-            <a:extLst>
-              <a:ext uri="{FF2B5EF4-FFF2-40B4-BE49-F238E27FC236}">
-                <a16:creationId xmlns:a16="http://schemas.microsoft.com/office/drawing/2014/main" id="{F6DE3A81-B13E-4E9B-A3DE-F291A1E54D3A}"/>
-              </a:ext>
-            </a:extLst>
-          </p:cNvPr>
+              <a:rPr lang="en-GB"/>
+              <a:t>Click to edit Master text styles</a:t>
+            </a:r>
+          </a:p>
+        </p:txBody>
+      </p:sp>
+      <p:sp>
+        <p:nvSpPr>
+          <p:cNvPr id="5" name="Date Placeholder 4"/>
           <p:cNvSpPr>
             <a:spLocks noGrp="1"/>
           </p:cNvSpPr>
@@ -2844,13 +2307,7 @@
       </p:sp>
       <p:sp>
         <p:nvSpPr>
-          <p:cNvPr id="6" name="フッター プレースホルダー 5">
-            <a:extLst>
-              <a:ext uri="{FF2B5EF4-FFF2-40B4-BE49-F238E27FC236}">
-                <a16:creationId xmlns:a16="http://schemas.microsoft.com/office/drawing/2014/main" id="{E357A367-2FE4-46F5-AF3E-A39BB8CB5D3C}"/>
-              </a:ext>
-            </a:extLst>
-          </p:cNvPr>
+          <p:cNvPr id="6" name="Footer Placeholder 5"/>
           <p:cNvSpPr>
             <a:spLocks noGrp="1"/>
           </p:cNvSpPr>
@@ -2869,13 +2326,7 @@
       </p:sp>
       <p:sp>
         <p:nvSpPr>
-          <p:cNvPr id="7" name="スライド番号プレースホルダー 6">
-            <a:extLst>
-              <a:ext uri="{FF2B5EF4-FFF2-40B4-BE49-F238E27FC236}">
-                <a16:creationId xmlns:a16="http://schemas.microsoft.com/office/drawing/2014/main" id="{8E7DC670-1CE1-4A31-98C2-A79AA3C3DB92}"/>
-              </a:ext>
-            </a:extLst>
-          </p:cNvPr>
+          <p:cNvPr id="7" name="Slide Number Placeholder 6"/>
           <p:cNvSpPr>
             <a:spLocks noGrp="1"/>
           </p:cNvSpPr>
@@ -2899,7 +2350,7 @@
     </p:spTree>
     <p:extLst>
       <p:ext uri="{BB962C8B-B14F-4D97-AF65-F5344CB8AC3E}">
-        <p14:creationId xmlns:p14="http://schemas.microsoft.com/office/powerpoint/2010/main" val="2933262063"/>
+        <p14:creationId xmlns:p14="http://schemas.microsoft.com/office/powerpoint/2010/main" val="3811607705"/>
       </p:ext>
     </p:extLst>
   </p:cSld>
@@ -2911,7 +2362,7 @@
 
 <file path=ppt/slideLayouts/slideLayout9.xml><?xml version="1.0" encoding="utf-8"?>
 <p:sldLayout xmlns:a="http://schemas.openxmlformats.org/drawingml/2006/main" xmlns:r="http://schemas.openxmlformats.org/officeDocument/2006/relationships" xmlns:p="http://schemas.openxmlformats.org/presentationml/2006/main" type="picTx" preserve="1">
-  <p:cSld name="タイトル付きの図">
+  <p:cSld name="Picture with Caption">
     <p:spTree>
       <p:nvGrpSpPr>
         <p:cNvPr id="1" name=""/>
@@ -2928,13 +2379,7 @@
       </p:grpSpPr>
       <p:sp>
         <p:nvSpPr>
-          <p:cNvPr id="2" name="タイトル 1">
-            <a:extLst>
-              <a:ext uri="{FF2B5EF4-FFF2-40B4-BE49-F238E27FC236}">
-                <a16:creationId xmlns:a16="http://schemas.microsoft.com/office/drawing/2014/main" id="{DC84AE51-A436-4C56-ABE0-DE97BE7C8FC3}"/>
-              </a:ext>
-            </a:extLst>
-          </p:cNvPr>
+          <p:cNvPr id="2" name="Title 1"/>
           <p:cNvSpPr>
             <a:spLocks noGrp="1"/>
           </p:cNvSpPr>
@@ -2944,36 +2389,31 @@
         </p:nvSpPr>
         <p:spPr>
           <a:xfrm>
-            <a:off x="839788" y="457200"/>
-            <a:ext cx="3932237" cy="1600200"/>
+            <a:off x="629841" y="342900"/>
+            <a:ext cx="2949178" cy="1200150"/>
           </a:xfrm>
         </p:spPr>
         <p:txBody>
           <a:bodyPr anchor="b"/>
           <a:lstStyle>
             <a:lvl1pPr>
-              <a:defRPr sz="3200"/>
+              <a:defRPr sz="2400"/>
             </a:lvl1pPr>
           </a:lstStyle>
           <a:p>
             <a:r>
-              <a:rPr kumimoji="1" lang="ja-JP" altLang="en-US"/>
-              <a:t>マスター タイトルの書式設定</a:t>
-            </a:r>
-          </a:p>
-        </p:txBody>
-      </p:sp>
-      <p:sp>
-        <p:nvSpPr>
-          <p:cNvPr id="3" name="図プレースホルダー 2">
-            <a:extLst>
-              <a:ext uri="{FF2B5EF4-FFF2-40B4-BE49-F238E27FC236}">
-                <a16:creationId xmlns:a16="http://schemas.microsoft.com/office/drawing/2014/main" id="{95D22D83-1C5D-49D5-9B5C-AC8BC159BF55}"/>
-              </a:ext>
-            </a:extLst>
-          </p:cNvPr>
-          <p:cNvSpPr>
-            <a:spLocks noGrp="1"/>
+              <a:rPr lang="en-GB"/>
+              <a:t>Click to edit Master title style</a:t>
+            </a:r>
+            <a:endParaRPr lang="en-US" dirty="0"/>
+          </a:p>
+        </p:txBody>
+      </p:sp>
+      <p:sp>
+        <p:nvSpPr>
+          <p:cNvPr id="3" name="Picture Placeholder 2"/>
+          <p:cNvSpPr>
+            <a:spLocks noGrp="1" noChangeAspect="1"/>
           </p:cNvSpPr>
           <p:nvPr>
             <p:ph type="pic" idx="1"/>
@@ -2981,8 +2421,73 @@
         </p:nvSpPr>
         <p:spPr>
           <a:xfrm>
-            <a:off x="5183188" y="987425"/>
-            <a:ext cx="6172200" cy="4873625"/>
+            <a:off x="3887391" y="740569"/>
+            <a:ext cx="4629150" cy="3655219"/>
+          </a:xfrm>
+        </p:spPr>
+        <p:txBody>
+          <a:bodyPr anchor="t"/>
+          <a:lstStyle>
+            <a:lvl1pPr marL="0" indent="0">
+              <a:buNone/>
+              <a:defRPr sz="2400"/>
+            </a:lvl1pPr>
+            <a:lvl2pPr marL="342900" indent="0">
+              <a:buNone/>
+              <a:defRPr sz="2100"/>
+            </a:lvl2pPr>
+            <a:lvl3pPr marL="685800" indent="0">
+              <a:buNone/>
+              <a:defRPr sz="1800"/>
+            </a:lvl3pPr>
+            <a:lvl4pPr marL="1028700" indent="0">
+              <a:buNone/>
+              <a:defRPr sz="1500"/>
+            </a:lvl4pPr>
+            <a:lvl5pPr marL="1371600" indent="0">
+              <a:buNone/>
+              <a:defRPr sz="1500"/>
+            </a:lvl5pPr>
+            <a:lvl6pPr marL="1714500" indent="0">
+              <a:buNone/>
+              <a:defRPr sz="1500"/>
+            </a:lvl6pPr>
+            <a:lvl7pPr marL="2057400" indent="0">
+              <a:buNone/>
+              <a:defRPr sz="1500"/>
+            </a:lvl7pPr>
+            <a:lvl8pPr marL="2400300" indent="0">
+              <a:buNone/>
+              <a:defRPr sz="1500"/>
+            </a:lvl8pPr>
+            <a:lvl9pPr marL="2743200" indent="0">
+              <a:buNone/>
+              <a:defRPr sz="1500"/>
+            </a:lvl9pPr>
+          </a:lstStyle>
+          <a:p>
+            <a:r>
+              <a:rPr lang="en-GB"/>
+              <a:t>Click icon to add picture</a:t>
+            </a:r>
+            <a:endParaRPr lang="en-US" dirty="0"/>
+          </a:p>
+        </p:txBody>
+      </p:sp>
+      <p:sp>
+        <p:nvSpPr>
+          <p:cNvPr id="4" name="Text Placeholder 3"/>
+          <p:cNvSpPr>
+            <a:spLocks noGrp="1"/>
+          </p:cNvSpPr>
+          <p:nvPr>
+            <p:ph type="body" sz="half" idx="2"/>
+          </p:nvPr>
+        </p:nvSpPr>
+        <p:spPr>
+          <a:xfrm>
+            <a:off x="629841" y="1543050"/>
+            <a:ext cx="2949178" cy="2858691"/>
           </a:xfrm>
         </p:spPr>
         <p:txBody>
@@ -2990,126 +2495,53 @@
           <a:lstStyle>
             <a:lvl1pPr marL="0" indent="0">
               <a:buNone/>
-              <a:defRPr sz="3200"/>
+              <a:defRPr sz="1200"/>
             </a:lvl1pPr>
-            <a:lvl2pPr marL="457200" indent="0">
-              <a:buNone/>
-              <a:defRPr sz="2800"/>
+            <a:lvl2pPr marL="342900" indent="0">
+              <a:buNone/>
+              <a:defRPr sz="1050"/>
             </a:lvl2pPr>
-            <a:lvl3pPr marL="914400" indent="0">
-              <a:buNone/>
-              <a:defRPr sz="2400"/>
+            <a:lvl3pPr marL="685800" indent="0">
+              <a:buNone/>
+              <a:defRPr sz="900"/>
             </a:lvl3pPr>
-            <a:lvl4pPr marL="1371600" indent="0">
-              <a:buNone/>
-              <a:defRPr sz="2000"/>
+            <a:lvl4pPr marL="1028700" indent="0">
+              <a:buNone/>
+              <a:defRPr sz="750"/>
             </a:lvl4pPr>
-            <a:lvl5pPr marL="1828800" indent="0">
-              <a:buNone/>
-              <a:defRPr sz="2000"/>
+            <a:lvl5pPr marL="1371600" indent="0">
+              <a:buNone/>
+              <a:defRPr sz="750"/>
             </a:lvl5pPr>
-            <a:lvl6pPr marL="2286000" indent="0">
-              <a:buNone/>
-              <a:defRPr sz="2000"/>
+            <a:lvl6pPr marL="1714500" indent="0">
+              <a:buNone/>
+              <a:defRPr sz="750"/>
             </a:lvl6pPr>
-            <a:lvl7pPr marL="2743200" indent="0">
-              <a:buNone/>
-              <a:defRPr sz="2000"/>
+            <a:lvl7pPr marL="2057400" indent="0">
+              <a:buNone/>
+              <a:defRPr sz="750"/>
             </a:lvl7pPr>
-            <a:lvl8pPr marL="3200400" indent="0">
-              <a:buNone/>
-              <a:defRPr sz="2000"/>
+            <a:lvl8pPr marL="2400300" indent="0">
+              <a:buNone/>
+              <a:defRPr sz="750"/>
             </a:lvl8pPr>
-            <a:lvl9pPr marL="3657600" indent="0">
-              <a:buNone/>
-              <a:defRPr sz="2000"/>
+            <a:lvl9pPr marL="2743200" indent="0">
+              <a:buNone/>
+              <a:defRPr sz="750"/>
             </a:lvl9pPr>
           </a:lstStyle>
           <a:p>
-            <a:endParaRPr kumimoji="1" lang="ja-JP" altLang="en-US"/>
-          </a:p>
-        </p:txBody>
-      </p:sp>
-      <p:sp>
-        <p:nvSpPr>
-          <p:cNvPr id="4" name="テキスト プレースホルダー 3">
-            <a:extLst>
-              <a:ext uri="{FF2B5EF4-FFF2-40B4-BE49-F238E27FC236}">
-                <a16:creationId xmlns:a16="http://schemas.microsoft.com/office/drawing/2014/main" id="{16581704-8EAB-4F20-A460-521ABED5618D}"/>
-              </a:ext>
-            </a:extLst>
-          </p:cNvPr>
-          <p:cNvSpPr>
-            <a:spLocks noGrp="1"/>
-          </p:cNvSpPr>
-          <p:nvPr>
-            <p:ph type="body" sz="half" idx="2"/>
-          </p:nvPr>
-        </p:nvSpPr>
-        <p:spPr>
-          <a:xfrm>
-            <a:off x="839788" y="2057400"/>
-            <a:ext cx="3932237" cy="3811588"/>
-          </a:xfrm>
-        </p:spPr>
-        <p:txBody>
-          <a:bodyPr/>
-          <a:lstStyle>
-            <a:lvl1pPr marL="0" indent="0">
-              <a:buNone/>
-              <a:defRPr sz="1600"/>
-            </a:lvl1pPr>
-            <a:lvl2pPr marL="457200" indent="0">
-              <a:buNone/>
-              <a:defRPr sz="1400"/>
-            </a:lvl2pPr>
-            <a:lvl3pPr marL="914400" indent="0">
-              <a:buNone/>
-              <a:defRPr sz="1200"/>
-            </a:lvl3pPr>
-            <a:lvl4pPr marL="1371600" indent="0">
-              <a:buNone/>
-              <a:defRPr sz="1000"/>
-            </a:lvl4pPr>
-            <a:lvl5pPr marL="1828800" indent="0">
-              <a:buNone/>
-              <a:defRPr sz="1000"/>
-            </a:lvl5pPr>
-            <a:lvl6pPr marL="2286000" indent="0">
-              <a:buNone/>
-              <a:defRPr sz="1000"/>
-            </a:lvl6pPr>
-            <a:lvl7pPr marL="2743200" indent="0">
-              <a:buNone/>
-              <a:defRPr sz="1000"/>
-            </a:lvl7pPr>
-            <a:lvl8pPr marL="3200400" indent="0">
-              <a:buNone/>
-              <a:defRPr sz="1000"/>
-            </a:lvl8pPr>
-            <a:lvl9pPr marL="3657600" indent="0">
-              <a:buNone/>
-              <a:defRPr sz="1000"/>
-            </a:lvl9pPr>
-          </a:lstStyle>
-          <a:p>
             <a:pPr lvl="0"/>
             <a:r>
-              <a:rPr kumimoji="1" lang="ja-JP" altLang="en-US"/>
-              <a:t>マスター テキストの書式設定</a:t>
-            </a:r>
-          </a:p>
-        </p:txBody>
-      </p:sp>
-      <p:sp>
-        <p:nvSpPr>
-          <p:cNvPr id="5" name="日付プレースホルダー 4">
-            <a:extLst>
-              <a:ext uri="{FF2B5EF4-FFF2-40B4-BE49-F238E27FC236}">
-                <a16:creationId xmlns:a16="http://schemas.microsoft.com/office/drawing/2014/main" id="{96FFF7AF-0867-40A6-AEBF-9C6C1984897B}"/>
-              </a:ext>
-            </a:extLst>
-          </p:cNvPr>
+              <a:rPr lang="en-GB"/>
+              <a:t>Click to edit Master text styles</a:t>
+            </a:r>
+          </a:p>
+        </p:txBody>
+      </p:sp>
+      <p:sp>
+        <p:nvSpPr>
+          <p:cNvPr id="5" name="Date Placeholder 4"/>
           <p:cNvSpPr>
             <a:spLocks noGrp="1"/>
           </p:cNvSpPr>
@@ -3132,13 +2564,7 @@
       </p:sp>
       <p:sp>
         <p:nvSpPr>
-          <p:cNvPr id="6" name="フッター プレースホルダー 5">
-            <a:extLst>
-              <a:ext uri="{FF2B5EF4-FFF2-40B4-BE49-F238E27FC236}">
-                <a16:creationId xmlns:a16="http://schemas.microsoft.com/office/drawing/2014/main" id="{46E5B77D-47E1-4626-A095-971BAD8EC758}"/>
-              </a:ext>
-            </a:extLst>
-          </p:cNvPr>
+          <p:cNvPr id="6" name="Footer Placeholder 5"/>
           <p:cNvSpPr>
             <a:spLocks noGrp="1"/>
           </p:cNvSpPr>
@@ -3157,13 +2583,7 @@
       </p:sp>
       <p:sp>
         <p:nvSpPr>
-          <p:cNvPr id="7" name="スライド番号プレースホルダー 6">
-            <a:extLst>
-              <a:ext uri="{FF2B5EF4-FFF2-40B4-BE49-F238E27FC236}">
-                <a16:creationId xmlns:a16="http://schemas.microsoft.com/office/drawing/2014/main" id="{BE1A7D5C-E7F5-42E6-BFEA-6A263767221C}"/>
-              </a:ext>
-            </a:extLst>
-          </p:cNvPr>
+          <p:cNvPr id="7" name="Slide Number Placeholder 6"/>
           <p:cNvSpPr>
             <a:spLocks noGrp="1"/>
           </p:cNvSpPr>
@@ -3187,7 +2607,7 @@
     </p:spTree>
     <p:extLst>
       <p:ext uri="{BB962C8B-B14F-4D97-AF65-F5344CB8AC3E}">
-        <p14:creationId xmlns:p14="http://schemas.microsoft.com/office/powerpoint/2010/main" val="3380154277"/>
+        <p14:creationId xmlns:p14="http://schemas.microsoft.com/office/powerpoint/2010/main" val="1043856495"/>
       </p:ext>
     </p:extLst>
   </p:cSld>
@@ -3221,13 +2641,7 @@
       </p:grpSpPr>
       <p:sp>
         <p:nvSpPr>
-          <p:cNvPr id="2" name="タイトル プレースホルダー 1">
-            <a:extLst>
-              <a:ext uri="{FF2B5EF4-FFF2-40B4-BE49-F238E27FC236}">
-                <a16:creationId xmlns:a16="http://schemas.microsoft.com/office/drawing/2014/main" id="{06AE6459-B085-4653-B161-EB9F26E77B48}"/>
-              </a:ext>
-            </a:extLst>
-          </p:cNvPr>
+          <p:cNvPr id="2" name="Title Placeholder 1"/>
           <p:cNvSpPr>
             <a:spLocks noGrp="1"/>
           </p:cNvSpPr>
@@ -3237,8 +2651,8 @@
         </p:nvSpPr>
         <p:spPr>
           <a:xfrm>
-            <a:off x="838200" y="365125"/>
-            <a:ext cx="10515600" cy="1325563"/>
+            <a:off x="628650" y="273844"/>
+            <a:ext cx="7886700" cy="994172"/>
           </a:xfrm>
           <a:prstGeom prst="rect">
             <a:avLst/>
@@ -3251,21 +2665,16 @@
           <a:lstStyle/>
           <a:p>
             <a:r>
-              <a:rPr kumimoji="1" lang="ja-JP" altLang="en-US"/>
-              <a:t>マスター タイトルの書式設定</a:t>
-            </a:r>
-          </a:p>
-        </p:txBody>
-      </p:sp>
-      <p:sp>
-        <p:nvSpPr>
-          <p:cNvPr id="3" name="テキスト プレースホルダー 2">
-            <a:extLst>
-              <a:ext uri="{FF2B5EF4-FFF2-40B4-BE49-F238E27FC236}">
-                <a16:creationId xmlns:a16="http://schemas.microsoft.com/office/drawing/2014/main" id="{8E9870D6-CA18-4C56-8A94-D826CC945578}"/>
-              </a:ext>
-            </a:extLst>
-          </p:cNvPr>
+              <a:rPr lang="en-GB"/>
+              <a:t>Click to edit Master title style</a:t>
+            </a:r>
+            <a:endParaRPr lang="en-US" dirty="0"/>
+          </a:p>
+        </p:txBody>
+      </p:sp>
+      <p:sp>
+        <p:nvSpPr>
+          <p:cNvPr id="3" name="Text Placeholder 2"/>
           <p:cNvSpPr>
             <a:spLocks noGrp="1"/>
           </p:cNvSpPr>
@@ -3275,8 +2684,8 @@
         </p:nvSpPr>
         <p:spPr>
           <a:xfrm>
-            <a:off x="838200" y="1825625"/>
-            <a:ext cx="10515600" cy="4351338"/>
+            <a:off x="628650" y="1369219"/>
+            <a:ext cx="7886700" cy="3263504"/>
           </a:xfrm>
           <a:prstGeom prst="rect">
             <a:avLst/>
@@ -3290,81 +2699,44 @@
           <a:p>
             <a:pPr lvl="0"/>
             <a:r>
-              <a:rPr kumimoji="1" lang="ja-JP" altLang="en-US"/>
-              <a:t>マスター テキストの書式設定</a:t>
+              <a:rPr lang="en-GB"/>
+              <a:t>Click to edit Master text styles</a:t>
             </a:r>
           </a:p>
           <a:p>
             <a:pPr lvl="1"/>
             <a:r>
-              <a:rPr kumimoji="1" lang="ja-JP" altLang="en-US"/>
-              <a:t>第 </a:t>
-            </a:r>
-            <a:r>
-              <a:rPr kumimoji="1" lang="en-US" altLang="ja-JP"/>
-              <a:t>2 </a:t>
-            </a:r>
-            <a:r>
-              <a:rPr kumimoji="1" lang="ja-JP" altLang="en-US"/>
-              <a:t>レベル</a:t>
+              <a:rPr lang="en-GB"/>
+              <a:t>Second level</a:t>
             </a:r>
           </a:p>
           <a:p>
             <a:pPr lvl="2"/>
             <a:r>
-              <a:rPr kumimoji="1" lang="ja-JP" altLang="en-US"/>
-              <a:t>第 </a:t>
-            </a:r>
-            <a:r>
-              <a:rPr kumimoji="1" lang="en-US" altLang="ja-JP"/>
-              <a:t>3 </a:t>
-            </a:r>
-            <a:r>
-              <a:rPr kumimoji="1" lang="ja-JP" altLang="en-US"/>
-              <a:t>レベル</a:t>
+              <a:rPr lang="en-GB"/>
+              <a:t>Third level</a:t>
             </a:r>
           </a:p>
           <a:p>
             <a:pPr lvl="3"/>
             <a:r>
-              <a:rPr kumimoji="1" lang="ja-JP" altLang="en-US"/>
-              <a:t>第 </a:t>
-            </a:r>
-            <a:r>
-              <a:rPr kumimoji="1" lang="en-US" altLang="ja-JP"/>
-              <a:t>4 </a:t>
-            </a:r>
-            <a:r>
-              <a:rPr kumimoji="1" lang="ja-JP" altLang="en-US"/>
-              <a:t>レベル</a:t>
+              <a:rPr lang="en-GB"/>
+              <a:t>Fourth level</a:t>
             </a:r>
           </a:p>
           <a:p>
             <a:pPr lvl="4"/>
             <a:r>
-              <a:rPr kumimoji="1" lang="ja-JP" altLang="en-US"/>
-              <a:t>第 </a:t>
-            </a:r>
-            <a:r>
-              <a:rPr kumimoji="1" lang="en-US" altLang="ja-JP"/>
-              <a:t>5 </a:t>
-            </a:r>
-            <a:r>
-              <a:rPr kumimoji="1" lang="ja-JP" altLang="en-US"/>
-              <a:t>レベル</a:t>
-            </a:r>
-          </a:p>
-        </p:txBody>
-      </p:sp>
-      <p:sp>
-        <p:nvSpPr>
-          <p:cNvPr id="4" name="日付プレースホルダー 3">
-            <a:extLst>
-              <a:ext uri="{FF2B5EF4-FFF2-40B4-BE49-F238E27FC236}">
-                <a16:creationId xmlns:a16="http://schemas.microsoft.com/office/drawing/2014/main" id="{C516D404-8349-433E-8BAA-69EC7287AB2A}"/>
-              </a:ext>
-            </a:extLst>
-          </p:cNvPr>
+              <a:rPr lang="en-GB"/>
+              <a:t>Fifth level</a:t>
+            </a:r>
+            <a:endParaRPr lang="en-US" dirty="0"/>
+          </a:p>
+        </p:txBody>
+      </p:sp>
+      <p:sp>
+        <p:nvSpPr>
+          <p:cNvPr id="4" name="Date Placeholder 3"/>
           <p:cNvSpPr>
             <a:spLocks noGrp="1"/>
           </p:cNvSpPr>
@@ -3374,8 +2746,8 @@
         </p:nvSpPr>
         <p:spPr>
           <a:xfrm>
-            <a:off x="838200" y="6356350"/>
-            <a:ext cx="2743200" cy="365125"/>
+            <a:off x="628650" y="4767263"/>
+            <a:ext cx="2057400" cy="273844"/>
           </a:xfrm>
           <a:prstGeom prst="rect">
             <a:avLst/>
@@ -3385,7 +2757,7 @@
           <a:bodyPr vert="horz" lIns="91440" tIns="45720" rIns="91440" bIns="45720" rtlCol="0" anchor="ctr"/>
           <a:lstStyle>
             <a:lvl1pPr algn="l">
-              <a:defRPr sz="1200">
+              <a:defRPr sz="900">
                 <a:solidFill>
                   <a:schemeClr val="tx1">
                     <a:tint val="75000"/>
@@ -3405,13 +2777,7 @@
       </p:sp>
       <p:sp>
         <p:nvSpPr>
-          <p:cNvPr id="5" name="フッター プレースホルダー 4">
-            <a:extLst>
-              <a:ext uri="{FF2B5EF4-FFF2-40B4-BE49-F238E27FC236}">
-                <a16:creationId xmlns:a16="http://schemas.microsoft.com/office/drawing/2014/main" id="{3171BFDF-8743-453E-AA45-08C05D16994E}"/>
-              </a:ext>
-            </a:extLst>
-          </p:cNvPr>
+          <p:cNvPr id="5" name="Footer Placeholder 4"/>
           <p:cNvSpPr>
             <a:spLocks noGrp="1"/>
           </p:cNvSpPr>
@@ -3421,8 +2787,8 @@
         </p:nvSpPr>
         <p:spPr>
           <a:xfrm>
-            <a:off x="4038600" y="6356350"/>
-            <a:ext cx="4114800" cy="365125"/>
+            <a:off x="3028950" y="4767263"/>
+            <a:ext cx="3086100" cy="273844"/>
           </a:xfrm>
           <a:prstGeom prst="rect">
             <a:avLst/>
@@ -3432,7 +2798,7 @@
           <a:bodyPr vert="horz" lIns="91440" tIns="45720" rIns="91440" bIns="45720" rtlCol="0" anchor="ctr"/>
           <a:lstStyle>
             <a:lvl1pPr algn="ctr">
-              <a:defRPr sz="1200">
+              <a:defRPr sz="900">
                 <a:solidFill>
                   <a:schemeClr val="tx1">
                     <a:tint val="75000"/>
@@ -3448,13 +2814,7 @@
       </p:sp>
       <p:sp>
         <p:nvSpPr>
-          <p:cNvPr id="6" name="スライド番号プレースホルダー 5">
-            <a:extLst>
-              <a:ext uri="{FF2B5EF4-FFF2-40B4-BE49-F238E27FC236}">
-                <a16:creationId xmlns:a16="http://schemas.microsoft.com/office/drawing/2014/main" id="{B26EC79F-EF3B-48C4-96A5-CF8A69709616}"/>
-              </a:ext>
-            </a:extLst>
-          </p:cNvPr>
+          <p:cNvPr id="6" name="Slide Number Placeholder 5"/>
           <p:cNvSpPr>
             <a:spLocks noGrp="1"/>
           </p:cNvSpPr>
@@ -3464,8 +2824,8 @@
         </p:nvSpPr>
         <p:spPr>
           <a:xfrm>
-            <a:off x="8610600" y="6356350"/>
-            <a:ext cx="2743200" cy="365125"/>
+            <a:off x="6457950" y="4767263"/>
+            <a:ext cx="2057400" cy="273844"/>
           </a:xfrm>
           <a:prstGeom prst="rect">
             <a:avLst/>
@@ -3475,7 +2835,7 @@
           <a:bodyPr vert="horz" lIns="91440" tIns="45720" rIns="91440" bIns="45720" rtlCol="0" anchor="ctr"/>
           <a:lstStyle>
             <a:lvl1pPr algn="r">
-              <a:defRPr sz="1200">
+              <a:defRPr sz="900">
                 <a:solidFill>
                   <a:schemeClr val="tx1">
                     <a:tint val="75000"/>
@@ -3496,27 +2856,27 @@
     </p:spTree>
     <p:extLst>
       <p:ext uri="{BB962C8B-B14F-4D97-AF65-F5344CB8AC3E}">
-        <p14:creationId xmlns:p14="http://schemas.microsoft.com/office/powerpoint/2010/main" val="3070200494"/>
+        <p14:creationId xmlns:p14="http://schemas.microsoft.com/office/powerpoint/2010/main" val="422589215"/>
       </p:ext>
     </p:extLst>
   </p:cSld>
   <p:clrMap bg1="lt1" tx1="dk1" bg2="lt2" tx2="dk2" accent1="accent1" accent2="accent2" accent3="accent3" accent4="accent4" accent5="accent5" accent6="accent6" hlink="hlink" folHlink="folHlink"/>
   <p:sldLayoutIdLst>
-    <p:sldLayoutId id="2147483649" r:id="rId1"/>
-    <p:sldLayoutId id="2147483650" r:id="rId2"/>
-    <p:sldLayoutId id="2147483651" r:id="rId3"/>
-    <p:sldLayoutId id="2147483652" r:id="rId4"/>
-    <p:sldLayoutId id="2147483653" r:id="rId5"/>
-    <p:sldLayoutId id="2147483654" r:id="rId6"/>
-    <p:sldLayoutId id="2147483655" r:id="rId7"/>
-    <p:sldLayoutId id="2147483656" r:id="rId8"/>
-    <p:sldLayoutId id="2147483657" r:id="rId9"/>
-    <p:sldLayoutId id="2147483658" r:id="rId10"/>
-    <p:sldLayoutId id="2147483659" r:id="rId11"/>
+    <p:sldLayoutId id="2147483661" r:id="rId1"/>
+    <p:sldLayoutId id="2147483662" r:id="rId2"/>
+    <p:sldLayoutId id="2147483663" r:id="rId3"/>
+    <p:sldLayoutId id="2147483664" r:id="rId4"/>
+    <p:sldLayoutId id="2147483665" r:id="rId5"/>
+    <p:sldLayoutId id="2147483666" r:id="rId6"/>
+    <p:sldLayoutId id="2147483667" r:id="rId7"/>
+    <p:sldLayoutId id="2147483668" r:id="rId8"/>
+    <p:sldLayoutId id="2147483669" r:id="rId9"/>
+    <p:sldLayoutId id="2147483670" r:id="rId10"/>
+    <p:sldLayoutId id="2147483671" r:id="rId11"/>
   </p:sldLayoutIdLst>
   <p:txStyles>
     <p:titleStyle>
-      <a:lvl1pPr algn="l" defTabSz="914400" rtl="0" eaLnBrk="1" latinLnBrk="0" hangingPunct="1">
+      <a:lvl1pPr algn="l" defTabSz="685800" rtl="0" eaLnBrk="1" latinLnBrk="0" hangingPunct="1">
         <a:lnSpc>
           <a:spcPct val="90000"/>
         </a:lnSpc>
@@ -3524,7 +2884,7 @@
           <a:spcPct val="0"/>
         </a:spcBef>
         <a:buNone/>
-        <a:defRPr kumimoji="1" sz="4400" kern="1200">
+        <a:defRPr sz="3300" kern="1200">
           <a:solidFill>
             <a:schemeClr val="tx1"/>
           </a:solidFill>
@@ -3535,16 +2895,16 @@
       </a:lvl1pPr>
     </p:titleStyle>
     <p:bodyStyle>
-      <a:lvl1pPr marL="228600" indent="-228600" algn="l" defTabSz="914400" rtl="0" eaLnBrk="1" latinLnBrk="0" hangingPunct="1">
+      <a:lvl1pPr marL="171450" indent="-171450" algn="l" defTabSz="685800" rtl="0" eaLnBrk="1" latinLnBrk="0" hangingPunct="1">
         <a:lnSpc>
           <a:spcPct val="90000"/>
         </a:lnSpc>
         <a:spcBef>
-          <a:spcPts val="1000"/>
+          <a:spcPts val="750"/>
         </a:spcBef>
         <a:buFont typeface="Arial" panose="020B0604020202020204" pitchFamily="34" charset="0"/>
         <a:buChar char="•"/>
-        <a:defRPr kumimoji="1" sz="2800" kern="1200">
+        <a:defRPr sz="2100" kern="1200">
           <a:solidFill>
             <a:schemeClr val="tx1"/>
           </a:solidFill>
@@ -3553,16 +2913,16 @@
           <a:cs typeface="+mn-cs"/>
         </a:defRPr>
       </a:lvl1pPr>
-      <a:lvl2pPr marL="685800" indent="-228600" algn="l" defTabSz="914400" rtl="0" eaLnBrk="1" latinLnBrk="0" hangingPunct="1">
+      <a:lvl2pPr marL="514350" indent="-171450" algn="l" defTabSz="685800" rtl="0" eaLnBrk="1" latinLnBrk="0" hangingPunct="1">
         <a:lnSpc>
           <a:spcPct val="90000"/>
         </a:lnSpc>
         <a:spcBef>
-          <a:spcPts val="500"/>
+          <a:spcPts val="375"/>
         </a:spcBef>
         <a:buFont typeface="Arial" panose="020B0604020202020204" pitchFamily="34" charset="0"/>
         <a:buChar char="•"/>
-        <a:defRPr kumimoji="1" sz="2400" kern="1200">
+        <a:defRPr sz="1800" kern="1200">
           <a:solidFill>
             <a:schemeClr val="tx1"/>
           </a:solidFill>
@@ -3571,16 +2931,16 @@
           <a:cs typeface="+mn-cs"/>
         </a:defRPr>
       </a:lvl2pPr>
-      <a:lvl3pPr marL="1143000" indent="-228600" algn="l" defTabSz="914400" rtl="0" eaLnBrk="1" latinLnBrk="0" hangingPunct="1">
+      <a:lvl3pPr marL="857250" indent="-171450" algn="l" defTabSz="685800" rtl="0" eaLnBrk="1" latinLnBrk="0" hangingPunct="1">
         <a:lnSpc>
           <a:spcPct val="90000"/>
         </a:lnSpc>
         <a:spcBef>
-          <a:spcPts val="500"/>
+          <a:spcPts val="375"/>
         </a:spcBef>
         <a:buFont typeface="Arial" panose="020B0604020202020204" pitchFamily="34" charset="0"/>
         <a:buChar char="•"/>
-        <a:defRPr kumimoji="1" sz="2000" kern="1200">
+        <a:defRPr sz="1500" kern="1200">
           <a:solidFill>
             <a:schemeClr val="tx1"/>
           </a:solidFill>
@@ -3589,16 +2949,16 @@
           <a:cs typeface="+mn-cs"/>
         </a:defRPr>
       </a:lvl3pPr>
-      <a:lvl4pPr marL="1600200" indent="-228600" algn="l" defTabSz="914400" rtl="0" eaLnBrk="1" latinLnBrk="0" hangingPunct="1">
+      <a:lvl4pPr marL="1200150" indent="-171450" algn="l" defTabSz="685800" rtl="0" eaLnBrk="1" latinLnBrk="0" hangingPunct="1">
         <a:lnSpc>
           <a:spcPct val="90000"/>
         </a:lnSpc>
         <a:spcBef>
-          <a:spcPts val="500"/>
+          <a:spcPts val="375"/>
         </a:spcBef>
         <a:buFont typeface="Arial" panose="020B0604020202020204" pitchFamily="34" charset="0"/>
         <a:buChar char="•"/>
-        <a:defRPr kumimoji="1" sz="1800" kern="1200">
+        <a:defRPr sz="1350" kern="1200">
           <a:solidFill>
             <a:schemeClr val="tx1"/>
           </a:solidFill>
@@ -3607,16 +2967,16 @@
           <a:cs typeface="+mn-cs"/>
         </a:defRPr>
       </a:lvl4pPr>
-      <a:lvl5pPr marL="2057400" indent="-228600" algn="l" defTabSz="914400" rtl="0" eaLnBrk="1" latinLnBrk="0" hangingPunct="1">
+      <a:lvl5pPr marL="1543050" indent="-171450" algn="l" defTabSz="685800" rtl="0" eaLnBrk="1" latinLnBrk="0" hangingPunct="1">
         <a:lnSpc>
           <a:spcPct val="90000"/>
         </a:lnSpc>
         <a:spcBef>
-          <a:spcPts val="500"/>
+          <a:spcPts val="375"/>
         </a:spcBef>
         <a:buFont typeface="Arial" panose="020B0604020202020204" pitchFamily="34" charset="0"/>
         <a:buChar char="•"/>
-        <a:defRPr kumimoji="1" sz="1800" kern="1200">
+        <a:defRPr sz="1350" kern="1200">
           <a:solidFill>
             <a:schemeClr val="tx1"/>
           </a:solidFill>
@@ -3625,16 +2985,16 @@
           <a:cs typeface="+mn-cs"/>
         </a:defRPr>
       </a:lvl5pPr>
-      <a:lvl6pPr marL="2514600" indent="-228600" algn="l" defTabSz="914400" rtl="0" eaLnBrk="1" latinLnBrk="0" hangingPunct="1">
+      <a:lvl6pPr marL="1885950" indent="-171450" algn="l" defTabSz="685800" rtl="0" eaLnBrk="1" latinLnBrk="0" hangingPunct="1">
         <a:lnSpc>
           <a:spcPct val="90000"/>
         </a:lnSpc>
         <a:spcBef>
-          <a:spcPts val="500"/>
+          <a:spcPts val="375"/>
         </a:spcBef>
         <a:buFont typeface="Arial" panose="020B0604020202020204" pitchFamily="34" charset="0"/>
         <a:buChar char="•"/>
-        <a:defRPr kumimoji="1" sz="1800" kern="1200">
+        <a:defRPr sz="1350" kern="1200">
           <a:solidFill>
             <a:schemeClr val="tx1"/>
           </a:solidFill>
@@ -3643,16 +3003,16 @@
           <a:cs typeface="+mn-cs"/>
         </a:defRPr>
       </a:lvl6pPr>
-      <a:lvl7pPr marL="2971800" indent="-228600" algn="l" defTabSz="914400" rtl="0" eaLnBrk="1" latinLnBrk="0" hangingPunct="1">
+      <a:lvl7pPr marL="2228850" indent="-171450" algn="l" defTabSz="685800" rtl="0" eaLnBrk="1" latinLnBrk="0" hangingPunct="1">
         <a:lnSpc>
           <a:spcPct val="90000"/>
         </a:lnSpc>
         <a:spcBef>
-          <a:spcPts val="500"/>
+          <a:spcPts val="375"/>
         </a:spcBef>
         <a:buFont typeface="Arial" panose="020B0604020202020204" pitchFamily="34" charset="0"/>
         <a:buChar char="•"/>
-        <a:defRPr kumimoji="1" sz="1800" kern="1200">
+        <a:defRPr sz="1350" kern="1200">
           <a:solidFill>
             <a:schemeClr val="tx1"/>
           </a:solidFill>
@@ -3661,16 +3021,16 @@
           <a:cs typeface="+mn-cs"/>
         </a:defRPr>
       </a:lvl7pPr>
-      <a:lvl8pPr marL="3429000" indent="-228600" algn="l" defTabSz="914400" rtl="0" eaLnBrk="1" latinLnBrk="0" hangingPunct="1">
+      <a:lvl8pPr marL="2571750" indent="-171450" algn="l" defTabSz="685800" rtl="0" eaLnBrk="1" latinLnBrk="0" hangingPunct="1">
         <a:lnSpc>
           <a:spcPct val="90000"/>
         </a:lnSpc>
         <a:spcBef>
-          <a:spcPts val="500"/>
+          <a:spcPts val="375"/>
         </a:spcBef>
         <a:buFont typeface="Arial" panose="020B0604020202020204" pitchFamily="34" charset="0"/>
         <a:buChar char="•"/>
-        <a:defRPr kumimoji="1" sz="1800" kern="1200">
+        <a:defRPr sz="1350" kern="1200">
           <a:solidFill>
             <a:schemeClr val="tx1"/>
           </a:solidFill>
@@ -3679,16 +3039,16 @@
           <a:cs typeface="+mn-cs"/>
         </a:defRPr>
       </a:lvl8pPr>
-      <a:lvl9pPr marL="3886200" indent="-228600" algn="l" defTabSz="914400" rtl="0" eaLnBrk="1" latinLnBrk="0" hangingPunct="1">
+      <a:lvl9pPr marL="2914650" indent="-171450" algn="l" defTabSz="685800" rtl="0" eaLnBrk="1" latinLnBrk="0" hangingPunct="1">
         <a:lnSpc>
           <a:spcPct val="90000"/>
         </a:lnSpc>
         <a:spcBef>
-          <a:spcPts val="500"/>
+          <a:spcPts val="375"/>
         </a:spcBef>
         <a:buFont typeface="Arial" panose="020B0604020202020204" pitchFamily="34" charset="0"/>
         <a:buChar char="•"/>
-        <a:defRPr kumimoji="1" sz="1800" kern="1200">
+        <a:defRPr sz="1350" kern="1200">
           <a:solidFill>
             <a:schemeClr val="tx1"/>
           </a:solidFill>
@@ -3700,10 +3060,10 @@
     </p:bodyStyle>
     <p:otherStyle>
       <a:defPPr>
-        <a:defRPr lang="ja-JP"/>
+        <a:defRPr lang="en-US"/>
       </a:defPPr>
-      <a:lvl1pPr marL="0" algn="l" defTabSz="914400" rtl="0" eaLnBrk="1" latinLnBrk="0" hangingPunct="1">
-        <a:defRPr kumimoji="1" sz="1800" kern="1200">
+      <a:lvl1pPr marL="0" algn="l" defTabSz="685800" rtl="0" eaLnBrk="1" latinLnBrk="0" hangingPunct="1">
+        <a:defRPr sz="1350" kern="1200">
           <a:solidFill>
             <a:schemeClr val="tx1"/>
           </a:solidFill>
@@ -3712,8 +3072,8 @@
           <a:cs typeface="+mn-cs"/>
         </a:defRPr>
       </a:lvl1pPr>
-      <a:lvl2pPr marL="457200" algn="l" defTabSz="914400" rtl="0" eaLnBrk="1" latinLnBrk="0" hangingPunct="1">
-        <a:defRPr kumimoji="1" sz="1800" kern="1200">
+      <a:lvl2pPr marL="342900" algn="l" defTabSz="685800" rtl="0" eaLnBrk="1" latinLnBrk="0" hangingPunct="1">
+        <a:defRPr sz="1350" kern="1200">
           <a:solidFill>
             <a:schemeClr val="tx1"/>
           </a:solidFill>
@@ -3722,8 +3082,8 @@
           <a:cs typeface="+mn-cs"/>
         </a:defRPr>
       </a:lvl2pPr>
-      <a:lvl3pPr marL="914400" algn="l" defTabSz="914400" rtl="0" eaLnBrk="1" latinLnBrk="0" hangingPunct="1">
-        <a:defRPr kumimoji="1" sz="1800" kern="1200">
+      <a:lvl3pPr marL="685800" algn="l" defTabSz="685800" rtl="0" eaLnBrk="1" latinLnBrk="0" hangingPunct="1">
+        <a:defRPr sz="1350" kern="1200">
           <a:solidFill>
             <a:schemeClr val="tx1"/>
           </a:solidFill>
@@ -3732,8 +3092,8 @@
           <a:cs typeface="+mn-cs"/>
         </a:defRPr>
       </a:lvl3pPr>
-      <a:lvl4pPr marL="1371600" algn="l" defTabSz="914400" rtl="0" eaLnBrk="1" latinLnBrk="0" hangingPunct="1">
-        <a:defRPr kumimoji="1" sz="1800" kern="1200">
+      <a:lvl4pPr marL="1028700" algn="l" defTabSz="685800" rtl="0" eaLnBrk="1" latinLnBrk="0" hangingPunct="1">
+        <a:defRPr sz="1350" kern="1200">
           <a:solidFill>
             <a:schemeClr val="tx1"/>
           </a:solidFill>
@@ -3742,8 +3102,8 @@
           <a:cs typeface="+mn-cs"/>
         </a:defRPr>
       </a:lvl4pPr>
-      <a:lvl5pPr marL="1828800" algn="l" defTabSz="914400" rtl="0" eaLnBrk="1" latinLnBrk="0" hangingPunct="1">
-        <a:defRPr kumimoji="1" sz="1800" kern="1200">
+      <a:lvl5pPr marL="1371600" algn="l" defTabSz="685800" rtl="0" eaLnBrk="1" latinLnBrk="0" hangingPunct="1">
+        <a:defRPr sz="1350" kern="1200">
           <a:solidFill>
             <a:schemeClr val="tx1"/>
           </a:solidFill>
@@ -3752,8 +3112,8 @@
           <a:cs typeface="+mn-cs"/>
         </a:defRPr>
       </a:lvl5pPr>
-      <a:lvl6pPr marL="2286000" algn="l" defTabSz="914400" rtl="0" eaLnBrk="1" latinLnBrk="0" hangingPunct="1">
-        <a:defRPr kumimoji="1" sz="1800" kern="1200">
+      <a:lvl6pPr marL="1714500" algn="l" defTabSz="685800" rtl="0" eaLnBrk="1" latinLnBrk="0" hangingPunct="1">
+        <a:defRPr sz="1350" kern="1200">
           <a:solidFill>
             <a:schemeClr val="tx1"/>
           </a:solidFill>
@@ -3762,8 +3122,8 @@
           <a:cs typeface="+mn-cs"/>
         </a:defRPr>
       </a:lvl6pPr>
-      <a:lvl7pPr marL="2743200" algn="l" defTabSz="914400" rtl="0" eaLnBrk="1" latinLnBrk="0" hangingPunct="1">
-        <a:defRPr kumimoji="1" sz="1800" kern="1200">
+      <a:lvl7pPr marL="2057400" algn="l" defTabSz="685800" rtl="0" eaLnBrk="1" latinLnBrk="0" hangingPunct="1">
+        <a:defRPr sz="1350" kern="1200">
           <a:solidFill>
             <a:schemeClr val="tx1"/>
           </a:solidFill>
@@ -3772,8 +3132,8 @@
           <a:cs typeface="+mn-cs"/>
         </a:defRPr>
       </a:lvl7pPr>
-      <a:lvl8pPr marL="3200400" algn="l" defTabSz="914400" rtl="0" eaLnBrk="1" latinLnBrk="0" hangingPunct="1">
-        <a:defRPr kumimoji="1" sz="1800" kern="1200">
+      <a:lvl8pPr marL="2400300" algn="l" defTabSz="685800" rtl="0" eaLnBrk="1" latinLnBrk="0" hangingPunct="1">
+        <a:defRPr sz="1350" kern="1200">
           <a:solidFill>
             <a:schemeClr val="tx1"/>
           </a:solidFill>
@@ -3782,8 +3142,8 @@
           <a:cs typeface="+mn-cs"/>
         </a:defRPr>
       </a:lvl8pPr>
-      <a:lvl9pPr marL="3657600" algn="l" defTabSz="914400" rtl="0" eaLnBrk="1" latinLnBrk="0" hangingPunct="1">
-        <a:defRPr kumimoji="1" sz="1800" kern="1200">
+      <a:lvl9pPr marL="2743200" algn="l" defTabSz="685800" rtl="0" eaLnBrk="1" latinLnBrk="0" hangingPunct="1">
+        <a:defRPr sz="1350" kern="1200">
           <a:solidFill>
             <a:schemeClr val="tx1"/>
           </a:solidFill>
@@ -3828,8 +3188,8 @@
         </p:nvSpPr>
         <p:spPr>
           <a:xfrm>
-            <a:off x="2132307" y="68802"/>
-            <a:ext cx="8949438" cy="461665"/>
+            <a:off x="1618458" y="51602"/>
+            <a:ext cx="6673623" cy="369332"/>
           </a:xfrm>
           <a:prstGeom prst="rect">
             <a:avLst/>
@@ -3844,20 +3204,13 @@
           <a:p>
             <a:pPr algn="ctr"/>
             <a:r>
-              <a:rPr lang="en-US" altLang="ja-JP" sz="2400" dirty="0">
+              <a:rPr lang="en-US" altLang="ja-JP" sz="1800" dirty="0">
                 <a:latin typeface="Arial" panose="020B0604020202020204" pitchFamily="34" charset="0"/>
                 <a:cs typeface="Arial" panose="020B0604020202020204" pitchFamily="34" charset="0"/>
               </a:rPr>
-              <a:t>S</a:t>
-            </a:r>
-            <a:r>
-              <a:rPr kumimoji="1" lang="en-US" altLang="ja-JP" sz="2400" dirty="0">
-                <a:latin typeface="Arial" panose="020B0604020202020204" pitchFamily="34" charset="0"/>
-                <a:cs typeface="Arial" panose="020B0604020202020204" pitchFamily="34" charset="0"/>
-              </a:rPr>
-              <a:t>mart Sensing of Blood Pressure Using Photoplethysmography</a:t>
-            </a:r>
-            <a:endParaRPr kumimoji="1" lang="ja-JP" altLang="en-US" sz="2400" dirty="0">
+              <a:t>Smart Sensing of Blood Pressure Using Photoplethysmography</a:t>
+            </a:r>
+            <a:endParaRPr lang="ja-JP" altLang="en-US" sz="1800" dirty="0">
               <a:latin typeface="Arial" panose="020B0604020202020204" pitchFamily="34" charset="0"/>
               <a:cs typeface="Arial" panose="020B0604020202020204" pitchFamily="34" charset="0"/>
             </a:endParaRPr>
@@ -3878,8 +3231,8 @@
         </p:nvSpPr>
         <p:spPr>
           <a:xfrm>
-            <a:off x="4432569" y="541098"/>
-            <a:ext cx="2881687" cy="338554"/>
+            <a:off x="3303123" y="405824"/>
+            <a:ext cx="2203873" cy="276999"/>
           </a:xfrm>
           <a:prstGeom prst="rect">
             <a:avLst/>
@@ -3894,7 +3247,7 @@
           <a:p>
             <a:pPr algn="ctr"/>
             <a:r>
-              <a:rPr kumimoji="1" lang="en-US" altLang="ja-JP" sz="1600" dirty="0">
+              <a:rPr lang="en-US" altLang="ja-JP" sz="1200" dirty="0">
                 <a:latin typeface="Arial" panose="020B0604020202020204" pitchFamily="34" charset="0"/>
                 <a:cs typeface="Arial" panose="020B0604020202020204" pitchFamily="34" charset="0"/>
               </a:rPr>
@@ -3917,10 +3270,10 @@
         </p:nvGrpSpPr>
         <p:grpSpPr>
           <a:xfrm>
-            <a:off x="1312709" y="114685"/>
-            <a:ext cx="888807" cy="415782"/>
+            <a:off x="984532" y="86014"/>
+            <a:ext cx="666605" cy="299875"/>
             <a:chOff x="3307613" y="210513"/>
-            <a:chExt cx="888807" cy="415782"/>
+            <a:chExt cx="888807" cy="399833"/>
           </a:xfrm>
         </p:grpSpPr>
         <p:sp>
@@ -3973,7 +3326,7 @@
             <a:lstStyle/>
             <a:p>
               <a:pPr algn="ctr"/>
-              <a:endParaRPr kumimoji="1" lang="ja-JP" altLang="en-US"/>
+              <a:endParaRPr lang="ja-JP" altLang="en-US" sz="1013"/>
             </a:p>
           </p:txBody>
         </p:sp>
@@ -3992,7 +3345,7 @@
           <p:spPr>
             <a:xfrm>
               <a:off x="3319805" y="248444"/>
-              <a:ext cx="876615" cy="377851"/>
+              <a:ext cx="876615" cy="330945"/>
             </a:xfrm>
             <a:prstGeom prst="rect">
               <a:avLst/>
@@ -4006,10 +3359,10 @@
             <a:lstStyle/>
             <a:p>
               <a:r>
-                <a:rPr kumimoji="1" lang="en-US" altLang="ja-JP" b="1" dirty="0"/>
+                <a:rPr lang="en-US" altLang="ja-JP" sz="1013" b="1" dirty="0"/>
                 <a:t>21P78</a:t>
               </a:r>
-              <a:endParaRPr kumimoji="1" lang="ja-JP" altLang="en-US" b="1"/>
+              <a:endParaRPr lang="ja-JP" altLang="en-US" sz="1013" b="1"/>
             </a:p>
           </p:txBody>
         </p:sp>
@@ -4043,8 +3396,8 @@
         </p:blipFill>
         <p:spPr bwMode="auto">
           <a:xfrm>
-            <a:off x="-1" y="-1"/>
-            <a:ext cx="1180523" cy="1087065"/>
+            <a:off x="0" y="-1"/>
+            <a:ext cx="885392" cy="815299"/>
           </a:xfrm>
           <a:prstGeom prst="rect">
             <a:avLst/>
@@ -4090,8 +3443,8 @@
         </p:blipFill>
         <p:spPr bwMode="auto">
           <a:xfrm>
-            <a:off x="11081745" y="103133"/>
-            <a:ext cx="1078645" cy="973476"/>
+            <a:off x="8311309" y="77350"/>
+            <a:ext cx="808984" cy="730107"/>
           </a:xfrm>
           <a:prstGeom prst="rect">
             <a:avLst/>
@@ -4124,8 +3477,8 @@
         </p:nvCxnSpPr>
         <p:spPr>
           <a:xfrm>
-            <a:off x="1389888" y="1037411"/>
-            <a:ext cx="9440408" cy="8675"/>
+            <a:off x="1042416" y="778059"/>
+            <a:ext cx="7080306" cy="6506"/>
           </a:xfrm>
           <a:prstGeom prst="line">
             <a:avLst/>
@@ -4161,8 +3514,8 @@
         </p:nvSpPr>
         <p:spPr>
           <a:xfrm>
-            <a:off x="254955" y="1581489"/>
-            <a:ext cx="3742624" cy="1569660"/>
+            <a:off x="191216" y="1186117"/>
+            <a:ext cx="2806968" cy="1200329"/>
           </a:xfrm>
           <a:prstGeom prst="rect">
             <a:avLst/>
@@ -4182,7 +3535,7 @@
           <a:p>
             <a:pPr algn="just"/>
             <a:r>
-              <a:rPr lang="en-ZA" sz="1200" dirty="0">
+              <a:rPr lang="en-ZA" sz="900" dirty="0">
                 <a:latin typeface="Arial" panose="020B0604020202020204" pitchFamily="34" charset="0"/>
                 <a:cs typeface="Arial" panose="020B0604020202020204" pitchFamily="34" charset="0"/>
               </a:rPr>
@@ -4191,7 +3544,7 @@
           </a:p>
           <a:p>
             <a:pPr algn="just"/>
-            <a:endParaRPr lang="en-ZA" sz="1200" dirty="0">
+            <a:endParaRPr lang="en-ZA" sz="900" dirty="0">
               <a:latin typeface="Arial" panose="020B0604020202020204" pitchFamily="34" charset="0"/>
               <a:cs typeface="Arial" panose="020B0604020202020204" pitchFamily="34" charset="0"/>
             </a:endParaRPr>
@@ -4199,7 +3552,7 @@
           <a:p>
             <a:pPr algn="just"/>
             <a:r>
-              <a:rPr lang="en-ZA" sz="1200" dirty="0">
+              <a:rPr lang="en-ZA" sz="900" dirty="0">
                 <a:latin typeface="Arial" panose="020B0604020202020204" pitchFamily="34" charset="0"/>
                 <a:cs typeface="Arial" panose="020B0604020202020204" pitchFamily="34" charset="0"/>
               </a:rPr>
@@ -4208,7 +3561,7 @@
           </a:p>
           <a:p>
             <a:pPr algn="just"/>
-            <a:endParaRPr lang="en-ZA" sz="1200" dirty="0">
+            <a:endParaRPr lang="en-ZA" sz="900" dirty="0">
               <a:latin typeface="Arial" panose="020B0604020202020204" pitchFamily="34" charset="0"/>
               <a:cs typeface="Arial" panose="020B0604020202020204" pitchFamily="34" charset="0"/>
             </a:endParaRPr>
@@ -4216,7 +3569,7 @@
           <a:p>
             <a:pPr algn="just"/>
             <a:r>
-              <a:rPr lang="en-ZA" sz="1200" dirty="0">
+              <a:rPr lang="en-ZA" sz="900" dirty="0">
                 <a:latin typeface="Arial" panose="020B0604020202020204" pitchFamily="34" charset="0"/>
                 <a:cs typeface="Arial" panose="020B0604020202020204" pitchFamily="34" charset="0"/>
               </a:rPr>
@@ -4239,8 +3592,8 @@
         </p:nvSpPr>
         <p:spPr>
           <a:xfrm>
-            <a:off x="254955" y="3915673"/>
-            <a:ext cx="3742624" cy="2308324"/>
+            <a:off x="191216" y="2936755"/>
+            <a:ext cx="2806968" cy="1754326"/>
           </a:xfrm>
           <a:prstGeom prst="rect">
             <a:avLst/>
@@ -4260,7 +3613,7 @@
           <a:p>
             <a:pPr algn="just"/>
             <a:r>
-              <a:rPr lang="en-ZA" sz="1200" dirty="0">
+              <a:rPr lang="en-ZA" sz="900" dirty="0">
                 <a:latin typeface="Arial" panose="020B0604020202020204" pitchFamily="34" charset="0"/>
                 <a:cs typeface="Arial" panose="020B0604020202020204" pitchFamily="34" charset="0"/>
               </a:rPr>
@@ -4269,7 +3622,7 @@
           </a:p>
           <a:p>
             <a:pPr algn="just"/>
-            <a:endParaRPr lang="en-ZA" sz="1200" dirty="0">
+            <a:endParaRPr lang="en-ZA" sz="900" dirty="0">
               <a:latin typeface="Arial" panose="020B0604020202020204" pitchFamily="34" charset="0"/>
               <a:cs typeface="Arial" panose="020B0604020202020204" pitchFamily="34" charset="0"/>
             </a:endParaRPr>
@@ -4277,7 +3630,7 @@
           <a:p>
             <a:pPr algn="just"/>
             <a:r>
-              <a:rPr lang="en-ZA" sz="1200" dirty="0">
+              <a:rPr lang="en-ZA" sz="900" dirty="0">
                 <a:latin typeface="Arial" panose="020B0604020202020204" pitchFamily="34" charset="0"/>
                 <a:cs typeface="Arial" panose="020B0604020202020204" pitchFamily="34" charset="0"/>
               </a:rPr>
@@ -4286,7 +3639,7 @@
           </a:p>
           <a:p>
             <a:pPr algn="just"/>
-            <a:endParaRPr lang="en-ZA" sz="1200" dirty="0">
+            <a:endParaRPr lang="en-ZA" sz="900" dirty="0">
               <a:latin typeface="Arial" panose="020B0604020202020204" pitchFamily="34" charset="0"/>
               <a:cs typeface="Arial" panose="020B0604020202020204" pitchFamily="34" charset="0"/>
             </a:endParaRPr>
@@ -4294,13 +3647,13 @@
           <a:p>
             <a:pPr algn="just"/>
             <a:r>
-              <a:rPr lang="en-ZA" sz="1200" dirty="0">
+              <a:rPr lang="en-ZA" sz="900" dirty="0">
                 <a:latin typeface="Arial" panose="020B0604020202020204" pitchFamily="34" charset="0"/>
                 <a:cs typeface="Arial" panose="020B0604020202020204" pitchFamily="34" charset="0"/>
               </a:rPr>
               <a:t>ADD A LINE OR TWO</a:t>
             </a:r>
-            <a:endParaRPr lang="en-US" sz="1200" dirty="0">
+            <a:endParaRPr lang="en-US" sz="900" dirty="0">
               <a:latin typeface="Arial" panose="020B0604020202020204" pitchFamily="34" charset="0"/>
               <a:cs typeface="Arial" panose="020B0604020202020204" pitchFamily="34" charset="0"/>
             </a:endParaRPr>
@@ -4321,8 +3674,8 @@
         </p:nvSpPr>
         <p:spPr>
           <a:xfrm>
-            <a:off x="4219146" y="1590245"/>
-            <a:ext cx="3742624" cy="1015663"/>
+            <a:off x="3164360" y="1192684"/>
+            <a:ext cx="2806968" cy="784830"/>
           </a:xfrm>
           <a:prstGeom prst="rect">
             <a:avLst/>
@@ -4342,7 +3695,7 @@
           <a:p>
             <a:pPr algn="just"/>
             <a:r>
-              <a:rPr lang="en-ZA" sz="1200" dirty="0">
+              <a:rPr lang="en-ZA" sz="900" dirty="0">
                 <a:latin typeface="Arial" panose="020B0604020202020204" pitchFamily="34" charset="0"/>
                 <a:cs typeface="Arial" panose="020B0604020202020204" pitchFamily="34" charset="0"/>
               </a:rPr>
@@ -4365,8 +3718,8 @@
         </p:nvSpPr>
         <p:spPr>
           <a:xfrm>
-            <a:off x="8263639" y="5885997"/>
-            <a:ext cx="3742624" cy="784830"/>
+            <a:off x="6197729" y="4414498"/>
+            <a:ext cx="2806968" cy="611706"/>
           </a:xfrm>
           <a:prstGeom prst="rect">
             <a:avLst/>
@@ -4385,118 +3738,118 @@
           <a:lstStyle/>
           <a:p>
             <a:r>
-              <a:rPr lang="en-ZA" sz="1500" dirty="0">
+              <a:rPr lang="en-ZA" sz="1125" dirty="0">
                 <a:latin typeface="Arial" panose="020B0604020202020204" pitchFamily="34" charset="0"/>
                 <a:cs typeface="Arial" panose="020B0604020202020204" pitchFamily="34" charset="0"/>
               </a:rPr>
               <a:t>[1] Lorem ipsum </a:t>
             </a:r>
             <a:r>
-              <a:rPr lang="en-ZA" sz="1500" dirty="0" err="1">
+              <a:rPr lang="en-ZA" sz="1125" dirty="0" err="1">
                 <a:latin typeface="Arial" panose="020B0604020202020204" pitchFamily="34" charset="0"/>
                 <a:cs typeface="Arial" panose="020B0604020202020204" pitchFamily="34" charset="0"/>
               </a:rPr>
               <a:t>dolor</a:t>
             </a:r>
             <a:r>
-              <a:rPr lang="en-ZA" sz="1500" dirty="0">
+              <a:rPr lang="en-ZA" sz="1125" dirty="0">
                 <a:latin typeface="Arial" panose="020B0604020202020204" pitchFamily="34" charset="0"/>
                 <a:cs typeface="Arial" panose="020B0604020202020204" pitchFamily="34" charset="0"/>
               </a:rPr>
               <a:t> sit </a:t>
             </a:r>
             <a:r>
-              <a:rPr lang="en-ZA" sz="1500" dirty="0" err="1">
+              <a:rPr lang="en-ZA" sz="1125" dirty="0" err="1">
                 <a:latin typeface="Arial" panose="020B0604020202020204" pitchFamily="34" charset="0"/>
                 <a:cs typeface="Arial" panose="020B0604020202020204" pitchFamily="34" charset="0"/>
               </a:rPr>
               <a:t>amet</a:t>
             </a:r>
             <a:r>
-              <a:rPr lang="en-ZA" sz="1500" dirty="0">
+              <a:rPr lang="en-ZA" sz="1125" dirty="0">
                 <a:latin typeface="Arial" panose="020B0604020202020204" pitchFamily="34" charset="0"/>
                 <a:cs typeface="Arial" panose="020B0604020202020204" pitchFamily="34" charset="0"/>
               </a:rPr>
               <a:t>, </a:t>
             </a:r>
             <a:r>
-              <a:rPr lang="en-ZA" sz="1500" dirty="0" err="1">
+              <a:rPr lang="en-ZA" sz="1125" dirty="0" err="1">
                 <a:latin typeface="Arial" panose="020B0604020202020204" pitchFamily="34" charset="0"/>
                 <a:cs typeface="Arial" panose="020B0604020202020204" pitchFamily="34" charset="0"/>
               </a:rPr>
               <a:t>consectetur</a:t>
             </a:r>
             <a:r>
-              <a:rPr lang="en-ZA" sz="1500" dirty="0">
+              <a:rPr lang="en-ZA" sz="1125" dirty="0">
                 <a:latin typeface="Arial" panose="020B0604020202020204" pitchFamily="34" charset="0"/>
                 <a:cs typeface="Arial" panose="020B0604020202020204" pitchFamily="34" charset="0"/>
               </a:rPr>
               <a:t> </a:t>
             </a:r>
             <a:r>
-              <a:rPr lang="en-ZA" sz="1500" dirty="0" err="1">
+              <a:rPr lang="en-ZA" sz="1125" dirty="0" err="1">
                 <a:latin typeface="Arial" panose="020B0604020202020204" pitchFamily="34" charset="0"/>
                 <a:cs typeface="Arial" panose="020B0604020202020204" pitchFamily="34" charset="0"/>
               </a:rPr>
               <a:t>adipiscing</a:t>
             </a:r>
             <a:r>
-              <a:rPr lang="en-ZA" sz="1500" dirty="0">
+              <a:rPr lang="en-ZA" sz="1125" dirty="0">
                 <a:latin typeface="Arial" panose="020B0604020202020204" pitchFamily="34" charset="0"/>
                 <a:cs typeface="Arial" panose="020B0604020202020204" pitchFamily="34" charset="0"/>
               </a:rPr>
               <a:t> </a:t>
             </a:r>
             <a:r>
-              <a:rPr lang="en-ZA" sz="1500" dirty="0" err="1">
+              <a:rPr lang="en-ZA" sz="1125" dirty="0" err="1">
                 <a:latin typeface="Arial" panose="020B0604020202020204" pitchFamily="34" charset="0"/>
                 <a:cs typeface="Arial" panose="020B0604020202020204" pitchFamily="34" charset="0"/>
               </a:rPr>
               <a:t>elit</a:t>
             </a:r>
             <a:r>
-              <a:rPr lang="en-ZA" sz="1500" dirty="0">
+              <a:rPr lang="en-ZA" sz="1125" dirty="0">
                 <a:latin typeface="Arial" panose="020B0604020202020204" pitchFamily="34" charset="0"/>
                 <a:cs typeface="Arial" panose="020B0604020202020204" pitchFamily="34" charset="0"/>
               </a:rPr>
               <a:t>, </a:t>
             </a:r>
             <a:r>
-              <a:rPr lang="en-ZA" sz="1500" dirty="0" err="1">
+              <a:rPr lang="en-ZA" sz="1125" dirty="0" err="1">
                 <a:latin typeface="Arial" panose="020B0604020202020204" pitchFamily="34" charset="0"/>
                 <a:cs typeface="Arial" panose="020B0604020202020204" pitchFamily="34" charset="0"/>
               </a:rPr>
               <a:t>sed</a:t>
             </a:r>
             <a:r>
-              <a:rPr lang="en-ZA" sz="1500" dirty="0">
+              <a:rPr lang="en-ZA" sz="1125" dirty="0">
                 <a:latin typeface="Arial" panose="020B0604020202020204" pitchFamily="34" charset="0"/>
                 <a:cs typeface="Arial" panose="020B0604020202020204" pitchFamily="34" charset="0"/>
               </a:rPr>
               <a:t> do </a:t>
             </a:r>
             <a:r>
-              <a:rPr lang="en-ZA" sz="1500" dirty="0" err="1">
+              <a:rPr lang="en-ZA" sz="1125" dirty="0" err="1">
                 <a:latin typeface="Arial" panose="020B0604020202020204" pitchFamily="34" charset="0"/>
                 <a:cs typeface="Arial" panose="020B0604020202020204" pitchFamily="34" charset="0"/>
               </a:rPr>
               <a:t>eiusmod</a:t>
             </a:r>
             <a:r>
-              <a:rPr lang="en-ZA" sz="1500" dirty="0">
+              <a:rPr lang="en-ZA" sz="1125" dirty="0">
                 <a:latin typeface="Arial" panose="020B0604020202020204" pitchFamily="34" charset="0"/>
                 <a:cs typeface="Arial" panose="020B0604020202020204" pitchFamily="34" charset="0"/>
               </a:rPr>
               <a:t> </a:t>
             </a:r>
             <a:r>
-              <a:rPr lang="en-ZA" sz="1500" dirty="0" err="1">
+              <a:rPr lang="en-ZA" sz="1125" dirty="0" err="1">
                 <a:latin typeface="Arial" panose="020B0604020202020204" pitchFamily="34" charset="0"/>
                 <a:cs typeface="Arial" panose="020B0604020202020204" pitchFamily="34" charset="0"/>
               </a:rPr>
               <a:t>tempor</a:t>
             </a:r>
-            <a:endParaRPr lang="en-US" sz="1500" dirty="0"/>
+            <a:endParaRPr lang="en-US" sz="1125" dirty="0"/>
           </a:p>
         </p:txBody>
       </p:sp>
@@ -4514,8 +3867,8 @@
         </p:nvSpPr>
         <p:spPr>
           <a:xfrm>
-            <a:off x="8263639" y="3875353"/>
-            <a:ext cx="3742624" cy="1015663"/>
+            <a:off x="6197729" y="2906515"/>
+            <a:ext cx="2806968" cy="784830"/>
           </a:xfrm>
           <a:prstGeom prst="rect">
             <a:avLst/>
@@ -4534,7 +3887,7 @@
           <a:lstStyle/>
           <a:p>
             <a:r>
-              <a:rPr lang="en-ZA" sz="1200" dirty="0">
+              <a:rPr lang="en-ZA" sz="900" dirty="0">
                 <a:latin typeface="Arial" panose="020B0604020202020204" pitchFamily="34" charset="0"/>
                 <a:cs typeface="Arial" panose="020B0604020202020204" pitchFamily="34" charset="0"/>
               </a:rPr>
@@ -4543,13 +3896,13 @@
           </a:p>
           <a:p>
             <a:r>
-              <a:rPr lang="en-ZA" sz="1200" dirty="0">
+              <a:rPr lang="en-ZA" sz="900" dirty="0">
                 <a:latin typeface="Arial" panose="020B0604020202020204" pitchFamily="34" charset="0"/>
                 <a:cs typeface="Arial" panose="020B0604020202020204" pitchFamily="34" charset="0"/>
               </a:rPr>
               <a:t> … 1 more line …</a:t>
             </a:r>
-            <a:endParaRPr lang="en-US" sz="1200" dirty="0">
+            <a:endParaRPr lang="en-US" sz="900" dirty="0">
               <a:latin typeface="Arial" panose="020B0604020202020204" pitchFamily="34" charset="0"/>
               <a:cs typeface="Arial" panose="020B0604020202020204" pitchFamily="34" charset="0"/>
             </a:endParaRPr>
@@ -4570,8 +3923,8 @@
         </p:nvSpPr>
         <p:spPr>
           <a:xfrm>
-            <a:off x="8236953" y="1606367"/>
-            <a:ext cx="3742624" cy="461665"/>
+            <a:off x="6177715" y="1204775"/>
+            <a:ext cx="2806968" cy="369332"/>
           </a:xfrm>
           <a:prstGeom prst="rect">
             <a:avLst/>
@@ -4590,13 +3943,13 @@
           <a:lstStyle/>
           <a:p>
             <a:r>
-              <a:rPr lang="en-ZA" sz="1200" dirty="0">
+              <a:rPr lang="en-ZA" sz="900" dirty="0">
                 <a:latin typeface="Arial" panose="020B0604020202020204" pitchFamily="34" charset="0"/>
                 <a:cs typeface="Arial" panose="020B0604020202020204" pitchFamily="34" charset="0"/>
               </a:rPr>
               <a:t>We could reduce this section or omit it to make space for more results</a:t>
             </a:r>
-            <a:endParaRPr lang="en-US" sz="1200" dirty="0">
+            <a:endParaRPr lang="en-US" sz="900" dirty="0">
               <a:latin typeface="Arial" panose="020B0604020202020204" pitchFamily="34" charset="0"/>
               <a:cs typeface="Arial" panose="020B0604020202020204" pitchFamily="34" charset="0"/>
             </a:endParaRPr>
@@ -4617,8 +3970,8 @@
         </p:nvSpPr>
         <p:spPr>
           <a:xfrm>
-            <a:off x="638832" y="1188415"/>
-            <a:ext cx="2986949" cy="316036"/>
+            <a:off x="479124" y="891311"/>
+            <a:ext cx="2240212" cy="237027"/>
           </a:xfrm>
           <a:prstGeom prst="roundRect">
             <a:avLst/>
@@ -4649,7 +4002,7 @@
           <a:p>
             <a:pPr algn="ctr"/>
             <a:r>
-              <a:rPr lang="en-US" sz="1400" b="1" dirty="0">
+              <a:rPr lang="en-US" sz="1050" b="1" dirty="0">
                 <a:solidFill>
                   <a:schemeClr val="tx1"/>
                 </a:solidFill>
@@ -4675,8 +4028,8 @@
         </p:nvSpPr>
         <p:spPr>
           <a:xfrm>
-            <a:off x="4180125" y="4498600"/>
-            <a:ext cx="3742624" cy="323165"/>
+            <a:off x="3097022" y="3795725"/>
+            <a:ext cx="2806968" cy="265457"/>
           </a:xfrm>
           <a:prstGeom prst="rect">
             <a:avLst/>
@@ -4695,7 +4048,7 @@
           <a:lstStyle/>
           <a:p>
             <a:r>
-              <a:rPr lang="en-ZA" sz="1500" dirty="0">
+              <a:rPr lang="en-ZA" sz="1125" dirty="0">
                 <a:latin typeface="Arial" panose="020B0604020202020204" pitchFamily="34" charset="0"/>
                 <a:cs typeface="Arial" panose="020B0604020202020204" pitchFamily="34" charset="0"/>
               </a:rPr>
@@ -4704,12 +4057,368 @@
           </a:p>
         </p:txBody>
       </p:sp>
+      <p:sp>
+        <p:nvSpPr>
+          <p:cNvPr id="63" name="Rounded Rectangle 62">
+            <a:extLst>
+              <a:ext uri="{FF2B5EF4-FFF2-40B4-BE49-F238E27FC236}">
+                <a16:creationId xmlns:a16="http://schemas.microsoft.com/office/drawing/2014/main" id="{956A5D88-1140-FE4D-A9BE-AAE1ADE0308E}"/>
+              </a:ext>
+            </a:extLst>
+          </p:cNvPr>
+          <p:cNvSpPr/>
+          <p:nvPr/>
+        </p:nvSpPr>
+        <p:spPr>
+          <a:xfrm>
+            <a:off x="442695" y="2613917"/>
+            <a:ext cx="2240212" cy="237027"/>
+          </a:xfrm>
+          <a:prstGeom prst="roundRect">
+            <a:avLst/>
+          </a:prstGeom>
+          <a:solidFill>
+            <a:srgbClr val="849DAB"/>
+          </a:solidFill>
+        </p:spPr>
+        <p:style>
+          <a:lnRef idx="2">
+            <a:schemeClr val="accent1">
+              <a:shade val="50000"/>
+            </a:schemeClr>
+          </a:lnRef>
+          <a:fillRef idx="1">
+            <a:schemeClr val="accent1"/>
+          </a:fillRef>
+          <a:effectRef idx="0">
+            <a:schemeClr val="accent1"/>
+          </a:effectRef>
+          <a:fontRef idx="minor">
+            <a:schemeClr val="lt1"/>
+          </a:fontRef>
+        </p:style>
+        <p:txBody>
+          <a:bodyPr rtlCol="0" anchor="ctr"/>
+          <a:lstStyle/>
+          <a:p>
+            <a:pPr algn="ctr"/>
+            <a:r>
+              <a:rPr lang="en-US" sz="1050" b="1" dirty="0">
+                <a:solidFill>
+                  <a:schemeClr val="tx1"/>
+                </a:solidFill>
+                <a:latin typeface="Arial" panose="020B0604020202020204" pitchFamily="34" charset="0"/>
+                <a:cs typeface="Arial" panose="020B0604020202020204" pitchFamily="34" charset="0"/>
+              </a:rPr>
+              <a:t>METHOD</a:t>
+            </a:r>
+          </a:p>
+        </p:txBody>
+      </p:sp>
+      <p:sp>
+        <p:nvSpPr>
+          <p:cNvPr id="64" name="Rounded Rectangle 63">
+            <a:extLst>
+              <a:ext uri="{FF2B5EF4-FFF2-40B4-BE49-F238E27FC236}">
+                <a16:creationId xmlns:a16="http://schemas.microsoft.com/office/drawing/2014/main" id="{1DBAE2F8-563C-C848-95F6-93D1D23F28ED}"/>
+              </a:ext>
+            </a:extLst>
+          </p:cNvPr>
+          <p:cNvSpPr/>
+          <p:nvPr/>
+        </p:nvSpPr>
+        <p:spPr>
+          <a:xfrm>
+            <a:off x="3451894" y="902884"/>
+            <a:ext cx="2240212" cy="237027"/>
+          </a:xfrm>
+          <a:prstGeom prst="roundRect">
+            <a:avLst/>
+          </a:prstGeom>
+          <a:solidFill>
+            <a:srgbClr val="849DAB"/>
+          </a:solidFill>
+        </p:spPr>
+        <p:style>
+          <a:lnRef idx="2">
+            <a:schemeClr val="accent1">
+              <a:shade val="50000"/>
+            </a:schemeClr>
+          </a:lnRef>
+          <a:fillRef idx="1">
+            <a:schemeClr val="accent1"/>
+          </a:fillRef>
+          <a:effectRef idx="0">
+            <a:schemeClr val="accent1"/>
+          </a:effectRef>
+          <a:fontRef idx="minor">
+            <a:schemeClr val="lt1"/>
+          </a:fontRef>
+        </p:style>
+        <p:txBody>
+          <a:bodyPr rtlCol="0" anchor="ctr"/>
+          <a:lstStyle/>
+          <a:p>
+            <a:pPr algn="ctr"/>
+            <a:r>
+              <a:rPr lang="en-US" sz="1050" b="1" dirty="0">
+                <a:solidFill>
+                  <a:schemeClr val="tx1"/>
+                </a:solidFill>
+                <a:latin typeface="Arial" panose="020B0604020202020204" pitchFamily="34" charset="0"/>
+                <a:cs typeface="Arial" panose="020B0604020202020204" pitchFamily="34" charset="0"/>
+              </a:rPr>
+              <a:t>RESULTS</a:t>
+            </a:r>
+          </a:p>
+        </p:txBody>
+      </p:sp>
+      <p:sp>
+        <p:nvSpPr>
+          <p:cNvPr id="65" name="Rounded Rectangle 64">
+            <a:extLst>
+              <a:ext uri="{FF2B5EF4-FFF2-40B4-BE49-F238E27FC236}">
+                <a16:creationId xmlns:a16="http://schemas.microsoft.com/office/drawing/2014/main" id="{8DAC1066-3E7E-D543-9E1F-B63AD191E146}"/>
+              </a:ext>
+            </a:extLst>
+          </p:cNvPr>
+          <p:cNvSpPr/>
+          <p:nvPr/>
+        </p:nvSpPr>
+        <p:spPr>
+          <a:xfrm>
+            <a:off x="6481107" y="902884"/>
+            <a:ext cx="2240212" cy="237027"/>
+          </a:xfrm>
+          <a:prstGeom prst="roundRect">
+            <a:avLst/>
+          </a:prstGeom>
+          <a:solidFill>
+            <a:srgbClr val="849DAB"/>
+          </a:solidFill>
+        </p:spPr>
+        <p:style>
+          <a:lnRef idx="2">
+            <a:schemeClr val="accent1">
+              <a:shade val="50000"/>
+            </a:schemeClr>
+          </a:lnRef>
+          <a:fillRef idx="1">
+            <a:schemeClr val="accent1"/>
+          </a:fillRef>
+          <a:effectRef idx="0">
+            <a:schemeClr val="accent1"/>
+          </a:effectRef>
+          <a:fontRef idx="minor">
+            <a:schemeClr val="lt1"/>
+          </a:fontRef>
+        </p:style>
+        <p:txBody>
+          <a:bodyPr rtlCol="0" anchor="ctr"/>
+          <a:lstStyle/>
+          <a:p>
+            <a:pPr algn="ctr"/>
+            <a:r>
+              <a:rPr lang="en-US" sz="1050" b="1" dirty="0">
+                <a:solidFill>
+                  <a:schemeClr val="tx1"/>
+                </a:solidFill>
+                <a:latin typeface="Arial" panose="020B0604020202020204" pitchFamily="34" charset="0"/>
+                <a:cs typeface="Arial" panose="020B0604020202020204" pitchFamily="34" charset="0"/>
+              </a:rPr>
+              <a:t>HARDWARE</a:t>
+            </a:r>
+          </a:p>
+        </p:txBody>
+      </p:sp>
+      <p:sp>
+        <p:nvSpPr>
+          <p:cNvPr id="66" name="Rounded Rectangle 65">
+            <a:extLst>
+              <a:ext uri="{FF2B5EF4-FFF2-40B4-BE49-F238E27FC236}">
+                <a16:creationId xmlns:a16="http://schemas.microsoft.com/office/drawing/2014/main" id="{19D655D8-1896-944B-8A48-F4C546951428}"/>
+              </a:ext>
+            </a:extLst>
+          </p:cNvPr>
+          <p:cNvSpPr/>
+          <p:nvPr/>
+        </p:nvSpPr>
+        <p:spPr>
+          <a:xfrm>
+            <a:off x="6461094" y="2606017"/>
+            <a:ext cx="2240212" cy="237027"/>
+          </a:xfrm>
+          <a:prstGeom prst="roundRect">
+            <a:avLst/>
+          </a:prstGeom>
+          <a:solidFill>
+            <a:srgbClr val="849DAB"/>
+          </a:solidFill>
+        </p:spPr>
+        <p:style>
+          <a:lnRef idx="2">
+            <a:schemeClr val="accent1">
+              <a:shade val="50000"/>
+            </a:schemeClr>
+          </a:lnRef>
+          <a:fillRef idx="1">
+            <a:schemeClr val="accent1"/>
+          </a:fillRef>
+          <a:effectRef idx="0">
+            <a:schemeClr val="accent1"/>
+          </a:effectRef>
+          <a:fontRef idx="minor">
+            <a:schemeClr val="lt1"/>
+          </a:fontRef>
+        </p:style>
+        <p:txBody>
+          <a:bodyPr rtlCol="0" anchor="ctr"/>
+          <a:lstStyle/>
+          <a:p>
+            <a:pPr algn="ctr"/>
+            <a:r>
+              <a:rPr lang="en-US" sz="1050" b="1" dirty="0">
+                <a:solidFill>
+                  <a:schemeClr val="tx1"/>
+                </a:solidFill>
+                <a:latin typeface="Arial" panose="020B0604020202020204" pitchFamily="34" charset="0"/>
+                <a:cs typeface="Arial" panose="020B0604020202020204" pitchFamily="34" charset="0"/>
+              </a:rPr>
+              <a:t>CONCLUSION</a:t>
+            </a:r>
+          </a:p>
+        </p:txBody>
+      </p:sp>
+      <p:sp>
+        <p:nvSpPr>
+          <p:cNvPr id="67" name="Rounded Rectangle 66">
+            <a:extLst>
+              <a:ext uri="{FF2B5EF4-FFF2-40B4-BE49-F238E27FC236}">
+                <a16:creationId xmlns:a16="http://schemas.microsoft.com/office/drawing/2014/main" id="{C25EBF6D-EA8C-6F4C-BBCD-61E3DB6B2417}"/>
+              </a:ext>
+            </a:extLst>
+          </p:cNvPr>
+          <p:cNvSpPr/>
+          <p:nvPr/>
+        </p:nvSpPr>
+        <p:spPr>
+          <a:xfrm>
+            <a:off x="6481107" y="4114000"/>
+            <a:ext cx="2240212" cy="237027"/>
+          </a:xfrm>
+          <a:prstGeom prst="roundRect">
+            <a:avLst/>
+          </a:prstGeom>
+          <a:solidFill>
+            <a:srgbClr val="849DAB"/>
+          </a:solidFill>
+        </p:spPr>
+        <p:style>
+          <a:lnRef idx="2">
+            <a:schemeClr val="accent1">
+              <a:shade val="50000"/>
+            </a:schemeClr>
+          </a:lnRef>
+          <a:fillRef idx="1">
+            <a:schemeClr val="accent1"/>
+          </a:fillRef>
+          <a:effectRef idx="0">
+            <a:schemeClr val="accent1"/>
+          </a:effectRef>
+          <a:fontRef idx="minor">
+            <a:schemeClr val="lt1"/>
+          </a:fontRef>
+        </p:style>
+        <p:txBody>
+          <a:bodyPr rtlCol="0" anchor="ctr"/>
+          <a:lstStyle/>
+          <a:p>
+            <a:pPr algn="ctr"/>
+            <a:r>
+              <a:rPr lang="en-US" sz="1050" b="1" dirty="0">
+                <a:solidFill>
+                  <a:schemeClr val="tx1"/>
+                </a:solidFill>
+                <a:latin typeface="Arial" panose="020B0604020202020204" pitchFamily="34" charset="0"/>
+                <a:cs typeface="Arial" panose="020B0604020202020204" pitchFamily="34" charset="0"/>
+              </a:rPr>
+              <a:t>REFERENCES</a:t>
+            </a:r>
+          </a:p>
+        </p:txBody>
+      </p:sp>
+      <p:pic>
+        <p:nvPicPr>
+          <p:cNvPr id="26" name="Picture 25" descr="Diagram&#10;&#10;Description automatically generated">
+            <a:extLst>
+              <a:ext uri="{FF2B5EF4-FFF2-40B4-BE49-F238E27FC236}">
+                <a16:creationId xmlns:a16="http://schemas.microsoft.com/office/drawing/2014/main" id="{8517117C-12AD-2141-9996-970F8298D7B3}"/>
+              </a:ext>
+            </a:extLst>
+          </p:cNvPr>
+          <p:cNvPicPr>
+            <a:picLocks noChangeAspect="1"/>
+          </p:cNvPicPr>
+          <p:nvPr/>
+        </p:nvPicPr>
+        <p:blipFill>
+          <a:blip r:embed="rId4">
+            <a:extLst>
+              <a:ext uri="{28A0092B-C50C-407E-A947-70E740481C1C}">
+                <a14:useLocalDpi xmlns:a14="http://schemas.microsoft.com/office/drawing/2010/main" val="0"/>
+              </a:ext>
+            </a:extLst>
+          </a:blip>
+          <a:stretch>
+            <a:fillRect/>
+          </a:stretch>
+        </p:blipFill>
+        <p:spPr>
+          <a:xfrm>
+            <a:off x="3097022" y="2079259"/>
+            <a:ext cx="3001869" cy="1365346"/>
+          </a:xfrm>
+          <a:prstGeom prst="rect">
+            <a:avLst/>
+          </a:prstGeom>
+        </p:spPr>
+      </p:pic>
+    </p:spTree>
+    <p:extLst>
+      <p:ext uri="{BB962C8B-B14F-4D97-AF65-F5344CB8AC3E}">
+        <p14:creationId xmlns:p14="http://schemas.microsoft.com/office/powerpoint/2010/main" val="2435124002"/>
+      </p:ext>
+    </p:extLst>
+  </p:cSld>
+  <p:clrMapOvr>
+    <a:masterClrMapping/>
+  </p:clrMapOvr>
+</p:sld>
+</file>
+
+<file path=ppt/slides/slide2.xml><?xml version="1.0" encoding="utf-8"?>
+<p:sld xmlns:a="http://schemas.openxmlformats.org/drawingml/2006/main" xmlns:r="http://schemas.openxmlformats.org/officeDocument/2006/relationships" xmlns:p="http://schemas.openxmlformats.org/presentationml/2006/main">
+  <p:cSld>
+    <p:spTree>
+      <p:nvGrpSpPr>
+        <p:cNvPr id="1" name=""/>
+        <p:cNvGrpSpPr/>
+        <p:nvPr/>
+      </p:nvGrpSpPr>
+      <p:grpSpPr>
+        <a:xfrm>
+          <a:off x="0" y="0"/>
+          <a:ext cx="0" cy="0"/>
+          <a:chOff x="0" y="0"/>
+          <a:chExt cx="0" cy="0"/>
+        </a:xfrm>
+      </p:grpSpPr>
       <p:graphicFrame>
         <p:nvGraphicFramePr>
-          <p:cNvPr id="24" name="Table 24">
+          <p:cNvPr id="4" name="Table 24">
             <a:extLst>
               <a:ext uri="{FF2B5EF4-FFF2-40B4-BE49-F238E27FC236}">
-                <a16:creationId xmlns:a16="http://schemas.microsoft.com/office/drawing/2014/main" id="{248214DE-11A4-3241-8F30-D8FEAA0315C8}"/>
+                <a16:creationId xmlns:a16="http://schemas.microsoft.com/office/drawing/2014/main" id="{210A9FB7-D417-3F45-8498-4F079ACAB79A}"/>
               </a:ext>
             </a:extLst>
           </p:cNvPr>
@@ -4719,14 +4428,14 @@
           <p:nvPr>
             <p:extLst>
               <p:ext uri="{D42A27DB-BD31-4B8C-83A1-F6EECF244321}">
-                <p14:modId xmlns:p14="http://schemas.microsoft.com/office/powerpoint/2010/main" val="3781306264"/>
+                <p14:modId xmlns:p14="http://schemas.microsoft.com/office/powerpoint/2010/main" val="2358785069"/>
               </p:ext>
             </p:extLst>
           </p:nvPr>
         </p:nvGraphicFramePr>
         <p:xfrm>
-          <a:off x="4249682" y="2988995"/>
-          <a:ext cx="3692636" cy="1112520"/>
+          <a:off x="3187262" y="2241746"/>
+          <a:ext cx="2769477" cy="834390"/>
         </p:xfrm>
         <a:graphic>
           <a:graphicData uri="http://schemas.openxmlformats.org/drawingml/2006/table">
@@ -4735,28 +4444,28 @@
                 <a:tableStyleId>{5C22544A-7EE6-4342-B048-85BDC9FD1C3A}</a:tableStyleId>
               </a:tblPr>
               <a:tblGrid>
-                <a:gridCol w="1211920">
+                <a:gridCol w="908940">
                   <a:extLst>
                     <a:ext uri="{9D8B030D-6E8A-4147-A177-3AD203B41FA5}">
                       <a16:colId xmlns:a16="http://schemas.microsoft.com/office/drawing/2014/main" val="1645403059"/>
                     </a:ext>
                   </a:extLst>
                 </a:gridCol>
-                <a:gridCol w="797796">
+                <a:gridCol w="598347">
                   <a:extLst>
                     <a:ext uri="{9D8B030D-6E8A-4147-A177-3AD203B41FA5}">
                       <a16:colId xmlns:a16="http://schemas.microsoft.com/office/drawing/2014/main" val="4200349213"/>
                     </a:ext>
                   </a:extLst>
                 </a:gridCol>
-                <a:gridCol w="810705">
+                <a:gridCol w="608029">
                   <a:extLst>
                     <a:ext uri="{9D8B030D-6E8A-4147-A177-3AD203B41FA5}">
                       <a16:colId xmlns:a16="http://schemas.microsoft.com/office/drawing/2014/main" val="3438653593"/>
                     </a:ext>
                   </a:extLst>
                 </a:gridCol>
-                <a:gridCol w="872215">
+                <a:gridCol w="654161">
                   <a:extLst>
                     <a:ext uri="{9D8B030D-6E8A-4147-A177-3AD203B41FA5}">
                       <a16:colId xmlns:a16="http://schemas.microsoft.com/office/drawing/2014/main" val="2923548438"/>
@@ -4764,14 +4473,14 @@
                   </a:extLst>
                 </a:gridCol>
               </a:tblGrid>
-              <a:tr h="370840">
+              <a:tr h="278130">
                 <a:tc>
                   <a:txBody>
                     <a:bodyPr/>
                     <a:lstStyle/>
                     <a:p>
                       <a:pPr algn="ctr"/>
-                      <a:endParaRPr lang="en-US" sz="1200" dirty="0">
+                      <a:endParaRPr lang="en-US" sz="900" dirty="0">
                         <a:solidFill>
                           <a:schemeClr val="tx1"/>
                         </a:solidFill>
@@ -4780,7 +4489,7 @@
                       </a:endParaRPr>
                     </a:p>
                   </a:txBody>
-                  <a:tcPr anchor="ctr">
+                  <a:tcPr marL="68580" marR="68580" marT="34290" marB="34290" anchor="ctr">
                     <a:lnL w="12700" cap="flat" cmpd="sng" algn="ctr">
                       <a:solidFill>
                         <a:schemeClr val="tx1"/>
@@ -4829,7 +4538,7 @@
                     <a:p>
                       <a:pPr algn="ctr"/>
                       <a:r>
-                        <a:rPr lang="en-US" sz="1200" dirty="0">
+                        <a:rPr lang="en-US" sz="900" dirty="0">
                           <a:solidFill>
                             <a:schemeClr val="tx1"/>
                           </a:solidFill>
@@ -4840,7 +4549,7 @@
                       </a:r>
                     </a:p>
                   </a:txBody>
-                  <a:tcPr anchor="ctr">
+                  <a:tcPr marL="68580" marR="68580" marT="34290" marB="34290" anchor="ctr">
                     <a:lnL w="12700" cap="flat" cmpd="sng" algn="ctr">
                       <a:solidFill>
                         <a:schemeClr val="tx1"/>
@@ -4889,7 +4598,7 @@
                     <a:p>
                       <a:pPr algn="ctr"/>
                       <a:r>
-                        <a:rPr lang="en-US" sz="1200" dirty="0">
+                        <a:rPr lang="en-US" sz="900" dirty="0">
                           <a:solidFill>
                             <a:schemeClr val="tx1"/>
                           </a:solidFill>
@@ -4900,7 +4609,7 @@
                       </a:r>
                     </a:p>
                   </a:txBody>
-                  <a:tcPr anchor="ctr">
+                  <a:tcPr marL="68580" marR="68580" marT="34290" marB="34290" anchor="ctr">
                     <a:lnL w="12700" cap="flat" cmpd="sng" algn="ctr">
                       <a:solidFill>
                         <a:schemeClr val="tx1"/>
@@ -4949,7 +4658,7 @@
                     <a:p>
                       <a:pPr algn="ctr"/>
                       <a:r>
-                        <a:rPr lang="en-US" sz="1200" dirty="0">
+                        <a:rPr lang="en-US" sz="900" dirty="0">
                           <a:solidFill>
                             <a:schemeClr val="tx1"/>
                           </a:solidFill>
@@ -4960,7 +4669,7 @@
                       </a:r>
                     </a:p>
                   </a:txBody>
-                  <a:tcPr anchor="ctr">
+                  <a:tcPr marL="68580" marR="68580" marT="34290" marB="34290" anchor="ctr">
                     <a:lnL w="12700" cap="flat" cmpd="sng" algn="ctr">
                       <a:solidFill>
                         <a:schemeClr val="tx1"/>
@@ -5008,14 +4717,14 @@
                   </a:ext>
                 </a:extLst>
               </a:tr>
-              <a:tr h="370840">
+              <a:tr h="278130">
                 <a:tc>
                   <a:txBody>
                     <a:bodyPr/>
                     <a:lstStyle/>
                     <a:p>
                       <a:r>
-                        <a:rPr lang="en-US" sz="1200" dirty="0">
+                        <a:rPr lang="en-US" sz="900" dirty="0">
                           <a:solidFill>
                             <a:schemeClr val="tx1"/>
                           </a:solidFill>
@@ -5026,7 +4735,7 @@
                       </a:r>
                     </a:p>
                   </a:txBody>
-                  <a:tcPr anchor="ctr">
+                  <a:tcPr marL="68580" marR="68580" marT="34290" marB="34290" anchor="ctr">
                     <a:lnL w="12700" cap="flat" cmpd="sng" algn="ctr">
                       <a:solidFill>
                         <a:schemeClr val="tx1"/>
@@ -5073,7 +4782,7 @@
                     <a:p>
                       <a:pPr algn="ctr"/>
                       <a:r>
-                        <a:rPr lang="en-US" sz="1200" dirty="0">
+                        <a:rPr lang="en-US" sz="900" dirty="0">
                           <a:solidFill>
                             <a:schemeClr val="tx1"/>
                           </a:solidFill>
@@ -5084,7 +4793,7 @@
                       </a:r>
                     </a:p>
                   </a:txBody>
-                  <a:tcPr anchor="ctr">
+                  <a:tcPr marL="68580" marR="68580" marT="34290" marB="34290" anchor="ctr">
                     <a:lnL w="12700" cap="flat" cmpd="sng" algn="ctr">
                       <a:solidFill>
                         <a:schemeClr val="tx1"/>
@@ -5131,7 +4840,7 @@
                     <a:p>
                       <a:pPr algn="ctr"/>
                       <a:r>
-                        <a:rPr lang="en-US" sz="1200" dirty="0">
+                        <a:rPr lang="en-US" sz="900" dirty="0">
                           <a:solidFill>
                             <a:schemeClr val="tx1"/>
                           </a:solidFill>
@@ -5142,7 +4851,7 @@
                       </a:r>
                     </a:p>
                   </a:txBody>
-                  <a:tcPr anchor="ctr">
+                  <a:tcPr marL="68580" marR="68580" marT="34290" marB="34290" anchor="ctr">
                     <a:lnL w="12700" cap="flat" cmpd="sng" algn="ctr">
                       <a:solidFill>
                         <a:schemeClr val="tx1"/>
@@ -5189,7 +4898,7 @@
                     <a:p>
                       <a:pPr algn="ctr"/>
                       <a:r>
-                        <a:rPr lang="en-US" sz="1200" dirty="0">
+                        <a:rPr lang="en-US" sz="900" dirty="0">
                           <a:solidFill>
                             <a:schemeClr val="tx1"/>
                           </a:solidFill>
@@ -5200,7 +4909,7 @@
                       </a:r>
                     </a:p>
                   </a:txBody>
-                  <a:tcPr anchor="ctr">
+                  <a:tcPr marL="68580" marR="68580" marT="34290" marB="34290" anchor="ctr">
                     <a:lnL w="12700" cap="flat" cmpd="sng" algn="ctr">
                       <a:solidFill>
                         <a:schemeClr val="tx1"/>
@@ -5246,14 +4955,14 @@
                   </a:ext>
                 </a:extLst>
               </a:tr>
-              <a:tr h="370840">
+              <a:tr h="278130">
                 <a:tc>
                   <a:txBody>
                     <a:bodyPr/>
                     <a:lstStyle/>
                     <a:p>
                       <a:r>
-                        <a:rPr lang="en-US" sz="1200" dirty="0">
+                        <a:rPr lang="en-US" sz="900" dirty="0">
                           <a:solidFill>
                             <a:schemeClr val="tx1"/>
                           </a:solidFill>
@@ -5263,7 +4972,7 @@
                         <a:t>R</a:t>
                       </a:r>
                       <a:r>
-                        <a:rPr lang="en-US" sz="1200" baseline="30000" dirty="0">
+                        <a:rPr lang="en-US" sz="900" baseline="30000" dirty="0">
                           <a:solidFill>
                             <a:schemeClr val="tx1"/>
                           </a:solidFill>
@@ -5274,7 +4983,7 @@
                       </a:r>
                     </a:p>
                   </a:txBody>
-                  <a:tcPr anchor="ctr">
+                  <a:tcPr marL="68580" marR="68580" marT="34290" marB="34290" anchor="ctr">
                     <a:lnL w="12700" cap="flat" cmpd="sng" algn="ctr">
                       <a:solidFill>
                         <a:schemeClr val="tx1"/>
@@ -5321,7 +5030,7 @@
                     <a:p>
                       <a:pPr algn="ctr"/>
                       <a:r>
-                        <a:rPr lang="en-US" sz="1200" dirty="0">
+                        <a:rPr lang="en-US" sz="900" dirty="0">
                           <a:solidFill>
                             <a:schemeClr val="tx1"/>
                           </a:solidFill>
@@ -5332,7 +5041,7 @@
                       </a:r>
                     </a:p>
                   </a:txBody>
-                  <a:tcPr anchor="ctr">
+                  <a:tcPr marL="68580" marR="68580" marT="34290" marB="34290" anchor="ctr">
                     <a:lnL w="12700" cap="flat" cmpd="sng" algn="ctr">
                       <a:solidFill>
                         <a:schemeClr val="tx1"/>
@@ -5379,7 +5088,7 @@
                     <a:p>
                       <a:pPr algn="ctr"/>
                       <a:r>
-                        <a:rPr lang="en-US" sz="1200" dirty="0">
+                        <a:rPr lang="en-US" sz="900" dirty="0">
                           <a:solidFill>
                             <a:schemeClr val="tx1"/>
                           </a:solidFill>
@@ -5390,7 +5099,7 @@
                       </a:r>
                     </a:p>
                   </a:txBody>
-                  <a:tcPr anchor="ctr">
+                  <a:tcPr marL="68580" marR="68580" marT="34290" marB="34290" anchor="ctr">
                     <a:lnL w="12700" cap="flat" cmpd="sng" algn="ctr">
                       <a:solidFill>
                         <a:schemeClr val="tx1"/>
@@ -5437,7 +5146,7 @@
                     <a:p>
                       <a:pPr algn="ctr"/>
                       <a:r>
-                        <a:rPr lang="en-US" sz="1200" dirty="0">
+                        <a:rPr lang="en-US" sz="900" dirty="0">
                           <a:solidFill>
                             <a:schemeClr val="tx1"/>
                           </a:solidFill>
@@ -5448,7 +5157,7 @@
                       </a:r>
                     </a:p>
                   </a:txBody>
-                  <a:tcPr anchor="ctr">
+                  <a:tcPr marL="68580" marR="68580" marT="34290" marB="34290" anchor="ctr">
                     <a:lnL w="12700" cap="flat" cmpd="sng" algn="ctr">
                       <a:solidFill>
                         <a:schemeClr val="tx1"/>
@@ -5500,10 +5209,10 @@
       </p:graphicFrame>
       <p:sp>
         <p:nvSpPr>
-          <p:cNvPr id="62" name="TextBox 61">
+          <p:cNvPr id="5" name="TextBox 4">
             <a:extLst>
               <a:ext uri="{FF2B5EF4-FFF2-40B4-BE49-F238E27FC236}">
-                <a16:creationId xmlns:a16="http://schemas.microsoft.com/office/drawing/2014/main" id="{7C4682C8-3DF1-2241-B253-497D08C389FF}"/>
+                <a16:creationId xmlns:a16="http://schemas.microsoft.com/office/drawing/2014/main" id="{72297E56-3C40-B44F-96DB-6B4400BC5CA8}"/>
               </a:ext>
             </a:extLst>
           </p:cNvPr>
@@ -5512,8 +5221,8 @@
         </p:nvSpPr>
         <p:spPr>
           <a:xfrm>
-            <a:off x="4238780" y="2681218"/>
-            <a:ext cx="3742624" cy="276999"/>
+            <a:off x="3179085" y="2010914"/>
+            <a:ext cx="2806968" cy="369332"/>
           </a:xfrm>
           <a:prstGeom prst="rect">
             <a:avLst/>
@@ -5530,7 +5239,7 @@
           <a:lstStyle/>
           <a:p>
             <a:r>
-              <a:rPr lang="en-ZA" sz="1200" u="sng" dirty="0">
+              <a:rPr lang="en-ZA" sz="900" u="sng" dirty="0">
                 <a:latin typeface="Arial" panose="020B0604020202020204" pitchFamily="34" charset="0"/>
                 <a:cs typeface="Arial" panose="020B0604020202020204" pitchFamily="34" charset="0"/>
               </a:rPr>
@@ -5539,300 +5248,10 @@
           </a:p>
         </p:txBody>
       </p:sp>
-      <p:sp>
-        <p:nvSpPr>
-          <p:cNvPr id="63" name="Rounded Rectangle 62">
-            <a:extLst>
-              <a:ext uri="{FF2B5EF4-FFF2-40B4-BE49-F238E27FC236}">
-                <a16:creationId xmlns:a16="http://schemas.microsoft.com/office/drawing/2014/main" id="{956A5D88-1140-FE4D-A9BE-AAE1ADE0308E}"/>
-              </a:ext>
-            </a:extLst>
-          </p:cNvPr>
-          <p:cNvSpPr/>
-          <p:nvPr/>
-        </p:nvSpPr>
-        <p:spPr>
-          <a:xfrm>
-            <a:off x="590260" y="3485223"/>
-            <a:ext cx="2986949" cy="316036"/>
-          </a:xfrm>
-          <a:prstGeom prst="roundRect">
-            <a:avLst/>
-          </a:prstGeom>
-          <a:solidFill>
-            <a:srgbClr val="849DAB"/>
-          </a:solidFill>
-        </p:spPr>
-        <p:style>
-          <a:lnRef idx="2">
-            <a:schemeClr val="accent1">
-              <a:shade val="50000"/>
-            </a:schemeClr>
-          </a:lnRef>
-          <a:fillRef idx="1">
-            <a:schemeClr val="accent1"/>
-          </a:fillRef>
-          <a:effectRef idx="0">
-            <a:schemeClr val="accent1"/>
-          </a:effectRef>
-          <a:fontRef idx="minor">
-            <a:schemeClr val="lt1"/>
-          </a:fontRef>
-        </p:style>
-        <p:txBody>
-          <a:bodyPr rtlCol="0" anchor="ctr"/>
-          <a:lstStyle/>
-          <a:p>
-            <a:pPr algn="ctr"/>
-            <a:r>
-              <a:rPr lang="en-US" sz="1400" b="1" dirty="0">
-                <a:solidFill>
-                  <a:schemeClr val="tx1"/>
-                </a:solidFill>
-                <a:latin typeface="Arial" panose="020B0604020202020204" pitchFamily="34" charset="0"/>
-                <a:cs typeface="Arial" panose="020B0604020202020204" pitchFamily="34" charset="0"/>
-              </a:rPr>
-              <a:t>METHOD</a:t>
-            </a:r>
-          </a:p>
-        </p:txBody>
-      </p:sp>
-      <p:sp>
-        <p:nvSpPr>
-          <p:cNvPr id="64" name="Rounded Rectangle 63">
-            <a:extLst>
-              <a:ext uri="{FF2B5EF4-FFF2-40B4-BE49-F238E27FC236}">
-                <a16:creationId xmlns:a16="http://schemas.microsoft.com/office/drawing/2014/main" id="{1DBAE2F8-563C-C848-95F6-93D1D23F28ED}"/>
-              </a:ext>
-            </a:extLst>
-          </p:cNvPr>
-          <p:cNvSpPr/>
-          <p:nvPr/>
-        </p:nvSpPr>
-        <p:spPr>
-          <a:xfrm>
-            <a:off x="4602525" y="1203845"/>
-            <a:ext cx="2986949" cy="316036"/>
-          </a:xfrm>
-          <a:prstGeom prst="roundRect">
-            <a:avLst/>
-          </a:prstGeom>
-          <a:solidFill>
-            <a:srgbClr val="849DAB"/>
-          </a:solidFill>
-        </p:spPr>
-        <p:style>
-          <a:lnRef idx="2">
-            <a:schemeClr val="accent1">
-              <a:shade val="50000"/>
-            </a:schemeClr>
-          </a:lnRef>
-          <a:fillRef idx="1">
-            <a:schemeClr val="accent1"/>
-          </a:fillRef>
-          <a:effectRef idx="0">
-            <a:schemeClr val="accent1"/>
-          </a:effectRef>
-          <a:fontRef idx="minor">
-            <a:schemeClr val="lt1"/>
-          </a:fontRef>
-        </p:style>
-        <p:txBody>
-          <a:bodyPr rtlCol="0" anchor="ctr"/>
-          <a:lstStyle/>
-          <a:p>
-            <a:pPr algn="ctr"/>
-            <a:r>
-              <a:rPr lang="en-US" sz="1400" b="1" dirty="0">
-                <a:solidFill>
-                  <a:schemeClr val="tx1"/>
-                </a:solidFill>
-                <a:latin typeface="Arial" panose="020B0604020202020204" pitchFamily="34" charset="0"/>
-                <a:cs typeface="Arial" panose="020B0604020202020204" pitchFamily="34" charset="0"/>
-              </a:rPr>
-              <a:t>RESULTS</a:t>
-            </a:r>
-          </a:p>
-        </p:txBody>
-      </p:sp>
-      <p:sp>
-        <p:nvSpPr>
-          <p:cNvPr id="65" name="Rounded Rectangle 64">
-            <a:extLst>
-              <a:ext uri="{FF2B5EF4-FFF2-40B4-BE49-F238E27FC236}">
-                <a16:creationId xmlns:a16="http://schemas.microsoft.com/office/drawing/2014/main" id="{8DAC1066-3E7E-D543-9E1F-B63AD191E146}"/>
-              </a:ext>
-            </a:extLst>
-          </p:cNvPr>
-          <p:cNvSpPr/>
-          <p:nvPr/>
-        </p:nvSpPr>
-        <p:spPr>
-          <a:xfrm>
-            <a:off x="8641476" y="1203845"/>
-            <a:ext cx="2986949" cy="316036"/>
-          </a:xfrm>
-          <a:prstGeom prst="roundRect">
-            <a:avLst/>
-          </a:prstGeom>
-          <a:solidFill>
-            <a:srgbClr val="849DAB"/>
-          </a:solidFill>
-        </p:spPr>
-        <p:style>
-          <a:lnRef idx="2">
-            <a:schemeClr val="accent1">
-              <a:shade val="50000"/>
-            </a:schemeClr>
-          </a:lnRef>
-          <a:fillRef idx="1">
-            <a:schemeClr val="accent1"/>
-          </a:fillRef>
-          <a:effectRef idx="0">
-            <a:schemeClr val="accent1"/>
-          </a:effectRef>
-          <a:fontRef idx="minor">
-            <a:schemeClr val="lt1"/>
-          </a:fontRef>
-        </p:style>
-        <p:txBody>
-          <a:bodyPr rtlCol="0" anchor="ctr"/>
-          <a:lstStyle/>
-          <a:p>
-            <a:pPr algn="ctr"/>
-            <a:r>
-              <a:rPr lang="en-US" sz="1400" b="1" dirty="0">
-                <a:solidFill>
-                  <a:schemeClr val="tx1"/>
-                </a:solidFill>
-                <a:latin typeface="Arial" panose="020B0604020202020204" pitchFamily="34" charset="0"/>
-                <a:cs typeface="Arial" panose="020B0604020202020204" pitchFamily="34" charset="0"/>
-              </a:rPr>
-              <a:t>HARDWARE</a:t>
-            </a:r>
-          </a:p>
-        </p:txBody>
-      </p:sp>
-      <p:sp>
-        <p:nvSpPr>
-          <p:cNvPr id="66" name="Rounded Rectangle 65">
-            <a:extLst>
-              <a:ext uri="{FF2B5EF4-FFF2-40B4-BE49-F238E27FC236}">
-                <a16:creationId xmlns:a16="http://schemas.microsoft.com/office/drawing/2014/main" id="{19D655D8-1896-944B-8A48-F4C546951428}"/>
-              </a:ext>
-            </a:extLst>
-          </p:cNvPr>
-          <p:cNvSpPr/>
-          <p:nvPr/>
-        </p:nvSpPr>
-        <p:spPr>
-          <a:xfrm>
-            <a:off x="8614791" y="3474689"/>
-            <a:ext cx="2986949" cy="316036"/>
-          </a:xfrm>
-          <a:prstGeom prst="roundRect">
-            <a:avLst/>
-          </a:prstGeom>
-          <a:solidFill>
-            <a:srgbClr val="849DAB"/>
-          </a:solidFill>
-        </p:spPr>
-        <p:style>
-          <a:lnRef idx="2">
-            <a:schemeClr val="accent1">
-              <a:shade val="50000"/>
-            </a:schemeClr>
-          </a:lnRef>
-          <a:fillRef idx="1">
-            <a:schemeClr val="accent1"/>
-          </a:fillRef>
-          <a:effectRef idx="0">
-            <a:schemeClr val="accent1"/>
-          </a:effectRef>
-          <a:fontRef idx="minor">
-            <a:schemeClr val="lt1"/>
-          </a:fontRef>
-        </p:style>
-        <p:txBody>
-          <a:bodyPr rtlCol="0" anchor="ctr"/>
-          <a:lstStyle/>
-          <a:p>
-            <a:pPr algn="ctr"/>
-            <a:r>
-              <a:rPr lang="en-US" sz="1400" b="1" dirty="0">
-                <a:solidFill>
-                  <a:schemeClr val="tx1"/>
-                </a:solidFill>
-                <a:latin typeface="Arial" panose="020B0604020202020204" pitchFamily="34" charset="0"/>
-                <a:cs typeface="Arial" panose="020B0604020202020204" pitchFamily="34" charset="0"/>
-              </a:rPr>
-              <a:t>CONCLUSION</a:t>
-            </a:r>
-          </a:p>
-        </p:txBody>
-      </p:sp>
-      <p:sp>
-        <p:nvSpPr>
-          <p:cNvPr id="67" name="Rounded Rectangle 66">
-            <a:extLst>
-              <a:ext uri="{FF2B5EF4-FFF2-40B4-BE49-F238E27FC236}">
-                <a16:creationId xmlns:a16="http://schemas.microsoft.com/office/drawing/2014/main" id="{C25EBF6D-EA8C-6F4C-BBCD-61E3DB6B2417}"/>
-              </a:ext>
-            </a:extLst>
-          </p:cNvPr>
-          <p:cNvSpPr/>
-          <p:nvPr/>
-        </p:nvSpPr>
-        <p:spPr>
-          <a:xfrm>
-            <a:off x="8641476" y="5485333"/>
-            <a:ext cx="2986949" cy="316036"/>
-          </a:xfrm>
-          <a:prstGeom prst="roundRect">
-            <a:avLst/>
-          </a:prstGeom>
-          <a:solidFill>
-            <a:srgbClr val="849DAB"/>
-          </a:solidFill>
-        </p:spPr>
-        <p:style>
-          <a:lnRef idx="2">
-            <a:schemeClr val="accent1">
-              <a:shade val="50000"/>
-            </a:schemeClr>
-          </a:lnRef>
-          <a:fillRef idx="1">
-            <a:schemeClr val="accent1"/>
-          </a:fillRef>
-          <a:effectRef idx="0">
-            <a:schemeClr val="accent1"/>
-          </a:effectRef>
-          <a:fontRef idx="minor">
-            <a:schemeClr val="lt1"/>
-          </a:fontRef>
-        </p:style>
-        <p:txBody>
-          <a:bodyPr rtlCol="0" anchor="ctr"/>
-          <a:lstStyle/>
-          <a:p>
-            <a:pPr algn="ctr"/>
-            <a:r>
-              <a:rPr lang="en-US" sz="1400" b="1" dirty="0">
-                <a:solidFill>
-                  <a:schemeClr val="tx1"/>
-                </a:solidFill>
-                <a:latin typeface="Arial" panose="020B0604020202020204" pitchFamily="34" charset="0"/>
-                <a:cs typeface="Arial" panose="020B0604020202020204" pitchFamily="34" charset="0"/>
-              </a:rPr>
-              <a:t>REFERENCES</a:t>
-            </a:r>
-          </a:p>
-        </p:txBody>
-      </p:sp>
     </p:spTree>
     <p:extLst>
       <p:ext uri="{BB962C8B-B14F-4D97-AF65-F5344CB8AC3E}">
-        <p14:creationId xmlns:p14="http://schemas.microsoft.com/office/powerpoint/2010/main" val="2435124002"/>
+        <p14:creationId xmlns:p14="http://schemas.microsoft.com/office/powerpoint/2010/main" val="3239801246"/>
       </p:ext>
     </p:extLst>
   </p:cSld>
@@ -5845,7 +5264,7 @@
 <file path=ppt/theme/theme1.xml><?xml version="1.0" encoding="utf-8"?>
 <a:theme xmlns:a="http://schemas.openxmlformats.org/drawingml/2006/main" name="Office テーマ">
   <a:themeElements>
-    <a:clrScheme name="Office">
+    <a:clrScheme name="Office Theme">
       <a:dk1>
         <a:sysClr val="windowText" lastClr="000000"/>
       </a:dk1>
@@ -5883,9 +5302,9 @@
         <a:srgbClr val="954F72"/>
       </a:folHlink>
     </a:clrScheme>
-    <a:fontScheme name="Office">
+    <a:fontScheme name="Office Theme">
       <a:majorFont>
-        <a:latin typeface="游ゴシック Light" panose="020F0302020204030204"/>
+        <a:latin typeface="Calibri Light" panose="020F0302020204030204"/>
         <a:ea typeface=""/>
         <a:cs typeface=""/>
         <a:font script="Jpan" typeface="游ゴシック Light"/>
@@ -5918,26 +5337,9 @@
         <a:font script="Viet" typeface="Times New Roman"/>
         <a:font script="Uigh" typeface="Microsoft Uighur"/>
         <a:font script="Geor" typeface="Sylfaen"/>
-        <a:font script="Armn" typeface="Arial"/>
-        <a:font script="Bugi" typeface="Leelawadee UI"/>
-        <a:font script="Bopo" typeface="Microsoft JhengHei"/>
-        <a:font script="Java" typeface="Javanese Text"/>
-        <a:font script="Lisu" typeface="Segoe UI"/>
-        <a:font script="Mymr" typeface="Myanmar Text"/>
-        <a:font script="Nkoo" typeface="Ebrima"/>
-        <a:font script="Olck" typeface="Nirmala UI"/>
-        <a:font script="Osma" typeface="Ebrima"/>
-        <a:font script="Phag" typeface="Phagspa"/>
-        <a:font script="Syrn" typeface="Estrangelo Edessa"/>
-        <a:font script="Syrj" typeface="Estrangelo Edessa"/>
-        <a:font script="Syre" typeface="Estrangelo Edessa"/>
-        <a:font script="Sora" typeface="Nirmala UI"/>
-        <a:font script="Tale" typeface="Microsoft Tai Le"/>
-        <a:font script="Talu" typeface="Microsoft New Tai Lue"/>
-        <a:font script="Tfng" typeface="Ebrima"/>
       </a:majorFont>
       <a:minorFont>
-        <a:latin typeface="游ゴシック" panose="020F0502020204030204"/>
+        <a:latin typeface="Calibri" panose="020F0502020204030204"/>
         <a:ea typeface=""/>
         <a:cs typeface=""/>
         <a:font script="Jpan" typeface="游ゴシック"/>
@@ -5970,26 +5372,9 @@
         <a:font script="Viet" typeface="Arial"/>
         <a:font script="Uigh" typeface="Microsoft Uighur"/>
         <a:font script="Geor" typeface="Sylfaen"/>
-        <a:font script="Armn" typeface="Arial"/>
-        <a:font script="Bugi" typeface="Leelawadee UI"/>
-        <a:font script="Bopo" typeface="Microsoft JhengHei"/>
-        <a:font script="Java" typeface="Javanese Text"/>
-        <a:font script="Lisu" typeface="Segoe UI"/>
-        <a:font script="Mymr" typeface="Myanmar Text"/>
-        <a:font script="Nkoo" typeface="Ebrima"/>
-        <a:font script="Olck" typeface="Nirmala UI"/>
-        <a:font script="Osma" typeface="Ebrima"/>
-        <a:font script="Phag" typeface="Phagspa"/>
-        <a:font script="Syrn" typeface="Estrangelo Edessa"/>
-        <a:font script="Syrj" typeface="Estrangelo Edessa"/>
-        <a:font script="Syre" typeface="Estrangelo Edessa"/>
-        <a:font script="Sora" typeface="Nirmala UI"/>
-        <a:font script="Tale" typeface="Microsoft Tai Le"/>
-        <a:font script="Talu" typeface="Microsoft New Tai Lue"/>
-        <a:font script="Tfng" typeface="Ebrima"/>
       </a:minorFont>
     </a:fontScheme>
-    <a:fmtScheme name="Office">
+    <a:fmtScheme name="Office Theme">
       <a:fillStyleLst>
         <a:solidFill>
           <a:schemeClr val="phClr"/>
